--- a/16. DFD Essencial para Cada Capacidade.pptx
+++ b/16. DFD Essencial para Cada Capacidade.pptx
@@ -2,7 +2,7 @@
 <file path=ppt/presentation.xml><?xml version="1.0" encoding="utf-8"?>
 <p:presentation xmlns:a="http://schemas.openxmlformats.org/drawingml/2006/main" xmlns:r="http://schemas.openxmlformats.org/officeDocument/2006/relationships" xmlns:mc="http://schemas.openxmlformats.org/markup-compatibility/2006" xmlns:mv="urn:schemas-microsoft-com:mac:vml" xmlns:p="http://schemas.openxmlformats.org/presentationml/2006/main" xmlns:c="http://schemas.openxmlformats.org/drawingml/2006/chart" xmlns:dgm="http://schemas.openxmlformats.org/drawingml/2006/diagram" xmlns:o="urn:schemas-microsoft-com:office:office" xmlns:v="urn:schemas-microsoft-com:vml" xmlns:pvml="urn:schemas-microsoft-com:office:powerpoint" xmlns:com="http://schemas.openxmlformats.org/drawingml/2006/compatibility" xmlns:p14="http://schemas.microsoft.com/office/powerpoint/2010/main" xmlns:p15="http://schemas.microsoft.com/office/powerpoint/2012/main" autoCompressPictures="0" strictFirstAndLastChars="0" saveSubsetFonts="1">
   <p:sldMasterIdLst>
-    <p:sldMasterId id="2147483659" r:id="rId4"/>
+    <p:sldMasterId id="2147483648" r:id="rId4"/>
   </p:sldMasterIdLst>
   <p:notesMasterIdLst>
     <p:notesMasterId r:id="rId5"/>
@@ -21,7 +21,6 @@
     <p:sldId id="266" r:id="rId16"/>
     <p:sldId id="267" r:id="rId17"/>
     <p:sldId id="268" r:id="rId18"/>
-    <p:sldId id="269" r:id="rId19"/>
   </p:sldIdLst>
   <p:sldSz cy="5143500" cx="9144000"/>
   <p:notesSz cx="6858000" cy="9144000"/>
@@ -269,6 +268,9 @@
         </p15:guide>
       </p15:sldGuideLst>
     </p:ext>
+    <p:ext uri="http://customooxmlschemas.google.com/">
+      <go:slidesCustomData xmlns:go="http://customooxmlschemas.google.com/" r:id="rId19" roundtripDataSignature="AMtx7mjHlOghee4AAeVUJOu2wPyk8tScHQ=="/>
+    </p:ext>
   </p:extLst>
 </p:presentation>
 </file>
@@ -361,104 +363,239 @@
             <a:noAutofit/>
           </a:bodyPr>
           <a:lstStyle>
-            <a:lvl1pPr indent="-298450" lvl="0" marL="457200">
-              <a:spcBef>
-                <a:spcPts val="0"/>
-              </a:spcBef>
-              <a:spcAft>
-                <a:spcPts val="0"/>
-              </a:spcAft>
+            <a:lvl1pPr indent="-298450" lvl="0" marL="457200" marR="0" rtl="0" algn="l">
+              <a:lnSpc>
+                <a:spcPct val="100000"/>
+              </a:lnSpc>
+              <a:spcBef>
+                <a:spcPts val="0"/>
+              </a:spcBef>
+              <a:spcAft>
+                <a:spcPts val="0"/>
+              </a:spcAft>
+              <a:buClr>
+                <a:srgbClr val="000000"/>
+              </a:buClr>
               <a:buSzPts val="1100"/>
+              <a:buFont typeface="Arial"/>
               <a:buChar char="●"/>
-              <a:defRPr sz="1100"/>
+              <a:defRPr b="0" i="0" sz="1100" u="none" cap="none" strike="noStrike">
+                <a:solidFill>
+                  <a:srgbClr val="000000"/>
+                </a:solidFill>
+                <a:latin typeface="Arial"/>
+                <a:ea typeface="Arial"/>
+                <a:cs typeface="Arial"/>
+                <a:sym typeface="Arial"/>
+              </a:defRPr>
             </a:lvl1pPr>
-            <a:lvl2pPr indent="-298450" lvl="1" marL="914400">
-              <a:spcBef>
-                <a:spcPts val="0"/>
-              </a:spcBef>
-              <a:spcAft>
-                <a:spcPts val="0"/>
-              </a:spcAft>
+            <a:lvl2pPr indent="-298450" lvl="1" marL="914400" marR="0" rtl="0" algn="l">
+              <a:lnSpc>
+                <a:spcPct val="100000"/>
+              </a:lnSpc>
+              <a:spcBef>
+                <a:spcPts val="0"/>
+              </a:spcBef>
+              <a:spcAft>
+                <a:spcPts val="0"/>
+              </a:spcAft>
+              <a:buClr>
+                <a:srgbClr val="000000"/>
+              </a:buClr>
               <a:buSzPts val="1100"/>
+              <a:buFont typeface="Arial"/>
               <a:buChar char="○"/>
-              <a:defRPr sz="1100"/>
+              <a:defRPr b="0" i="0" sz="1100" u="none" cap="none" strike="noStrike">
+                <a:solidFill>
+                  <a:srgbClr val="000000"/>
+                </a:solidFill>
+                <a:latin typeface="Arial"/>
+                <a:ea typeface="Arial"/>
+                <a:cs typeface="Arial"/>
+                <a:sym typeface="Arial"/>
+              </a:defRPr>
             </a:lvl2pPr>
-            <a:lvl3pPr indent="-298450" lvl="2" marL="1371600">
-              <a:spcBef>
-                <a:spcPts val="0"/>
-              </a:spcBef>
-              <a:spcAft>
-                <a:spcPts val="0"/>
-              </a:spcAft>
+            <a:lvl3pPr indent="-298450" lvl="2" marL="1371600" marR="0" rtl="0" algn="l">
+              <a:lnSpc>
+                <a:spcPct val="100000"/>
+              </a:lnSpc>
+              <a:spcBef>
+                <a:spcPts val="0"/>
+              </a:spcBef>
+              <a:spcAft>
+                <a:spcPts val="0"/>
+              </a:spcAft>
+              <a:buClr>
+                <a:srgbClr val="000000"/>
+              </a:buClr>
               <a:buSzPts val="1100"/>
+              <a:buFont typeface="Arial"/>
               <a:buChar char="■"/>
-              <a:defRPr sz="1100"/>
+              <a:defRPr b="0" i="0" sz="1100" u="none" cap="none" strike="noStrike">
+                <a:solidFill>
+                  <a:srgbClr val="000000"/>
+                </a:solidFill>
+                <a:latin typeface="Arial"/>
+                <a:ea typeface="Arial"/>
+                <a:cs typeface="Arial"/>
+                <a:sym typeface="Arial"/>
+              </a:defRPr>
             </a:lvl3pPr>
-            <a:lvl4pPr indent="-298450" lvl="3" marL="1828800">
-              <a:spcBef>
-                <a:spcPts val="0"/>
-              </a:spcBef>
-              <a:spcAft>
-                <a:spcPts val="0"/>
-              </a:spcAft>
+            <a:lvl4pPr indent="-298450" lvl="3" marL="1828800" marR="0" rtl="0" algn="l">
+              <a:lnSpc>
+                <a:spcPct val="100000"/>
+              </a:lnSpc>
+              <a:spcBef>
+                <a:spcPts val="0"/>
+              </a:spcBef>
+              <a:spcAft>
+                <a:spcPts val="0"/>
+              </a:spcAft>
+              <a:buClr>
+                <a:srgbClr val="000000"/>
+              </a:buClr>
               <a:buSzPts val="1100"/>
+              <a:buFont typeface="Arial"/>
               <a:buChar char="●"/>
-              <a:defRPr sz="1100"/>
+              <a:defRPr b="0" i="0" sz="1100" u="none" cap="none" strike="noStrike">
+                <a:solidFill>
+                  <a:srgbClr val="000000"/>
+                </a:solidFill>
+                <a:latin typeface="Arial"/>
+                <a:ea typeface="Arial"/>
+                <a:cs typeface="Arial"/>
+                <a:sym typeface="Arial"/>
+              </a:defRPr>
             </a:lvl4pPr>
-            <a:lvl5pPr indent="-298450" lvl="4" marL="2286000">
-              <a:spcBef>
-                <a:spcPts val="0"/>
-              </a:spcBef>
-              <a:spcAft>
-                <a:spcPts val="0"/>
-              </a:spcAft>
+            <a:lvl5pPr indent="-298450" lvl="4" marL="2286000" marR="0" rtl="0" algn="l">
+              <a:lnSpc>
+                <a:spcPct val="100000"/>
+              </a:lnSpc>
+              <a:spcBef>
+                <a:spcPts val="0"/>
+              </a:spcBef>
+              <a:spcAft>
+                <a:spcPts val="0"/>
+              </a:spcAft>
+              <a:buClr>
+                <a:srgbClr val="000000"/>
+              </a:buClr>
               <a:buSzPts val="1100"/>
+              <a:buFont typeface="Arial"/>
               <a:buChar char="○"/>
-              <a:defRPr sz="1100"/>
+              <a:defRPr b="0" i="0" sz="1100" u="none" cap="none" strike="noStrike">
+                <a:solidFill>
+                  <a:srgbClr val="000000"/>
+                </a:solidFill>
+                <a:latin typeface="Arial"/>
+                <a:ea typeface="Arial"/>
+                <a:cs typeface="Arial"/>
+                <a:sym typeface="Arial"/>
+              </a:defRPr>
             </a:lvl5pPr>
-            <a:lvl6pPr indent="-298450" lvl="5" marL="2743200">
-              <a:spcBef>
-                <a:spcPts val="0"/>
-              </a:spcBef>
-              <a:spcAft>
-                <a:spcPts val="0"/>
-              </a:spcAft>
+            <a:lvl6pPr indent="-298450" lvl="5" marL="2743200" marR="0" rtl="0" algn="l">
+              <a:lnSpc>
+                <a:spcPct val="100000"/>
+              </a:lnSpc>
+              <a:spcBef>
+                <a:spcPts val="0"/>
+              </a:spcBef>
+              <a:spcAft>
+                <a:spcPts val="0"/>
+              </a:spcAft>
+              <a:buClr>
+                <a:srgbClr val="000000"/>
+              </a:buClr>
               <a:buSzPts val="1100"/>
+              <a:buFont typeface="Arial"/>
               <a:buChar char="■"/>
-              <a:defRPr sz="1100"/>
+              <a:defRPr b="0" i="0" sz="1100" u="none" cap="none" strike="noStrike">
+                <a:solidFill>
+                  <a:srgbClr val="000000"/>
+                </a:solidFill>
+                <a:latin typeface="Arial"/>
+                <a:ea typeface="Arial"/>
+                <a:cs typeface="Arial"/>
+                <a:sym typeface="Arial"/>
+              </a:defRPr>
             </a:lvl6pPr>
-            <a:lvl7pPr indent="-298450" lvl="6" marL="3200400">
-              <a:spcBef>
-                <a:spcPts val="0"/>
-              </a:spcBef>
-              <a:spcAft>
-                <a:spcPts val="0"/>
-              </a:spcAft>
+            <a:lvl7pPr indent="-298450" lvl="6" marL="3200400" marR="0" rtl="0" algn="l">
+              <a:lnSpc>
+                <a:spcPct val="100000"/>
+              </a:lnSpc>
+              <a:spcBef>
+                <a:spcPts val="0"/>
+              </a:spcBef>
+              <a:spcAft>
+                <a:spcPts val="0"/>
+              </a:spcAft>
+              <a:buClr>
+                <a:srgbClr val="000000"/>
+              </a:buClr>
               <a:buSzPts val="1100"/>
+              <a:buFont typeface="Arial"/>
               <a:buChar char="●"/>
-              <a:defRPr sz="1100"/>
+              <a:defRPr b="0" i="0" sz="1100" u="none" cap="none" strike="noStrike">
+                <a:solidFill>
+                  <a:srgbClr val="000000"/>
+                </a:solidFill>
+                <a:latin typeface="Arial"/>
+                <a:ea typeface="Arial"/>
+                <a:cs typeface="Arial"/>
+                <a:sym typeface="Arial"/>
+              </a:defRPr>
             </a:lvl7pPr>
-            <a:lvl8pPr indent="-298450" lvl="7" marL="3657600">
-              <a:spcBef>
-                <a:spcPts val="0"/>
-              </a:spcBef>
-              <a:spcAft>
-                <a:spcPts val="0"/>
-              </a:spcAft>
+            <a:lvl8pPr indent="-298450" lvl="7" marL="3657600" marR="0" rtl="0" algn="l">
+              <a:lnSpc>
+                <a:spcPct val="100000"/>
+              </a:lnSpc>
+              <a:spcBef>
+                <a:spcPts val="0"/>
+              </a:spcBef>
+              <a:spcAft>
+                <a:spcPts val="0"/>
+              </a:spcAft>
+              <a:buClr>
+                <a:srgbClr val="000000"/>
+              </a:buClr>
               <a:buSzPts val="1100"/>
+              <a:buFont typeface="Arial"/>
               <a:buChar char="○"/>
-              <a:defRPr sz="1100"/>
+              <a:defRPr b="0" i="0" sz="1100" u="none" cap="none" strike="noStrike">
+                <a:solidFill>
+                  <a:srgbClr val="000000"/>
+                </a:solidFill>
+                <a:latin typeface="Arial"/>
+                <a:ea typeface="Arial"/>
+                <a:cs typeface="Arial"/>
+                <a:sym typeface="Arial"/>
+              </a:defRPr>
             </a:lvl8pPr>
-            <a:lvl9pPr indent="-298450" lvl="8" marL="4114800">
-              <a:spcBef>
-                <a:spcPts val="0"/>
-              </a:spcBef>
-              <a:spcAft>
-                <a:spcPts val="0"/>
-              </a:spcAft>
+            <a:lvl9pPr indent="-298450" lvl="8" marL="4114800" marR="0" rtl="0" algn="l">
+              <a:lnSpc>
+                <a:spcPct val="100000"/>
+              </a:lnSpc>
+              <a:spcBef>
+                <a:spcPts val="0"/>
+              </a:spcBef>
+              <a:spcAft>
+                <a:spcPts val="0"/>
+              </a:spcAft>
+              <a:buClr>
+                <a:srgbClr val="000000"/>
+              </a:buClr>
               <a:buSzPts val="1100"/>
+              <a:buFont typeface="Arial"/>
               <a:buChar char="■"/>
-              <a:defRPr sz="1100"/>
+              <a:defRPr b="0" i="0" sz="1100" u="none" cap="none" strike="noStrike">
+                <a:solidFill>
+                  <a:srgbClr val="000000"/>
+                </a:solidFill>
+                <a:latin typeface="Arial"/>
+                <a:ea typeface="Arial"/>
+                <a:cs typeface="Arial"/>
+                <a:sym typeface="Arial"/>
+              </a:defRPr>
             </a:lvl9pPr>
           </a:lstStyle>
           <a:p/>
@@ -718,7 +855,7 @@
       </p:grpSpPr>
       <p:sp>
         <p:nvSpPr>
-          <p:cNvPr id="51" name="Google Shape;51;g844417ae4b_1_0:notes"/>
+          <p:cNvPr id="51" name="Google Shape;51;p1:notes"/>
           <p:cNvSpPr/>
           <p:nvPr>
             <p:ph idx="2" type="sldImg"/>
@@ -749,11 +886,21 @@
               </a:path>
             </a:pathLst>
           </a:custGeom>
+          <a:noFill/>
+          <a:ln cap="flat" cmpd="sng" w="9525">
+            <a:solidFill>
+              <a:srgbClr val="000000"/>
+            </a:solidFill>
+            <a:prstDash val="solid"/>
+            <a:round/>
+            <a:headEnd len="sm" w="sm" type="none"/>
+            <a:tailEnd len="sm" w="sm" type="none"/>
+          </a:ln>
         </p:spPr>
       </p:sp>
       <p:sp>
         <p:nvSpPr>
-          <p:cNvPr id="52" name="Google Shape;52;g844417ae4b_1_0:notes"/>
+          <p:cNvPr id="52" name="Google Shape;52;p1:notes"/>
           <p:cNvSpPr txBox="1"/>
           <p:nvPr>
             <p:ph idx="1" type="body"/>
@@ -767,6 +914,10 @@
           <a:prstGeom prst="rect">
             <a:avLst/>
           </a:prstGeom>
+          <a:noFill/>
+          <a:ln>
+            <a:noFill/>
+          </a:ln>
         </p:spPr>
         <p:txBody>
           <a:bodyPr anchorCtr="0" anchor="t" bIns="91425" lIns="91425" spcFirstLastPara="1" rIns="91425" wrap="square" tIns="91425">
@@ -775,12 +926,16 @@
           <a:lstStyle/>
           <a:p>
             <a:pPr indent="0" lvl="0" marL="0" rtl="0" algn="l">
-              <a:spcBef>
-                <a:spcPts val="0"/>
-              </a:spcBef>
-              <a:spcAft>
-                <a:spcPts val="0"/>
-              </a:spcAft>
+              <a:lnSpc>
+                <a:spcPct val="100000"/>
+              </a:lnSpc>
+              <a:spcBef>
+                <a:spcPts val="0"/>
+              </a:spcBef>
+              <a:spcAft>
+                <a:spcPts val="0"/>
+              </a:spcAft>
+              <a:buSzPts val="1100"/>
               <a:buNone/>
             </a:pPr>
             <a:r>
@@ -817,7 +972,7 @@
       </p:grpSpPr>
       <p:sp>
         <p:nvSpPr>
-          <p:cNvPr id="96" name="Google Shape;96;g844417ae4b_1_61:notes"/>
+          <p:cNvPr id="96" name="Google Shape;96;p10:notes"/>
           <p:cNvSpPr/>
           <p:nvPr>
             <p:ph idx="2" type="sldImg"/>
@@ -848,11 +1003,21 @@
               </a:path>
             </a:pathLst>
           </a:custGeom>
+          <a:noFill/>
+          <a:ln cap="flat" cmpd="sng" w="9525">
+            <a:solidFill>
+              <a:srgbClr val="000000"/>
+            </a:solidFill>
+            <a:prstDash val="solid"/>
+            <a:round/>
+            <a:headEnd len="sm" w="sm" type="none"/>
+            <a:tailEnd len="sm" w="sm" type="none"/>
+          </a:ln>
         </p:spPr>
       </p:sp>
       <p:sp>
         <p:nvSpPr>
-          <p:cNvPr id="97" name="Google Shape;97;g844417ae4b_1_61:notes"/>
+          <p:cNvPr id="97" name="Google Shape;97;p10:notes"/>
           <p:cNvSpPr txBox="1"/>
           <p:nvPr>
             <p:ph idx="1" type="body"/>
@@ -866,6 +1031,10 @@
           <a:prstGeom prst="rect">
             <a:avLst/>
           </a:prstGeom>
+          <a:noFill/>
+          <a:ln>
+            <a:noFill/>
+          </a:ln>
         </p:spPr>
         <p:txBody>
           <a:bodyPr anchorCtr="0" anchor="t" bIns="91425" lIns="91425" spcFirstLastPara="1" rIns="91425" wrap="square" tIns="91425">
@@ -874,12 +1043,16 @@
           <a:lstStyle/>
           <a:p>
             <a:pPr indent="0" lvl="0" marL="0" rtl="0" algn="l">
-              <a:spcBef>
-                <a:spcPts val="0"/>
-              </a:spcBef>
-              <a:spcAft>
-                <a:spcPts val="0"/>
-              </a:spcAft>
+              <a:lnSpc>
+                <a:spcPct val="100000"/>
+              </a:lnSpc>
+              <a:spcBef>
+                <a:spcPts val="0"/>
+              </a:spcBef>
+              <a:spcAft>
+                <a:spcPts val="0"/>
+              </a:spcAft>
+              <a:buSzPts val="1100"/>
               <a:buNone/>
             </a:pPr>
             <a:r>
@@ -916,7 +1089,7 @@
       </p:grpSpPr>
       <p:sp>
         <p:nvSpPr>
-          <p:cNvPr id="101" name="Google Shape;101;g844417ae4b_1_66:notes"/>
+          <p:cNvPr id="101" name="Google Shape;101;p11:notes"/>
           <p:cNvSpPr/>
           <p:nvPr>
             <p:ph idx="2" type="sldImg"/>
@@ -947,11 +1120,21 @@
               </a:path>
             </a:pathLst>
           </a:custGeom>
+          <a:noFill/>
+          <a:ln cap="flat" cmpd="sng" w="9525">
+            <a:solidFill>
+              <a:srgbClr val="000000"/>
+            </a:solidFill>
+            <a:prstDash val="solid"/>
+            <a:round/>
+            <a:headEnd len="sm" w="sm" type="none"/>
+            <a:tailEnd len="sm" w="sm" type="none"/>
+          </a:ln>
         </p:spPr>
       </p:sp>
       <p:sp>
         <p:nvSpPr>
-          <p:cNvPr id="102" name="Google Shape;102;g844417ae4b_1_66:notes"/>
+          <p:cNvPr id="102" name="Google Shape;102;p11:notes"/>
           <p:cNvSpPr txBox="1"/>
           <p:nvPr>
             <p:ph idx="1" type="body"/>
@@ -965,6 +1148,10 @@
           <a:prstGeom prst="rect">
             <a:avLst/>
           </a:prstGeom>
+          <a:noFill/>
+          <a:ln>
+            <a:noFill/>
+          </a:ln>
         </p:spPr>
         <p:txBody>
           <a:bodyPr anchorCtr="0" anchor="t" bIns="91425" lIns="91425" spcFirstLastPara="1" rIns="91425" wrap="square" tIns="91425">
@@ -973,12 +1160,16 @@
           <a:lstStyle/>
           <a:p>
             <a:pPr indent="0" lvl="0" marL="0" rtl="0" algn="l">
-              <a:spcBef>
-                <a:spcPts val="0"/>
-              </a:spcBef>
-              <a:spcAft>
-                <a:spcPts val="0"/>
-              </a:spcAft>
+              <a:lnSpc>
+                <a:spcPct val="100000"/>
+              </a:lnSpc>
+              <a:spcBef>
+                <a:spcPts val="0"/>
+              </a:spcBef>
+              <a:spcAft>
+                <a:spcPts val="0"/>
+              </a:spcAft>
+              <a:buSzPts val="1100"/>
               <a:buNone/>
             </a:pPr>
             <a:r>
@@ -1015,7 +1206,7 @@
       </p:grpSpPr>
       <p:sp>
         <p:nvSpPr>
-          <p:cNvPr id="106" name="Google Shape;106;g844417ae4b_1_71:notes"/>
+          <p:cNvPr id="106" name="Google Shape;106;p12:notes"/>
           <p:cNvSpPr/>
           <p:nvPr>
             <p:ph idx="2" type="sldImg"/>
@@ -1046,11 +1237,21 @@
               </a:path>
             </a:pathLst>
           </a:custGeom>
+          <a:noFill/>
+          <a:ln cap="flat" cmpd="sng" w="9525">
+            <a:solidFill>
+              <a:srgbClr val="000000"/>
+            </a:solidFill>
+            <a:prstDash val="solid"/>
+            <a:round/>
+            <a:headEnd len="sm" w="sm" type="none"/>
+            <a:tailEnd len="sm" w="sm" type="none"/>
+          </a:ln>
         </p:spPr>
       </p:sp>
       <p:sp>
         <p:nvSpPr>
-          <p:cNvPr id="107" name="Google Shape;107;g844417ae4b_1_71:notes"/>
+          <p:cNvPr id="107" name="Google Shape;107;p12:notes"/>
           <p:cNvSpPr txBox="1"/>
           <p:nvPr>
             <p:ph idx="1" type="body"/>
@@ -1064,6 +1265,10 @@
           <a:prstGeom prst="rect">
             <a:avLst/>
           </a:prstGeom>
+          <a:noFill/>
+          <a:ln>
+            <a:noFill/>
+          </a:ln>
         </p:spPr>
         <p:txBody>
           <a:bodyPr anchorCtr="0" anchor="t" bIns="91425" lIns="91425" spcFirstLastPara="1" rIns="91425" wrap="square" tIns="91425">
@@ -1072,12 +1277,16 @@
           <a:lstStyle/>
           <a:p>
             <a:pPr indent="0" lvl="0" marL="0" rtl="0" algn="l">
-              <a:spcBef>
-                <a:spcPts val="0"/>
-              </a:spcBef>
-              <a:spcAft>
-                <a:spcPts val="0"/>
-              </a:spcAft>
+              <a:lnSpc>
+                <a:spcPct val="100000"/>
+              </a:lnSpc>
+              <a:spcBef>
+                <a:spcPts val="0"/>
+              </a:spcBef>
+              <a:spcAft>
+                <a:spcPts val="0"/>
+              </a:spcAft>
+              <a:buSzPts val="1100"/>
               <a:buNone/>
             </a:pPr>
             <a:r>
@@ -1114,7 +1323,7 @@
       </p:grpSpPr>
       <p:sp>
         <p:nvSpPr>
-          <p:cNvPr id="111" name="Google Shape;111;g844417ae4b_1_76:notes"/>
+          <p:cNvPr id="111" name="Google Shape;111;p13:notes"/>
           <p:cNvSpPr/>
           <p:nvPr>
             <p:ph idx="2" type="sldImg"/>
@@ -1145,11 +1354,21 @@
               </a:path>
             </a:pathLst>
           </a:custGeom>
+          <a:noFill/>
+          <a:ln cap="flat" cmpd="sng" w="9525">
+            <a:solidFill>
+              <a:srgbClr val="000000"/>
+            </a:solidFill>
+            <a:prstDash val="solid"/>
+            <a:round/>
+            <a:headEnd len="sm" w="sm" type="none"/>
+            <a:tailEnd len="sm" w="sm" type="none"/>
+          </a:ln>
         </p:spPr>
       </p:sp>
       <p:sp>
         <p:nvSpPr>
-          <p:cNvPr id="112" name="Google Shape;112;g844417ae4b_1_76:notes"/>
+          <p:cNvPr id="112" name="Google Shape;112;p13:notes"/>
           <p:cNvSpPr txBox="1"/>
           <p:nvPr>
             <p:ph idx="1" type="body"/>
@@ -1163,6 +1382,10 @@
           <a:prstGeom prst="rect">
             <a:avLst/>
           </a:prstGeom>
+          <a:noFill/>
+          <a:ln>
+            <a:noFill/>
+          </a:ln>
         </p:spPr>
         <p:txBody>
           <a:bodyPr anchorCtr="0" anchor="t" bIns="91425" lIns="91425" spcFirstLastPara="1" rIns="91425" wrap="square" tIns="91425">
@@ -1171,111 +1394,16 @@
           <a:lstStyle/>
           <a:p>
             <a:pPr indent="0" lvl="0" marL="0" rtl="0" algn="l">
-              <a:spcBef>
-                <a:spcPts val="0"/>
-              </a:spcBef>
-              <a:spcAft>
-                <a:spcPts val="0"/>
-              </a:spcAft>
-              <a:buNone/>
-            </a:pPr>
-            <a:r>
-              <a:t/>
-            </a:r>
-            <a:endParaRPr/>
-          </a:p>
-        </p:txBody>
-      </p:sp>
-    </p:spTree>
-  </p:cSld>
-  <p:clrMapOvr>
-    <a:masterClrMapping/>
-  </p:clrMapOvr>
-</p:notes>
-</file>
-
-<file path=ppt/notesSlides/notesSlide14.xml><?xml version="1.0" encoding="utf-8"?>
-<p:notes xmlns:a="http://schemas.openxmlformats.org/drawingml/2006/main" xmlns:r="http://schemas.openxmlformats.org/officeDocument/2006/relationships" xmlns:mc="http://schemas.openxmlformats.org/markup-compatibility/2006" xmlns:mv="urn:schemas-microsoft-com:mac:vml" xmlns:p="http://schemas.openxmlformats.org/presentationml/2006/main" xmlns:c="http://schemas.openxmlformats.org/drawingml/2006/chart" xmlns:dgm="http://schemas.openxmlformats.org/drawingml/2006/diagram" xmlns:o="urn:schemas-microsoft-com:office:office" xmlns:v="urn:schemas-microsoft-com:vml" xmlns:pvml="urn:schemas-microsoft-com:office:powerpoint" xmlns:com="http://schemas.openxmlformats.org/drawingml/2006/compatibility" xmlns:p14="http://schemas.microsoft.com/office/powerpoint/2010/main" xmlns:p15="http://schemas.microsoft.com/office/powerpoint/2012/main" showMasterPhAnim="0" showMasterSp="0">
-  <p:cSld>
-    <p:spTree>
-      <p:nvGrpSpPr>
-        <p:cNvPr id="115" name="Shape 115"/>
-        <p:cNvGrpSpPr/>
-        <p:nvPr/>
-      </p:nvGrpSpPr>
-      <p:grpSpPr>
-        <a:xfrm>
-          <a:off x="0" y="0"/>
-          <a:ext cx="0" cy="0"/>
-          <a:chOff x="0" y="0"/>
-          <a:chExt cx="0" cy="0"/>
-        </a:xfrm>
-      </p:grpSpPr>
-      <p:sp>
-        <p:nvSpPr>
-          <p:cNvPr id="116" name="Google Shape;116;g844417ae4b_1_81:notes"/>
-          <p:cNvSpPr/>
-          <p:nvPr>
-            <p:ph idx="2" type="sldImg"/>
-          </p:nvPr>
-        </p:nvSpPr>
-        <p:spPr>
-          <a:xfrm>
-            <a:off x="381300" y="685800"/>
-            <a:ext cx="6096000" cy="3429000"/>
-          </a:xfrm>
-          <a:custGeom>
-            <a:rect b="b" l="l" r="r" t="t"/>
-            <a:pathLst>
-              <a:path extrusionOk="0" h="120000" w="120000">
-                <a:moveTo>
-                  <a:pt x="0" y="0"/>
-                </a:moveTo>
-                <a:lnTo>
-                  <a:pt x="120000" y="0"/>
-                </a:lnTo>
-                <a:lnTo>
-                  <a:pt x="120000" y="120000"/>
-                </a:lnTo>
-                <a:lnTo>
-                  <a:pt x="0" y="120000"/>
-                </a:lnTo>
-                <a:close/>
-              </a:path>
-            </a:pathLst>
-          </a:custGeom>
-        </p:spPr>
-      </p:sp>
-      <p:sp>
-        <p:nvSpPr>
-          <p:cNvPr id="117" name="Google Shape;117;g844417ae4b_1_81:notes"/>
-          <p:cNvSpPr txBox="1"/>
-          <p:nvPr>
-            <p:ph idx="1" type="body"/>
-          </p:nvPr>
-        </p:nvSpPr>
-        <p:spPr>
-          <a:xfrm>
-            <a:off x="685800" y="4343400"/>
-            <a:ext cx="5486400" cy="4114800"/>
-          </a:xfrm>
-          <a:prstGeom prst="rect">
-            <a:avLst/>
-          </a:prstGeom>
-        </p:spPr>
-        <p:txBody>
-          <a:bodyPr anchorCtr="0" anchor="t" bIns="91425" lIns="91425" spcFirstLastPara="1" rIns="91425" wrap="square" tIns="91425">
-            <a:noAutofit/>
-          </a:bodyPr>
-          <a:lstStyle/>
-          <a:p>
-            <a:pPr indent="0" lvl="0" marL="0" rtl="0" algn="l">
-              <a:spcBef>
-                <a:spcPts val="0"/>
-              </a:spcBef>
-              <a:spcAft>
-                <a:spcPts val="0"/>
-              </a:spcAft>
+              <a:lnSpc>
+                <a:spcPct val="100000"/>
+              </a:lnSpc>
+              <a:spcBef>
+                <a:spcPts val="0"/>
+              </a:spcBef>
+              <a:spcAft>
+                <a:spcPts val="0"/>
+              </a:spcAft>
+              <a:buSzPts val="1100"/>
               <a:buNone/>
             </a:pPr>
             <a:r>
@@ -1312,7 +1440,7 @@
       </p:grpSpPr>
       <p:sp>
         <p:nvSpPr>
-          <p:cNvPr id="56" name="Google Shape;56;g844417ae4b_1_9:notes"/>
+          <p:cNvPr id="56" name="Google Shape;56;p2:notes"/>
           <p:cNvSpPr/>
           <p:nvPr>
             <p:ph idx="2" type="sldImg"/>
@@ -1343,11 +1471,21 @@
               </a:path>
             </a:pathLst>
           </a:custGeom>
+          <a:noFill/>
+          <a:ln cap="flat" cmpd="sng" w="9525">
+            <a:solidFill>
+              <a:srgbClr val="000000"/>
+            </a:solidFill>
+            <a:prstDash val="solid"/>
+            <a:round/>
+            <a:headEnd len="sm" w="sm" type="none"/>
+            <a:tailEnd len="sm" w="sm" type="none"/>
+          </a:ln>
         </p:spPr>
       </p:sp>
       <p:sp>
         <p:nvSpPr>
-          <p:cNvPr id="57" name="Google Shape;57;g844417ae4b_1_9:notes"/>
+          <p:cNvPr id="57" name="Google Shape;57;p2:notes"/>
           <p:cNvSpPr txBox="1"/>
           <p:nvPr>
             <p:ph idx="1" type="body"/>
@@ -1361,6 +1499,10 @@
           <a:prstGeom prst="rect">
             <a:avLst/>
           </a:prstGeom>
+          <a:noFill/>
+          <a:ln>
+            <a:noFill/>
+          </a:ln>
         </p:spPr>
         <p:txBody>
           <a:bodyPr anchorCtr="0" anchor="t" bIns="91425" lIns="91425" spcFirstLastPara="1" rIns="91425" wrap="square" tIns="91425">
@@ -1369,12 +1511,16 @@
           <a:lstStyle/>
           <a:p>
             <a:pPr indent="0" lvl="0" marL="0" rtl="0" algn="l">
-              <a:spcBef>
-                <a:spcPts val="0"/>
-              </a:spcBef>
-              <a:spcAft>
-                <a:spcPts val="0"/>
-              </a:spcAft>
+              <a:lnSpc>
+                <a:spcPct val="100000"/>
+              </a:lnSpc>
+              <a:spcBef>
+                <a:spcPts val="0"/>
+              </a:spcBef>
+              <a:spcAft>
+                <a:spcPts val="0"/>
+              </a:spcAft>
+              <a:buSzPts val="1100"/>
               <a:buNone/>
             </a:pPr>
             <a:r>
@@ -1411,7 +1557,7 @@
       </p:grpSpPr>
       <p:sp>
         <p:nvSpPr>
-          <p:cNvPr id="61" name="Google Shape;61;g844417ae4b_1_14:notes"/>
+          <p:cNvPr id="61" name="Google Shape;61;p3:notes"/>
           <p:cNvSpPr/>
           <p:nvPr>
             <p:ph idx="2" type="sldImg"/>
@@ -1442,11 +1588,21 @@
               </a:path>
             </a:pathLst>
           </a:custGeom>
+          <a:noFill/>
+          <a:ln cap="flat" cmpd="sng" w="9525">
+            <a:solidFill>
+              <a:srgbClr val="000000"/>
+            </a:solidFill>
+            <a:prstDash val="solid"/>
+            <a:round/>
+            <a:headEnd len="sm" w="sm" type="none"/>
+            <a:tailEnd len="sm" w="sm" type="none"/>
+          </a:ln>
         </p:spPr>
       </p:sp>
       <p:sp>
         <p:nvSpPr>
-          <p:cNvPr id="62" name="Google Shape;62;g844417ae4b_1_14:notes"/>
+          <p:cNvPr id="62" name="Google Shape;62;p3:notes"/>
           <p:cNvSpPr txBox="1"/>
           <p:nvPr>
             <p:ph idx="1" type="body"/>
@@ -1460,6 +1616,10 @@
           <a:prstGeom prst="rect">
             <a:avLst/>
           </a:prstGeom>
+          <a:noFill/>
+          <a:ln>
+            <a:noFill/>
+          </a:ln>
         </p:spPr>
         <p:txBody>
           <a:bodyPr anchorCtr="0" anchor="t" bIns="91425" lIns="91425" spcFirstLastPara="1" rIns="91425" wrap="square" tIns="91425">
@@ -1468,12 +1628,16 @@
           <a:lstStyle/>
           <a:p>
             <a:pPr indent="0" lvl="0" marL="0" rtl="0" algn="l">
-              <a:spcBef>
-                <a:spcPts val="0"/>
-              </a:spcBef>
-              <a:spcAft>
-                <a:spcPts val="0"/>
-              </a:spcAft>
+              <a:lnSpc>
+                <a:spcPct val="100000"/>
+              </a:lnSpc>
+              <a:spcBef>
+                <a:spcPts val="0"/>
+              </a:spcBef>
+              <a:spcAft>
+                <a:spcPts val="0"/>
+              </a:spcAft>
+              <a:buSzPts val="1100"/>
               <a:buNone/>
             </a:pPr>
             <a:r>
@@ -1510,7 +1674,7 @@
       </p:grpSpPr>
       <p:sp>
         <p:nvSpPr>
-          <p:cNvPr id="66" name="Google Shape;66;g844417ae4b_1_19:notes"/>
+          <p:cNvPr id="66" name="Google Shape;66;p4:notes"/>
           <p:cNvSpPr/>
           <p:nvPr>
             <p:ph idx="2" type="sldImg"/>
@@ -1541,11 +1705,21 @@
               </a:path>
             </a:pathLst>
           </a:custGeom>
+          <a:noFill/>
+          <a:ln cap="flat" cmpd="sng" w="9525">
+            <a:solidFill>
+              <a:srgbClr val="000000"/>
+            </a:solidFill>
+            <a:prstDash val="solid"/>
+            <a:round/>
+            <a:headEnd len="sm" w="sm" type="none"/>
+            <a:tailEnd len="sm" w="sm" type="none"/>
+          </a:ln>
         </p:spPr>
       </p:sp>
       <p:sp>
         <p:nvSpPr>
-          <p:cNvPr id="67" name="Google Shape;67;g844417ae4b_1_19:notes"/>
+          <p:cNvPr id="67" name="Google Shape;67;p4:notes"/>
           <p:cNvSpPr txBox="1"/>
           <p:nvPr>
             <p:ph idx="1" type="body"/>
@@ -1559,6 +1733,10 @@
           <a:prstGeom prst="rect">
             <a:avLst/>
           </a:prstGeom>
+          <a:noFill/>
+          <a:ln>
+            <a:noFill/>
+          </a:ln>
         </p:spPr>
         <p:txBody>
           <a:bodyPr anchorCtr="0" anchor="t" bIns="91425" lIns="91425" spcFirstLastPara="1" rIns="91425" wrap="square" tIns="91425">
@@ -1567,12 +1745,16 @@
           <a:lstStyle/>
           <a:p>
             <a:pPr indent="0" lvl="0" marL="0" rtl="0" algn="l">
-              <a:spcBef>
-                <a:spcPts val="0"/>
-              </a:spcBef>
-              <a:spcAft>
-                <a:spcPts val="0"/>
-              </a:spcAft>
+              <a:lnSpc>
+                <a:spcPct val="100000"/>
+              </a:lnSpc>
+              <a:spcBef>
+                <a:spcPts val="0"/>
+              </a:spcBef>
+              <a:spcAft>
+                <a:spcPts val="0"/>
+              </a:spcAft>
+              <a:buSzPts val="1100"/>
               <a:buNone/>
             </a:pPr>
             <a:r>
@@ -1609,7 +1791,7 @@
       </p:grpSpPr>
       <p:sp>
         <p:nvSpPr>
-          <p:cNvPr id="71" name="Google Shape;71;g844417ae4b_1_24:notes"/>
+          <p:cNvPr id="71" name="Google Shape;71;p5:notes"/>
           <p:cNvSpPr/>
           <p:nvPr>
             <p:ph idx="2" type="sldImg"/>
@@ -1640,11 +1822,21 @@
               </a:path>
             </a:pathLst>
           </a:custGeom>
+          <a:noFill/>
+          <a:ln cap="flat" cmpd="sng" w="9525">
+            <a:solidFill>
+              <a:srgbClr val="000000"/>
+            </a:solidFill>
+            <a:prstDash val="solid"/>
+            <a:round/>
+            <a:headEnd len="sm" w="sm" type="none"/>
+            <a:tailEnd len="sm" w="sm" type="none"/>
+          </a:ln>
         </p:spPr>
       </p:sp>
       <p:sp>
         <p:nvSpPr>
-          <p:cNvPr id="72" name="Google Shape;72;g844417ae4b_1_24:notes"/>
+          <p:cNvPr id="72" name="Google Shape;72;p5:notes"/>
           <p:cNvSpPr txBox="1"/>
           <p:nvPr>
             <p:ph idx="1" type="body"/>
@@ -1658,6 +1850,10 @@
           <a:prstGeom prst="rect">
             <a:avLst/>
           </a:prstGeom>
+          <a:noFill/>
+          <a:ln>
+            <a:noFill/>
+          </a:ln>
         </p:spPr>
         <p:txBody>
           <a:bodyPr anchorCtr="0" anchor="t" bIns="91425" lIns="91425" spcFirstLastPara="1" rIns="91425" wrap="square" tIns="91425">
@@ -1666,12 +1862,16 @@
           <a:lstStyle/>
           <a:p>
             <a:pPr indent="0" lvl="0" marL="0" rtl="0" algn="l">
-              <a:spcBef>
-                <a:spcPts val="0"/>
-              </a:spcBef>
-              <a:spcAft>
-                <a:spcPts val="0"/>
-              </a:spcAft>
+              <a:lnSpc>
+                <a:spcPct val="100000"/>
+              </a:lnSpc>
+              <a:spcBef>
+                <a:spcPts val="0"/>
+              </a:spcBef>
+              <a:spcAft>
+                <a:spcPts val="0"/>
+              </a:spcAft>
+              <a:buSzPts val="1100"/>
               <a:buNone/>
             </a:pPr>
             <a:r>
@@ -1708,7 +1908,7 @@
       </p:grpSpPr>
       <p:sp>
         <p:nvSpPr>
-          <p:cNvPr id="76" name="Google Shape;76;g844417ae4b_1_29:notes"/>
+          <p:cNvPr id="76" name="Google Shape;76;p6:notes"/>
           <p:cNvSpPr/>
           <p:nvPr>
             <p:ph idx="2" type="sldImg"/>
@@ -1739,11 +1939,21 @@
               </a:path>
             </a:pathLst>
           </a:custGeom>
+          <a:noFill/>
+          <a:ln cap="flat" cmpd="sng" w="9525">
+            <a:solidFill>
+              <a:srgbClr val="000000"/>
+            </a:solidFill>
+            <a:prstDash val="solid"/>
+            <a:round/>
+            <a:headEnd len="sm" w="sm" type="none"/>
+            <a:tailEnd len="sm" w="sm" type="none"/>
+          </a:ln>
         </p:spPr>
       </p:sp>
       <p:sp>
         <p:nvSpPr>
-          <p:cNvPr id="77" name="Google Shape;77;g844417ae4b_1_29:notes"/>
+          <p:cNvPr id="77" name="Google Shape;77;p6:notes"/>
           <p:cNvSpPr txBox="1"/>
           <p:nvPr>
             <p:ph idx="1" type="body"/>
@@ -1757,6 +1967,10 @@
           <a:prstGeom prst="rect">
             <a:avLst/>
           </a:prstGeom>
+          <a:noFill/>
+          <a:ln>
+            <a:noFill/>
+          </a:ln>
         </p:spPr>
         <p:txBody>
           <a:bodyPr anchorCtr="0" anchor="t" bIns="91425" lIns="91425" spcFirstLastPara="1" rIns="91425" wrap="square" tIns="91425">
@@ -1765,12 +1979,16 @@
           <a:lstStyle/>
           <a:p>
             <a:pPr indent="0" lvl="0" marL="0" rtl="0" algn="l">
-              <a:spcBef>
-                <a:spcPts val="0"/>
-              </a:spcBef>
-              <a:spcAft>
-                <a:spcPts val="0"/>
-              </a:spcAft>
+              <a:lnSpc>
+                <a:spcPct val="100000"/>
+              </a:lnSpc>
+              <a:spcBef>
+                <a:spcPts val="0"/>
+              </a:spcBef>
+              <a:spcAft>
+                <a:spcPts val="0"/>
+              </a:spcAft>
+              <a:buSzPts val="1100"/>
               <a:buNone/>
             </a:pPr>
             <a:r>
@@ -1807,7 +2025,7 @@
       </p:grpSpPr>
       <p:sp>
         <p:nvSpPr>
-          <p:cNvPr id="81" name="Google Shape;81;g844417ae4b_1_46:notes"/>
+          <p:cNvPr id="81" name="Google Shape;81;p7:notes"/>
           <p:cNvSpPr/>
           <p:nvPr>
             <p:ph idx="2" type="sldImg"/>
@@ -1838,11 +2056,21 @@
               </a:path>
             </a:pathLst>
           </a:custGeom>
+          <a:noFill/>
+          <a:ln cap="flat" cmpd="sng" w="9525">
+            <a:solidFill>
+              <a:srgbClr val="000000"/>
+            </a:solidFill>
+            <a:prstDash val="solid"/>
+            <a:round/>
+            <a:headEnd len="sm" w="sm" type="none"/>
+            <a:tailEnd len="sm" w="sm" type="none"/>
+          </a:ln>
         </p:spPr>
       </p:sp>
       <p:sp>
         <p:nvSpPr>
-          <p:cNvPr id="82" name="Google Shape;82;g844417ae4b_1_46:notes"/>
+          <p:cNvPr id="82" name="Google Shape;82;p7:notes"/>
           <p:cNvSpPr txBox="1"/>
           <p:nvPr>
             <p:ph idx="1" type="body"/>
@@ -1856,6 +2084,10 @@
           <a:prstGeom prst="rect">
             <a:avLst/>
           </a:prstGeom>
+          <a:noFill/>
+          <a:ln>
+            <a:noFill/>
+          </a:ln>
         </p:spPr>
         <p:txBody>
           <a:bodyPr anchorCtr="0" anchor="t" bIns="91425" lIns="91425" spcFirstLastPara="1" rIns="91425" wrap="square" tIns="91425">
@@ -1864,12 +2096,16 @@
           <a:lstStyle/>
           <a:p>
             <a:pPr indent="0" lvl="0" marL="0" rtl="0" algn="l">
-              <a:spcBef>
-                <a:spcPts val="0"/>
-              </a:spcBef>
-              <a:spcAft>
-                <a:spcPts val="0"/>
-              </a:spcAft>
+              <a:lnSpc>
+                <a:spcPct val="100000"/>
+              </a:lnSpc>
+              <a:spcBef>
+                <a:spcPts val="0"/>
+              </a:spcBef>
+              <a:spcAft>
+                <a:spcPts val="0"/>
+              </a:spcAft>
+              <a:buSzPts val="1100"/>
               <a:buNone/>
             </a:pPr>
             <a:r>
@@ -1906,7 +2142,7 @@
       </p:grpSpPr>
       <p:sp>
         <p:nvSpPr>
-          <p:cNvPr id="86" name="Google Shape;86;g844417ae4b_1_51:notes"/>
+          <p:cNvPr id="86" name="Google Shape;86;p8:notes"/>
           <p:cNvSpPr/>
           <p:nvPr>
             <p:ph idx="2" type="sldImg"/>
@@ -1937,11 +2173,21 @@
               </a:path>
             </a:pathLst>
           </a:custGeom>
+          <a:noFill/>
+          <a:ln cap="flat" cmpd="sng" w="9525">
+            <a:solidFill>
+              <a:srgbClr val="000000"/>
+            </a:solidFill>
+            <a:prstDash val="solid"/>
+            <a:round/>
+            <a:headEnd len="sm" w="sm" type="none"/>
+            <a:tailEnd len="sm" w="sm" type="none"/>
+          </a:ln>
         </p:spPr>
       </p:sp>
       <p:sp>
         <p:nvSpPr>
-          <p:cNvPr id="87" name="Google Shape;87;g844417ae4b_1_51:notes"/>
+          <p:cNvPr id="87" name="Google Shape;87;p8:notes"/>
           <p:cNvSpPr txBox="1"/>
           <p:nvPr>
             <p:ph idx="1" type="body"/>
@@ -1955,6 +2201,10 @@
           <a:prstGeom prst="rect">
             <a:avLst/>
           </a:prstGeom>
+          <a:noFill/>
+          <a:ln>
+            <a:noFill/>
+          </a:ln>
         </p:spPr>
         <p:txBody>
           <a:bodyPr anchorCtr="0" anchor="t" bIns="91425" lIns="91425" spcFirstLastPara="1" rIns="91425" wrap="square" tIns="91425">
@@ -1963,12 +2213,16 @@
           <a:lstStyle/>
           <a:p>
             <a:pPr indent="0" lvl="0" marL="0" rtl="0" algn="l">
-              <a:spcBef>
-                <a:spcPts val="0"/>
-              </a:spcBef>
-              <a:spcAft>
-                <a:spcPts val="0"/>
-              </a:spcAft>
+              <a:lnSpc>
+                <a:spcPct val="100000"/>
+              </a:lnSpc>
+              <a:spcBef>
+                <a:spcPts val="0"/>
+              </a:spcBef>
+              <a:spcAft>
+                <a:spcPts val="0"/>
+              </a:spcAft>
+              <a:buSzPts val="1100"/>
               <a:buNone/>
             </a:pPr>
             <a:r>
@@ -2005,7 +2259,7 @@
       </p:grpSpPr>
       <p:sp>
         <p:nvSpPr>
-          <p:cNvPr id="91" name="Google Shape;91;g844417ae4b_1_56:notes"/>
+          <p:cNvPr id="91" name="Google Shape;91;p9:notes"/>
           <p:cNvSpPr/>
           <p:nvPr>
             <p:ph idx="2" type="sldImg"/>
@@ -2036,11 +2290,21 @@
               </a:path>
             </a:pathLst>
           </a:custGeom>
+          <a:noFill/>
+          <a:ln cap="flat" cmpd="sng" w="9525">
+            <a:solidFill>
+              <a:srgbClr val="000000"/>
+            </a:solidFill>
+            <a:prstDash val="solid"/>
+            <a:round/>
+            <a:headEnd len="sm" w="sm" type="none"/>
+            <a:tailEnd len="sm" w="sm" type="none"/>
+          </a:ln>
         </p:spPr>
       </p:sp>
       <p:sp>
         <p:nvSpPr>
-          <p:cNvPr id="92" name="Google Shape;92;g844417ae4b_1_56:notes"/>
+          <p:cNvPr id="92" name="Google Shape;92;p9:notes"/>
           <p:cNvSpPr txBox="1"/>
           <p:nvPr>
             <p:ph idx="1" type="body"/>
@@ -2054,6 +2318,10 @@
           <a:prstGeom prst="rect">
             <a:avLst/>
           </a:prstGeom>
+          <a:noFill/>
+          <a:ln>
+            <a:noFill/>
+          </a:ln>
         </p:spPr>
         <p:txBody>
           <a:bodyPr anchorCtr="0" anchor="t" bIns="91425" lIns="91425" spcFirstLastPara="1" rIns="91425" wrap="square" tIns="91425">
@@ -2062,12 +2330,16 @@
           <a:lstStyle/>
           <a:p>
             <a:pPr indent="0" lvl="0" marL="0" rtl="0" algn="l">
-              <a:spcBef>
-                <a:spcPts val="0"/>
-              </a:spcBef>
-              <a:spcAft>
-                <a:spcPts val="0"/>
-              </a:spcAft>
+              <a:lnSpc>
+                <a:spcPct val="100000"/>
+              </a:lnSpc>
+              <a:spcBef>
+                <a:spcPts val="0"/>
+              </a:spcBef>
+              <a:spcAft>
+                <a:spcPts val="0"/>
+              </a:spcAft>
+              <a:buSzPts val="1100"/>
               <a:buNone/>
             </a:pPr>
             <a:r>
@@ -2086,8 +2358,8 @@
 </file>
 
 <file path=ppt/slideLayouts/slideLayout1.xml><?xml version="1.0" encoding="utf-8"?>
-<p:sldLayout xmlns:a="http://schemas.openxmlformats.org/drawingml/2006/main" xmlns:r="http://schemas.openxmlformats.org/officeDocument/2006/relationships" xmlns:mc="http://schemas.openxmlformats.org/markup-compatibility/2006" xmlns:mv="urn:schemas-microsoft-com:mac:vml" xmlns:p="http://schemas.openxmlformats.org/presentationml/2006/main" xmlns:c="http://schemas.openxmlformats.org/drawingml/2006/chart" xmlns:dgm="http://schemas.openxmlformats.org/drawingml/2006/diagram" xmlns:o="urn:schemas-microsoft-com:office:office" xmlns:v="urn:schemas-microsoft-com:vml" xmlns:pvml="urn:schemas-microsoft-com:office:powerpoint" xmlns:com="http://schemas.openxmlformats.org/drawingml/2006/compatibility" xmlns:p14="http://schemas.microsoft.com/office/powerpoint/2010/main" xmlns:p15="http://schemas.microsoft.com/office/powerpoint/2012/main" matchingName="Title slide" type="title">
-  <p:cSld name="TITLE">
+<p:sldLayout xmlns:a="http://schemas.openxmlformats.org/drawingml/2006/main" xmlns:r="http://schemas.openxmlformats.org/officeDocument/2006/relationships" xmlns:mc="http://schemas.openxmlformats.org/markup-compatibility/2006" xmlns:mv="urn:schemas-microsoft-com:mac:vml" xmlns:p="http://schemas.openxmlformats.org/presentationml/2006/main" xmlns:c="http://schemas.openxmlformats.org/drawingml/2006/chart" xmlns:dgm="http://schemas.openxmlformats.org/drawingml/2006/diagram" xmlns:o="urn:schemas-microsoft-com:office:office" xmlns:v="urn:schemas-microsoft-com:vml" xmlns:pvml="urn:schemas-microsoft-com:office:powerpoint" xmlns:com="http://schemas.openxmlformats.org/drawingml/2006/compatibility" xmlns:p14="http://schemas.microsoft.com/office/powerpoint/2010/main" xmlns:p15="http://schemas.microsoft.com/office/powerpoint/2012/main" matchingName="Title and body" type="tx">
+  <p:cSld name="TITLE_AND_BODY">
     <p:spTree>
       <p:nvGrpSpPr>
         <p:cNvPr id="9" name="Shape 9"/>
@@ -2104,124 +2376,155 @@
       </p:grpSpPr>
       <p:sp>
         <p:nvSpPr>
-          <p:cNvPr id="10" name="Google Shape;10;p2"/>
+          <p:cNvPr id="10" name="Google Shape;10;p16"/>
           <p:cNvSpPr txBox="1"/>
           <p:nvPr>
-            <p:ph type="ctrTitle"/>
+            <p:ph type="title"/>
           </p:nvPr>
         </p:nvSpPr>
         <p:spPr>
           <a:xfrm>
-            <a:off x="311708" y="744575"/>
-            <a:ext cx="8520600" cy="2052600"/>
+            <a:off x="311700" y="445025"/>
+            <a:ext cx="8520600" cy="572700"/>
           </a:xfrm>
           <a:prstGeom prst="rect">
             <a:avLst/>
           </a:prstGeom>
+          <a:noFill/>
+          <a:ln>
+            <a:noFill/>
+          </a:ln>
         </p:spPr>
         <p:txBody>
-          <a:bodyPr anchorCtr="0" anchor="b" bIns="91425" lIns="91425" spcFirstLastPara="1" rIns="91425" wrap="square" tIns="91425">
+          <a:bodyPr anchorCtr="0" anchor="t" bIns="91425" lIns="91425" spcFirstLastPara="1" rIns="91425" wrap="square" tIns="91425">
             <a:noAutofit/>
           </a:bodyPr>
           <a:lstStyle>
-            <a:lvl1pPr lvl="0" algn="ctr">
-              <a:spcBef>
-                <a:spcPts val="0"/>
-              </a:spcBef>
-              <a:spcAft>
-                <a:spcPts val="0"/>
-              </a:spcAft>
-              <a:buSzPts val="5200"/>
-              <a:buNone/>
-              <a:defRPr sz="5200"/>
+            <a:lvl1pPr lvl="0" algn="l">
+              <a:lnSpc>
+                <a:spcPct val="100000"/>
+              </a:lnSpc>
+              <a:spcBef>
+                <a:spcPts val="0"/>
+              </a:spcBef>
+              <a:spcAft>
+                <a:spcPts val="0"/>
+              </a:spcAft>
+              <a:buSzPts val="2800"/>
+              <a:buNone/>
+              <a:defRPr/>
             </a:lvl1pPr>
-            <a:lvl2pPr lvl="1" algn="ctr">
-              <a:spcBef>
-                <a:spcPts val="0"/>
-              </a:spcBef>
-              <a:spcAft>
-                <a:spcPts val="0"/>
-              </a:spcAft>
-              <a:buSzPts val="5200"/>
-              <a:buNone/>
-              <a:defRPr sz="5200"/>
+            <a:lvl2pPr lvl="1" algn="l">
+              <a:lnSpc>
+                <a:spcPct val="100000"/>
+              </a:lnSpc>
+              <a:spcBef>
+                <a:spcPts val="0"/>
+              </a:spcBef>
+              <a:spcAft>
+                <a:spcPts val="0"/>
+              </a:spcAft>
+              <a:buSzPts val="2800"/>
+              <a:buNone/>
+              <a:defRPr/>
             </a:lvl2pPr>
-            <a:lvl3pPr lvl="2" algn="ctr">
-              <a:spcBef>
-                <a:spcPts val="0"/>
-              </a:spcBef>
-              <a:spcAft>
-                <a:spcPts val="0"/>
-              </a:spcAft>
-              <a:buSzPts val="5200"/>
-              <a:buNone/>
-              <a:defRPr sz="5200"/>
+            <a:lvl3pPr lvl="2" algn="l">
+              <a:lnSpc>
+                <a:spcPct val="100000"/>
+              </a:lnSpc>
+              <a:spcBef>
+                <a:spcPts val="0"/>
+              </a:spcBef>
+              <a:spcAft>
+                <a:spcPts val="0"/>
+              </a:spcAft>
+              <a:buSzPts val="2800"/>
+              <a:buNone/>
+              <a:defRPr/>
             </a:lvl3pPr>
-            <a:lvl4pPr lvl="3" algn="ctr">
-              <a:spcBef>
-                <a:spcPts val="0"/>
-              </a:spcBef>
-              <a:spcAft>
-                <a:spcPts val="0"/>
-              </a:spcAft>
-              <a:buSzPts val="5200"/>
-              <a:buNone/>
-              <a:defRPr sz="5200"/>
+            <a:lvl4pPr lvl="3" algn="l">
+              <a:lnSpc>
+                <a:spcPct val="100000"/>
+              </a:lnSpc>
+              <a:spcBef>
+                <a:spcPts val="0"/>
+              </a:spcBef>
+              <a:spcAft>
+                <a:spcPts val="0"/>
+              </a:spcAft>
+              <a:buSzPts val="2800"/>
+              <a:buNone/>
+              <a:defRPr/>
             </a:lvl4pPr>
-            <a:lvl5pPr lvl="4" algn="ctr">
-              <a:spcBef>
-                <a:spcPts val="0"/>
-              </a:spcBef>
-              <a:spcAft>
-                <a:spcPts val="0"/>
-              </a:spcAft>
-              <a:buSzPts val="5200"/>
-              <a:buNone/>
-              <a:defRPr sz="5200"/>
+            <a:lvl5pPr lvl="4" algn="l">
+              <a:lnSpc>
+                <a:spcPct val="100000"/>
+              </a:lnSpc>
+              <a:spcBef>
+                <a:spcPts val="0"/>
+              </a:spcBef>
+              <a:spcAft>
+                <a:spcPts val="0"/>
+              </a:spcAft>
+              <a:buSzPts val="2800"/>
+              <a:buNone/>
+              <a:defRPr/>
             </a:lvl5pPr>
-            <a:lvl6pPr lvl="5" algn="ctr">
-              <a:spcBef>
-                <a:spcPts val="0"/>
-              </a:spcBef>
-              <a:spcAft>
-                <a:spcPts val="0"/>
-              </a:spcAft>
-              <a:buSzPts val="5200"/>
-              <a:buNone/>
-              <a:defRPr sz="5200"/>
+            <a:lvl6pPr lvl="5" algn="l">
+              <a:lnSpc>
+                <a:spcPct val="100000"/>
+              </a:lnSpc>
+              <a:spcBef>
+                <a:spcPts val="0"/>
+              </a:spcBef>
+              <a:spcAft>
+                <a:spcPts val="0"/>
+              </a:spcAft>
+              <a:buSzPts val="2800"/>
+              <a:buNone/>
+              <a:defRPr/>
             </a:lvl6pPr>
-            <a:lvl7pPr lvl="6" algn="ctr">
-              <a:spcBef>
-                <a:spcPts val="0"/>
-              </a:spcBef>
-              <a:spcAft>
-                <a:spcPts val="0"/>
-              </a:spcAft>
-              <a:buSzPts val="5200"/>
-              <a:buNone/>
-              <a:defRPr sz="5200"/>
+            <a:lvl7pPr lvl="6" algn="l">
+              <a:lnSpc>
+                <a:spcPct val="100000"/>
+              </a:lnSpc>
+              <a:spcBef>
+                <a:spcPts val="0"/>
+              </a:spcBef>
+              <a:spcAft>
+                <a:spcPts val="0"/>
+              </a:spcAft>
+              <a:buSzPts val="2800"/>
+              <a:buNone/>
+              <a:defRPr/>
             </a:lvl7pPr>
-            <a:lvl8pPr lvl="7" algn="ctr">
-              <a:spcBef>
-                <a:spcPts val="0"/>
-              </a:spcBef>
-              <a:spcAft>
-                <a:spcPts val="0"/>
-              </a:spcAft>
-              <a:buSzPts val="5200"/>
-              <a:buNone/>
-              <a:defRPr sz="5200"/>
+            <a:lvl8pPr lvl="7" algn="l">
+              <a:lnSpc>
+                <a:spcPct val="100000"/>
+              </a:lnSpc>
+              <a:spcBef>
+                <a:spcPts val="0"/>
+              </a:spcBef>
+              <a:spcAft>
+                <a:spcPts val="0"/>
+              </a:spcAft>
+              <a:buSzPts val="2800"/>
+              <a:buNone/>
+              <a:defRPr/>
             </a:lvl8pPr>
-            <a:lvl9pPr lvl="8" algn="ctr">
-              <a:spcBef>
-                <a:spcPts val="0"/>
-              </a:spcBef>
-              <a:spcAft>
-                <a:spcPts val="0"/>
-              </a:spcAft>
-              <a:buSzPts val="5200"/>
-              <a:buNone/>
-              <a:defRPr sz="5200"/>
+            <a:lvl9pPr lvl="8" algn="l">
+              <a:lnSpc>
+                <a:spcPct val="100000"/>
+              </a:lnSpc>
+              <a:spcBef>
+                <a:spcPts val="0"/>
+              </a:spcBef>
+              <a:spcAft>
+                <a:spcPts val="0"/>
+              </a:spcAft>
+              <a:buSzPts val="2800"/>
+              <a:buNone/>
+              <a:defRPr/>
             </a:lvl9pPr>
           </a:lstStyle>
           <a:p/>
@@ -2229,151 +2532,155 @@
       </p:sp>
       <p:sp>
         <p:nvSpPr>
-          <p:cNvPr id="11" name="Google Shape;11;p2"/>
+          <p:cNvPr id="11" name="Google Shape;11;p16"/>
           <p:cNvSpPr txBox="1"/>
           <p:nvPr>
-            <p:ph idx="1" type="subTitle"/>
+            <p:ph idx="1" type="body"/>
           </p:nvPr>
         </p:nvSpPr>
         <p:spPr>
           <a:xfrm>
-            <a:off x="311700" y="2834125"/>
-            <a:ext cx="8520600" cy="792600"/>
+            <a:off x="311700" y="1152475"/>
+            <a:ext cx="8520600" cy="3416400"/>
           </a:xfrm>
           <a:prstGeom prst="rect">
             <a:avLst/>
           </a:prstGeom>
+          <a:noFill/>
+          <a:ln>
+            <a:noFill/>
+          </a:ln>
         </p:spPr>
         <p:txBody>
           <a:bodyPr anchorCtr="0" anchor="t" bIns="91425" lIns="91425" spcFirstLastPara="1" rIns="91425" wrap="square" tIns="91425">
             <a:noAutofit/>
           </a:bodyPr>
           <a:lstStyle>
-            <a:lvl1pPr lvl="0" algn="ctr">
-              <a:lnSpc>
-                <a:spcPct val="100000"/>
-              </a:lnSpc>
-              <a:spcBef>
-                <a:spcPts val="0"/>
-              </a:spcBef>
-              <a:spcAft>
-                <a:spcPts val="0"/>
-              </a:spcAft>
-              <a:buSzPts val="2800"/>
-              <a:buNone/>
-              <a:defRPr sz="2800"/>
+            <a:lvl1pPr indent="-342900" lvl="0" marL="457200" algn="l">
+              <a:lnSpc>
+                <a:spcPct val="115000"/>
+              </a:lnSpc>
+              <a:spcBef>
+                <a:spcPts val="0"/>
+              </a:spcBef>
+              <a:spcAft>
+                <a:spcPts val="0"/>
+              </a:spcAft>
+              <a:buSzPts val="1800"/>
+              <a:buChar char="●"/>
+              <a:defRPr/>
             </a:lvl1pPr>
-            <a:lvl2pPr lvl="1" algn="ctr">
-              <a:lnSpc>
-                <a:spcPct val="100000"/>
-              </a:lnSpc>
-              <a:spcBef>
-                <a:spcPts val="0"/>
-              </a:spcBef>
-              <a:spcAft>
-                <a:spcPts val="0"/>
-              </a:spcAft>
-              <a:buSzPts val="2800"/>
-              <a:buNone/>
-              <a:defRPr sz="2800"/>
+            <a:lvl2pPr indent="-317500" lvl="1" marL="914400" algn="l">
+              <a:lnSpc>
+                <a:spcPct val="115000"/>
+              </a:lnSpc>
+              <a:spcBef>
+                <a:spcPts val="1600"/>
+              </a:spcBef>
+              <a:spcAft>
+                <a:spcPts val="0"/>
+              </a:spcAft>
+              <a:buSzPts val="1400"/>
+              <a:buChar char="○"/>
+              <a:defRPr/>
             </a:lvl2pPr>
-            <a:lvl3pPr lvl="2" algn="ctr">
-              <a:lnSpc>
-                <a:spcPct val="100000"/>
-              </a:lnSpc>
-              <a:spcBef>
-                <a:spcPts val="0"/>
-              </a:spcBef>
-              <a:spcAft>
-                <a:spcPts val="0"/>
-              </a:spcAft>
-              <a:buSzPts val="2800"/>
-              <a:buNone/>
-              <a:defRPr sz="2800"/>
+            <a:lvl3pPr indent="-317500" lvl="2" marL="1371600" algn="l">
+              <a:lnSpc>
+                <a:spcPct val="115000"/>
+              </a:lnSpc>
+              <a:spcBef>
+                <a:spcPts val="1600"/>
+              </a:spcBef>
+              <a:spcAft>
+                <a:spcPts val="0"/>
+              </a:spcAft>
+              <a:buSzPts val="1400"/>
+              <a:buChar char="■"/>
+              <a:defRPr/>
             </a:lvl3pPr>
-            <a:lvl4pPr lvl="3" algn="ctr">
-              <a:lnSpc>
-                <a:spcPct val="100000"/>
-              </a:lnSpc>
-              <a:spcBef>
-                <a:spcPts val="0"/>
-              </a:spcBef>
-              <a:spcAft>
-                <a:spcPts val="0"/>
-              </a:spcAft>
-              <a:buSzPts val="2800"/>
-              <a:buNone/>
-              <a:defRPr sz="2800"/>
+            <a:lvl4pPr indent="-317500" lvl="3" marL="1828800" algn="l">
+              <a:lnSpc>
+                <a:spcPct val="115000"/>
+              </a:lnSpc>
+              <a:spcBef>
+                <a:spcPts val="1600"/>
+              </a:spcBef>
+              <a:spcAft>
+                <a:spcPts val="0"/>
+              </a:spcAft>
+              <a:buSzPts val="1400"/>
+              <a:buChar char="●"/>
+              <a:defRPr/>
             </a:lvl4pPr>
-            <a:lvl5pPr lvl="4" algn="ctr">
-              <a:lnSpc>
-                <a:spcPct val="100000"/>
-              </a:lnSpc>
-              <a:spcBef>
-                <a:spcPts val="0"/>
-              </a:spcBef>
-              <a:spcAft>
-                <a:spcPts val="0"/>
-              </a:spcAft>
-              <a:buSzPts val="2800"/>
-              <a:buNone/>
-              <a:defRPr sz="2800"/>
+            <a:lvl5pPr indent="-317500" lvl="4" marL="2286000" algn="l">
+              <a:lnSpc>
+                <a:spcPct val="115000"/>
+              </a:lnSpc>
+              <a:spcBef>
+                <a:spcPts val="1600"/>
+              </a:spcBef>
+              <a:spcAft>
+                <a:spcPts val="0"/>
+              </a:spcAft>
+              <a:buSzPts val="1400"/>
+              <a:buChar char="○"/>
+              <a:defRPr/>
             </a:lvl5pPr>
-            <a:lvl6pPr lvl="5" algn="ctr">
-              <a:lnSpc>
-                <a:spcPct val="100000"/>
-              </a:lnSpc>
-              <a:spcBef>
-                <a:spcPts val="0"/>
-              </a:spcBef>
-              <a:spcAft>
-                <a:spcPts val="0"/>
-              </a:spcAft>
-              <a:buSzPts val="2800"/>
-              <a:buNone/>
-              <a:defRPr sz="2800"/>
+            <a:lvl6pPr indent="-317500" lvl="5" marL="2743200" algn="l">
+              <a:lnSpc>
+                <a:spcPct val="115000"/>
+              </a:lnSpc>
+              <a:spcBef>
+                <a:spcPts val="1600"/>
+              </a:spcBef>
+              <a:spcAft>
+                <a:spcPts val="0"/>
+              </a:spcAft>
+              <a:buSzPts val="1400"/>
+              <a:buChar char="■"/>
+              <a:defRPr/>
             </a:lvl6pPr>
-            <a:lvl7pPr lvl="6" algn="ctr">
-              <a:lnSpc>
-                <a:spcPct val="100000"/>
-              </a:lnSpc>
-              <a:spcBef>
-                <a:spcPts val="0"/>
-              </a:spcBef>
-              <a:spcAft>
-                <a:spcPts val="0"/>
-              </a:spcAft>
-              <a:buSzPts val="2800"/>
-              <a:buNone/>
-              <a:defRPr sz="2800"/>
+            <a:lvl7pPr indent="-317500" lvl="6" marL="3200400" algn="l">
+              <a:lnSpc>
+                <a:spcPct val="115000"/>
+              </a:lnSpc>
+              <a:spcBef>
+                <a:spcPts val="1600"/>
+              </a:spcBef>
+              <a:spcAft>
+                <a:spcPts val="0"/>
+              </a:spcAft>
+              <a:buSzPts val="1400"/>
+              <a:buChar char="●"/>
+              <a:defRPr/>
             </a:lvl7pPr>
-            <a:lvl8pPr lvl="7" algn="ctr">
-              <a:lnSpc>
-                <a:spcPct val="100000"/>
-              </a:lnSpc>
-              <a:spcBef>
-                <a:spcPts val="0"/>
-              </a:spcBef>
-              <a:spcAft>
-                <a:spcPts val="0"/>
-              </a:spcAft>
-              <a:buSzPts val="2800"/>
-              <a:buNone/>
-              <a:defRPr sz="2800"/>
+            <a:lvl8pPr indent="-317500" lvl="7" marL="3657600" algn="l">
+              <a:lnSpc>
+                <a:spcPct val="115000"/>
+              </a:lnSpc>
+              <a:spcBef>
+                <a:spcPts val="1600"/>
+              </a:spcBef>
+              <a:spcAft>
+                <a:spcPts val="0"/>
+              </a:spcAft>
+              <a:buSzPts val="1400"/>
+              <a:buChar char="○"/>
+              <a:defRPr/>
             </a:lvl8pPr>
-            <a:lvl9pPr lvl="8" algn="ctr">
-              <a:lnSpc>
-                <a:spcPct val="100000"/>
-              </a:lnSpc>
-              <a:spcBef>
-                <a:spcPts val="0"/>
-              </a:spcBef>
-              <a:spcAft>
-                <a:spcPts val="0"/>
-              </a:spcAft>
-              <a:buSzPts val="2800"/>
-              <a:buNone/>
-              <a:defRPr sz="2800"/>
+            <a:lvl9pPr indent="-317500" lvl="8" marL="4114800" algn="l">
+              <a:lnSpc>
+                <a:spcPct val="115000"/>
+              </a:lnSpc>
+              <a:spcBef>
+                <a:spcPts val="1600"/>
+              </a:spcBef>
+              <a:spcAft>
+                <a:spcPts val="1600"/>
+              </a:spcAft>
+              <a:buSzPts val="1400"/>
+              <a:buChar char="■"/>
+              <a:defRPr/>
             </a:lvl9pPr>
           </a:lstStyle>
           <a:p/>
@@ -2381,7 +2688,7 @@
       </p:sp>
       <p:sp>
         <p:nvSpPr>
-          <p:cNvPr id="12" name="Google Shape;12;p2"/>
+          <p:cNvPr id="12" name="Google Shape;12;p16"/>
           <p:cNvSpPr txBox="1"/>
           <p:nvPr>
             <p:ph idx="12" type="sldNum"/>
@@ -2395,47 +2702,249 @@
           <a:prstGeom prst="rect">
             <a:avLst/>
           </a:prstGeom>
+          <a:noFill/>
+          <a:ln>
+            <a:noFill/>
+          </a:ln>
         </p:spPr>
         <p:txBody>
           <a:bodyPr anchorCtr="0" anchor="ctr" bIns="91425" lIns="91425" spcFirstLastPara="1" rIns="91425" wrap="square" tIns="91425">
             <a:noAutofit/>
           </a:bodyPr>
           <a:lstStyle>
-            <a:lvl1pPr lvl="0">
-              <a:buNone/>
-              <a:defRPr/>
+            <a:lvl1pPr indent="0" lvl="0" marL="0" marR="0" algn="r">
+              <a:lnSpc>
+                <a:spcPct val="100000"/>
+              </a:lnSpc>
+              <a:spcBef>
+                <a:spcPts val="0"/>
+              </a:spcBef>
+              <a:spcAft>
+                <a:spcPts val="0"/>
+              </a:spcAft>
+              <a:buClr>
+                <a:srgbClr val="000000"/>
+              </a:buClr>
+              <a:buSzPts val="1000"/>
+              <a:buFont typeface="Arial"/>
+              <a:buNone/>
+              <a:defRPr b="0" i="0" sz="1000" u="none" cap="none" strike="noStrike">
+                <a:solidFill>
+                  <a:schemeClr val="dk2"/>
+                </a:solidFill>
+                <a:latin typeface="Arial"/>
+                <a:ea typeface="Arial"/>
+                <a:cs typeface="Arial"/>
+                <a:sym typeface="Arial"/>
+              </a:defRPr>
             </a:lvl1pPr>
-            <a:lvl2pPr lvl="1">
-              <a:buNone/>
-              <a:defRPr/>
+            <a:lvl2pPr indent="0" lvl="1" marL="0" marR="0" algn="r">
+              <a:lnSpc>
+                <a:spcPct val="100000"/>
+              </a:lnSpc>
+              <a:spcBef>
+                <a:spcPts val="0"/>
+              </a:spcBef>
+              <a:spcAft>
+                <a:spcPts val="0"/>
+              </a:spcAft>
+              <a:buClr>
+                <a:srgbClr val="000000"/>
+              </a:buClr>
+              <a:buSzPts val="1000"/>
+              <a:buFont typeface="Arial"/>
+              <a:buNone/>
+              <a:defRPr b="0" i="0" sz="1000" u="none" cap="none" strike="noStrike">
+                <a:solidFill>
+                  <a:schemeClr val="dk2"/>
+                </a:solidFill>
+                <a:latin typeface="Arial"/>
+                <a:ea typeface="Arial"/>
+                <a:cs typeface="Arial"/>
+                <a:sym typeface="Arial"/>
+              </a:defRPr>
             </a:lvl2pPr>
-            <a:lvl3pPr lvl="2">
-              <a:buNone/>
-              <a:defRPr/>
+            <a:lvl3pPr indent="0" lvl="2" marL="0" marR="0" algn="r">
+              <a:lnSpc>
+                <a:spcPct val="100000"/>
+              </a:lnSpc>
+              <a:spcBef>
+                <a:spcPts val="0"/>
+              </a:spcBef>
+              <a:spcAft>
+                <a:spcPts val="0"/>
+              </a:spcAft>
+              <a:buClr>
+                <a:srgbClr val="000000"/>
+              </a:buClr>
+              <a:buSzPts val="1000"/>
+              <a:buFont typeface="Arial"/>
+              <a:buNone/>
+              <a:defRPr b="0" i="0" sz="1000" u="none" cap="none" strike="noStrike">
+                <a:solidFill>
+                  <a:schemeClr val="dk2"/>
+                </a:solidFill>
+                <a:latin typeface="Arial"/>
+                <a:ea typeface="Arial"/>
+                <a:cs typeface="Arial"/>
+                <a:sym typeface="Arial"/>
+              </a:defRPr>
             </a:lvl3pPr>
-            <a:lvl4pPr lvl="3">
-              <a:buNone/>
-              <a:defRPr/>
+            <a:lvl4pPr indent="0" lvl="3" marL="0" marR="0" algn="r">
+              <a:lnSpc>
+                <a:spcPct val="100000"/>
+              </a:lnSpc>
+              <a:spcBef>
+                <a:spcPts val="0"/>
+              </a:spcBef>
+              <a:spcAft>
+                <a:spcPts val="0"/>
+              </a:spcAft>
+              <a:buClr>
+                <a:srgbClr val="000000"/>
+              </a:buClr>
+              <a:buSzPts val="1000"/>
+              <a:buFont typeface="Arial"/>
+              <a:buNone/>
+              <a:defRPr b="0" i="0" sz="1000" u="none" cap="none" strike="noStrike">
+                <a:solidFill>
+                  <a:schemeClr val="dk2"/>
+                </a:solidFill>
+                <a:latin typeface="Arial"/>
+                <a:ea typeface="Arial"/>
+                <a:cs typeface="Arial"/>
+                <a:sym typeface="Arial"/>
+              </a:defRPr>
             </a:lvl4pPr>
-            <a:lvl5pPr lvl="4">
-              <a:buNone/>
-              <a:defRPr/>
+            <a:lvl5pPr indent="0" lvl="4" marL="0" marR="0" algn="r">
+              <a:lnSpc>
+                <a:spcPct val="100000"/>
+              </a:lnSpc>
+              <a:spcBef>
+                <a:spcPts val="0"/>
+              </a:spcBef>
+              <a:spcAft>
+                <a:spcPts val="0"/>
+              </a:spcAft>
+              <a:buClr>
+                <a:srgbClr val="000000"/>
+              </a:buClr>
+              <a:buSzPts val="1000"/>
+              <a:buFont typeface="Arial"/>
+              <a:buNone/>
+              <a:defRPr b="0" i="0" sz="1000" u="none" cap="none" strike="noStrike">
+                <a:solidFill>
+                  <a:schemeClr val="dk2"/>
+                </a:solidFill>
+                <a:latin typeface="Arial"/>
+                <a:ea typeface="Arial"/>
+                <a:cs typeface="Arial"/>
+                <a:sym typeface="Arial"/>
+              </a:defRPr>
             </a:lvl5pPr>
-            <a:lvl6pPr lvl="5">
-              <a:buNone/>
-              <a:defRPr/>
+            <a:lvl6pPr indent="0" lvl="5" marL="0" marR="0" algn="r">
+              <a:lnSpc>
+                <a:spcPct val="100000"/>
+              </a:lnSpc>
+              <a:spcBef>
+                <a:spcPts val="0"/>
+              </a:spcBef>
+              <a:spcAft>
+                <a:spcPts val="0"/>
+              </a:spcAft>
+              <a:buClr>
+                <a:srgbClr val="000000"/>
+              </a:buClr>
+              <a:buSzPts val="1000"/>
+              <a:buFont typeface="Arial"/>
+              <a:buNone/>
+              <a:defRPr b="0" i="0" sz="1000" u="none" cap="none" strike="noStrike">
+                <a:solidFill>
+                  <a:schemeClr val="dk2"/>
+                </a:solidFill>
+                <a:latin typeface="Arial"/>
+                <a:ea typeface="Arial"/>
+                <a:cs typeface="Arial"/>
+                <a:sym typeface="Arial"/>
+              </a:defRPr>
             </a:lvl6pPr>
-            <a:lvl7pPr lvl="6">
-              <a:buNone/>
-              <a:defRPr/>
+            <a:lvl7pPr indent="0" lvl="6" marL="0" marR="0" algn="r">
+              <a:lnSpc>
+                <a:spcPct val="100000"/>
+              </a:lnSpc>
+              <a:spcBef>
+                <a:spcPts val="0"/>
+              </a:spcBef>
+              <a:spcAft>
+                <a:spcPts val="0"/>
+              </a:spcAft>
+              <a:buClr>
+                <a:srgbClr val="000000"/>
+              </a:buClr>
+              <a:buSzPts val="1000"/>
+              <a:buFont typeface="Arial"/>
+              <a:buNone/>
+              <a:defRPr b="0" i="0" sz="1000" u="none" cap="none" strike="noStrike">
+                <a:solidFill>
+                  <a:schemeClr val="dk2"/>
+                </a:solidFill>
+                <a:latin typeface="Arial"/>
+                <a:ea typeface="Arial"/>
+                <a:cs typeface="Arial"/>
+                <a:sym typeface="Arial"/>
+              </a:defRPr>
             </a:lvl7pPr>
-            <a:lvl8pPr lvl="7">
-              <a:buNone/>
-              <a:defRPr/>
+            <a:lvl8pPr indent="0" lvl="7" marL="0" marR="0" algn="r">
+              <a:lnSpc>
+                <a:spcPct val="100000"/>
+              </a:lnSpc>
+              <a:spcBef>
+                <a:spcPts val="0"/>
+              </a:spcBef>
+              <a:spcAft>
+                <a:spcPts val="0"/>
+              </a:spcAft>
+              <a:buClr>
+                <a:srgbClr val="000000"/>
+              </a:buClr>
+              <a:buSzPts val="1000"/>
+              <a:buFont typeface="Arial"/>
+              <a:buNone/>
+              <a:defRPr b="0" i="0" sz="1000" u="none" cap="none" strike="noStrike">
+                <a:solidFill>
+                  <a:schemeClr val="dk2"/>
+                </a:solidFill>
+                <a:latin typeface="Arial"/>
+                <a:ea typeface="Arial"/>
+                <a:cs typeface="Arial"/>
+                <a:sym typeface="Arial"/>
+              </a:defRPr>
             </a:lvl8pPr>
-            <a:lvl9pPr lvl="8">
-              <a:buNone/>
-              <a:defRPr/>
+            <a:lvl9pPr indent="0" lvl="8" marL="0" marR="0" algn="r">
+              <a:lnSpc>
+                <a:spcPct val="100000"/>
+              </a:lnSpc>
+              <a:spcBef>
+                <a:spcPts val="0"/>
+              </a:spcBef>
+              <a:spcAft>
+                <a:spcPts val="0"/>
+              </a:spcAft>
+              <a:buClr>
+                <a:srgbClr val="000000"/>
+              </a:buClr>
+              <a:buSzPts val="1000"/>
+              <a:buFont typeface="Arial"/>
+              <a:buNone/>
+              <a:defRPr b="0" i="0" sz="1000" u="none" cap="none" strike="noStrike">
+                <a:solidFill>
+                  <a:schemeClr val="dk2"/>
+                </a:solidFill>
+                <a:latin typeface="Arial"/>
+                <a:ea typeface="Arial"/>
+                <a:cs typeface="Arial"/>
+                <a:sym typeface="Arial"/>
+              </a:defRPr>
             </a:lvl9pPr>
           </a:lstStyle>
           <a:p>
@@ -2483,7 +2992,7 @@
       </p:grpSpPr>
       <p:sp>
         <p:nvSpPr>
-          <p:cNvPr id="45" name="Google Shape;45;p11"/>
+          <p:cNvPr id="45" name="Google Shape;45;p25"/>
           <p:cNvSpPr txBox="1"/>
           <p:nvPr>
             <p:ph hasCustomPrompt="1" type="title"/>
@@ -2497,6 +3006,10 @@
           <a:prstGeom prst="rect">
             <a:avLst/>
           </a:prstGeom>
+          <a:noFill/>
+          <a:ln>
+            <a:noFill/>
+          </a:ln>
         </p:spPr>
         <p:txBody>
           <a:bodyPr anchorCtr="0" anchor="b" bIns="91425" lIns="91425" spcFirstLastPara="1" rIns="91425" wrap="square" tIns="91425">
@@ -2504,6 +3017,9 @@
           </a:bodyPr>
           <a:lstStyle>
             <a:lvl1pPr lvl="0" algn="ctr">
+              <a:lnSpc>
+                <a:spcPct val="100000"/>
+              </a:lnSpc>
               <a:spcBef>
                 <a:spcPts val="0"/>
               </a:spcBef>
@@ -2515,6 +3031,9 @@
               <a:defRPr sz="12000"/>
             </a:lvl1pPr>
             <a:lvl2pPr lvl="1" algn="ctr">
+              <a:lnSpc>
+                <a:spcPct val="100000"/>
+              </a:lnSpc>
               <a:spcBef>
                 <a:spcPts val="0"/>
               </a:spcBef>
@@ -2526,6 +3045,9 @@
               <a:defRPr sz="12000"/>
             </a:lvl2pPr>
             <a:lvl3pPr lvl="2" algn="ctr">
+              <a:lnSpc>
+                <a:spcPct val="100000"/>
+              </a:lnSpc>
               <a:spcBef>
                 <a:spcPts val="0"/>
               </a:spcBef>
@@ -2537,6 +3059,9 @@
               <a:defRPr sz="12000"/>
             </a:lvl3pPr>
             <a:lvl4pPr lvl="3" algn="ctr">
+              <a:lnSpc>
+                <a:spcPct val="100000"/>
+              </a:lnSpc>
               <a:spcBef>
                 <a:spcPts val="0"/>
               </a:spcBef>
@@ -2548,6 +3073,9 @@
               <a:defRPr sz="12000"/>
             </a:lvl4pPr>
             <a:lvl5pPr lvl="4" algn="ctr">
+              <a:lnSpc>
+                <a:spcPct val="100000"/>
+              </a:lnSpc>
               <a:spcBef>
                 <a:spcPts val="0"/>
               </a:spcBef>
@@ -2559,6 +3087,9 @@
               <a:defRPr sz="12000"/>
             </a:lvl5pPr>
             <a:lvl6pPr lvl="5" algn="ctr">
+              <a:lnSpc>
+                <a:spcPct val="100000"/>
+              </a:lnSpc>
               <a:spcBef>
                 <a:spcPts val="0"/>
               </a:spcBef>
@@ -2570,6 +3101,9 @@
               <a:defRPr sz="12000"/>
             </a:lvl6pPr>
             <a:lvl7pPr lvl="6" algn="ctr">
+              <a:lnSpc>
+                <a:spcPct val="100000"/>
+              </a:lnSpc>
               <a:spcBef>
                 <a:spcPts val="0"/>
               </a:spcBef>
@@ -2581,6 +3115,9 @@
               <a:defRPr sz="12000"/>
             </a:lvl7pPr>
             <a:lvl8pPr lvl="7" algn="ctr">
+              <a:lnSpc>
+                <a:spcPct val="100000"/>
+              </a:lnSpc>
               <a:spcBef>
                 <a:spcPts val="0"/>
               </a:spcBef>
@@ -2592,6 +3129,9 @@
               <a:defRPr sz="12000"/>
             </a:lvl8pPr>
             <a:lvl9pPr lvl="8" algn="ctr">
+              <a:lnSpc>
+                <a:spcPct val="100000"/>
+              </a:lnSpc>
               <a:spcBef>
                 <a:spcPts val="0"/>
               </a:spcBef>
@@ -2612,7 +3152,7 @@
       </p:sp>
       <p:sp>
         <p:nvSpPr>
-          <p:cNvPr id="46" name="Google Shape;46;p11"/>
+          <p:cNvPr id="46" name="Google Shape;46;p25"/>
           <p:cNvSpPr txBox="1"/>
           <p:nvPr>
             <p:ph idx="1" type="body"/>
@@ -2626,6 +3166,10 @@
           <a:prstGeom prst="rect">
             <a:avLst/>
           </a:prstGeom>
+          <a:noFill/>
+          <a:ln>
+            <a:noFill/>
+          </a:ln>
         </p:spPr>
         <p:txBody>
           <a:bodyPr anchorCtr="0" anchor="t" bIns="91425" lIns="91425" spcFirstLastPara="1" rIns="91425" wrap="square" tIns="91425">
@@ -2633,6 +3177,9 @@
           </a:bodyPr>
           <a:lstStyle>
             <a:lvl1pPr indent="-342900" lvl="0" marL="457200" algn="ctr">
+              <a:lnSpc>
+                <a:spcPct val="115000"/>
+              </a:lnSpc>
               <a:spcBef>
                 <a:spcPts val="0"/>
               </a:spcBef>
@@ -2644,6 +3191,9 @@
               <a:defRPr/>
             </a:lvl1pPr>
             <a:lvl2pPr indent="-317500" lvl="1" marL="914400" algn="ctr">
+              <a:lnSpc>
+                <a:spcPct val="115000"/>
+              </a:lnSpc>
               <a:spcBef>
                 <a:spcPts val="1600"/>
               </a:spcBef>
@@ -2655,6 +3205,9 @@
               <a:defRPr/>
             </a:lvl2pPr>
             <a:lvl3pPr indent="-317500" lvl="2" marL="1371600" algn="ctr">
+              <a:lnSpc>
+                <a:spcPct val="115000"/>
+              </a:lnSpc>
               <a:spcBef>
                 <a:spcPts val="1600"/>
               </a:spcBef>
@@ -2666,6 +3219,9 @@
               <a:defRPr/>
             </a:lvl3pPr>
             <a:lvl4pPr indent="-317500" lvl="3" marL="1828800" algn="ctr">
+              <a:lnSpc>
+                <a:spcPct val="115000"/>
+              </a:lnSpc>
               <a:spcBef>
                 <a:spcPts val="1600"/>
               </a:spcBef>
@@ -2677,6 +3233,9 @@
               <a:defRPr/>
             </a:lvl4pPr>
             <a:lvl5pPr indent="-317500" lvl="4" marL="2286000" algn="ctr">
+              <a:lnSpc>
+                <a:spcPct val="115000"/>
+              </a:lnSpc>
               <a:spcBef>
                 <a:spcPts val="1600"/>
               </a:spcBef>
@@ -2688,6 +3247,9 @@
               <a:defRPr/>
             </a:lvl5pPr>
             <a:lvl6pPr indent="-317500" lvl="5" marL="2743200" algn="ctr">
+              <a:lnSpc>
+                <a:spcPct val="115000"/>
+              </a:lnSpc>
               <a:spcBef>
                 <a:spcPts val="1600"/>
               </a:spcBef>
@@ -2699,6 +3261,9 @@
               <a:defRPr/>
             </a:lvl6pPr>
             <a:lvl7pPr indent="-317500" lvl="6" marL="3200400" algn="ctr">
+              <a:lnSpc>
+                <a:spcPct val="115000"/>
+              </a:lnSpc>
               <a:spcBef>
                 <a:spcPts val="1600"/>
               </a:spcBef>
@@ -2710,6 +3275,9 @@
               <a:defRPr/>
             </a:lvl7pPr>
             <a:lvl8pPr indent="-317500" lvl="7" marL="3657600" algn="ctr">
+              <a:lnSpc>
+                <a:spcPct val="115000"/>
+              </a:lnSpc>
               <a:spcBef>
                 <a:spcPts val="1600"/>
               </a:spcBef>
@@ -2721,6 +3289,9 @@
               <a:defRPr/>
             </a:lvl8pPr>
             <a:lvl9pPr indent="-317500" lvl="8" marL="4114800" algn="ctr">
+              <a:lnSpc>
+                <a:spcPct val="115000"/>
+              </a:lnSpc>
               <a:spcBef>
                 <a:spcPts val="1600"/>
               </a:spcBef>
@@ -2737,7 +3308,7 @@
       </p:sp>
       <p:sp>
         <p:nvSpPr>
-          <p:cNvPr id="47" name="Google Shape;47;p11"/>
+          <p:cNvPr id="47" name="Google Shape;47;p25"/>
           <p:cNvSpPr txBox="1"/>
           <p:nvPr>
             <p:ph idx="12" type="sldNum"/>
@@ -2751,47 +3322,249 @@
           <a:prstGeom prst="rect">
             <a:avLst/>
           </a:prstGeom>
+          <a:noFill/>
+          <a:ln>
+            <a:noFill/>
+          </a:ln>
         </p:spPr>
         <p:txBody>
           <a:bodyPr anchorCtr="0" anchor="ctr" bIns="91425" lIns="91425" spcFirstLastPara="1" rIns="91425" wrap="square" tIns="91425">
             <a:noAutofit/>
           </a:bodyPr>
           <a:lstStyle>
-            <a:lvl1pPr lvl="0">
-              <a:buNone/>
-              <a:defRPr/>
+            <a:lvl1pPr indent="0" lvl="0" marL="0" marR="0" algn="r">
+              <a:lnSpc>
+                <a:spcPct val="100000"/>
+              </a:lnSpc>
+              <a:spcBef>
+                <a:spcPts val="0"/>
+              </a:spcBef>
+              <a:spcAft>
+                <a:spcPts val="0"/>
+              </a:spcAft>
+              <a:buClr>
+                <a:srgbClr val="000000"/>
+              </a:buClr>
+              <a:buSzPts val="1000"/>
+              <a:buFont typeface="Arial"/>
+              <a:buNone/>
+              <a:defRPr b="0" i="0" sz="1000" u="none" cap="none" strike="noStrike">
+                <a:solidFill>
+                  <a:schemeClr val="dk2"/>
+                </a:solidFill>
+                <a:latin typeface="Arial"/>
+                <a:ea typeface="Arial"/>
+                <a:cs typeface="Arial"/>
+                <a:sym typeface="Arial"/>
+              </a:defRPr>
             </a:lvl1pPr>
-            <a:lvl2pPr lvl="1">
-              <a:buNone/>
-              <a:defRPr/>
+            <a:lvl2pPr indent="0" lvl="1" marL="0" marR="0" algn="r">
+              <a:lnSpc>
+                <a:spcPct val="100000"/>
+              </a:lnSpc>
+              <a:spcBef>
+                <a:spcPts val="0"/>
+              </a:spcBef>
+              <a:spcAft>
+                <a:spcPts val="0"/>
+              </a:spcAft>
+              <a:buClr>
+                <a:srgbClr val="000000"/>
+              </a:buClr>
+              <a:buSzPts val="1000"/>
+              <a:buFont typeface="Arial"/>
+              <a:buNone/>
+              <a:defRPr b="0" i="0" sz="1000" u="none" cap="none" strike="noStrike">
+                <a:solidFill>
+                  <a:schemeClr val="dk2"/>
+                </a:solidFill>
+                <a:latin typeface="Arial"/>
+                <a:ea typeface="Arial"/>
+                <a:cs typeface="Arial"/>
+                <a:sym typeface="Arial"/>
+              </a:defRPr>
             </a:lvl2pPr>
-            <a:lvl3pPr lvl="2">
-              <a:buNone/>
-              <a:defRPr/>
+            <a:lvl3pPr indent="0" lvl="2" marL="0" marR="0" algn="r">
+              <a:lnSpc>
+                <a:spcPct val="100000"/>
+              </a:lnSpc>
+              <a:spcBef>
+                <a:spcPts val="0"/>
+              </a:spcBef>
+              <a:spcAft>
+                <a:spcPts val="0"/>
+              </a:spcAft>
+              <a:buClr>
+                <a:srgbClr val="000000"/>
+              </a:buClr>
+              <a:buSzPts val="1000"/>
+              <a:buFont typeface="Arial"/>
+              <a:buNone/>
+              <a:defRPr b="0" i="0" sz="1000" u="none" cap="none" strike="noStrike">
+                <a:solidFill>
+                  <a:schemeClr val="dk2"/>
+                </a:solidFill>
+                <a:latin typeface="Arial"/>
+                <a:ea typeface="Arial"/>
+                <a:cs typeface="Arial"/>
+                <a:sym typeface="Arial"/>
+              </a:defRPr>
             </a:lvl3pPr>
-            <a:lvl4pPr lvl="3">
-              <a:buNone/>
-              <a:defRPr/>
+            <a:lvl4pPr indent="0" lvl="3" marL="0" marR="0" algn="r">
+              <a:lnSpc>
+                <a:spcPct val="100000"/>
+              </a:lnSpc>
+              <a:spcBef>
+                <a:spcPts val="0"/>
+              </a:spcBef>
+              <a:spcAft>
+                <a:spcPts val="0"/>
+              </a:spcAft>
+              <a:buClr>
+                <a:srgbClr val="000000"/>
+              </a:buClr>
+              <a:buSzPts val="1000"/>
+              <a:buFont typeface="Arial"/>
+              <a:buNone/>
+              <a:defRPr b="0" i="0" sz="1000" u="none" cap="none" strike="noStrike">
+                <a:solidFill>
+                  <a:schemeClr val="dk2"/>
+                </a:solidFill>
+                <a:latin typeface="Arial"/>
+                <a:ea typeface="Arial"/>
+                <a:cs typeface="Arial"/>
+                <a:sym typeface="Arial"/>
+              </a:defRPr>
             </a:lvl4pPr>
-            <a:lvl5pPr lvl="4">
-              <a:buNone/>
-              <a:defRPr/>
+            <a:lvl5pPr indent="0" lvl="4" marL="0" marR="0" algn="r">
+              <a:lnSpc>
+                <a:spcPct val="100000"/>
+              </a:lnSpc>
+              <a:spcBef>
+                <a:spcPts val="0"/>
+              </a:spcBef>
+              <a:spcAft>
+                <a:spcPts val="0"/>
+              </a:spcAft>
+              <a:buClr>
+                <a:srgbClr val="000000"/>
+              </a:buClr>
+              <a:buSzPts val="1000"/>
+              <a:buFont typeface="Arial"/>
+              <a:buNone/>
+              <a:defRPr b="0" i="0" sz="1000" u="none" cap="none" strike="noStrike">
+                <a:solidFill>
+                  <a:schemeClr val="dk2"/>
+                </a:solidFill>
+                <a:latin typeface="Arial"/>
+                <a:ea typeface="Arial"/>
+                <a:cs typeface="Arial"/>
+                <a:sym typeface="Arial"/>
+              </a:defRPr>
             </a:lvl5pPr>
-            <a:lvl6pPr lvl="5">
-              <a:buNone/>
-              <a:defRPr/>
+            <a:lvl6pPr indent="0" lvl="5" marL="0" marR="0" algn="r">
+              <a:lnSpc>
+                <a:spcPct val="100000"/>
+              </a:lnSpc>
+              <a:spcBef>
+                <a:spcPts val="0"/>
+              </a:spcBef>
+              <a:spcAft>
+                <a:spcPts val="0"/>
+              </a:spcAft>
+              <a:buClr>
+                <a:srgbClr val="000000"/>
+              </a:buClr>
+              <a:buSzPts val="1000"/>
+              <a:buFont typeface="Arial"/>
+              <a:buNone/>
+              <a:defRPr b="0" i="0" sz="1000" u="none" cap="none" strike="noStrike">
+                <a:solidFill>
+                  <a:schemeClr val="dk2"/>
+                </a:solidFill>
+                <a:latin typeface="Arial"/>
+                <a:ea typeface="Arial"/>
+                <a:cs typeface="Arial"/>
+                <a:sym typeface="Arial"/>
+              </a:defRPr>
             </a:lvl6pPr>
-            <a:lvl7pPr lvl="6">
-              <a:buNone/>
-              <a:defRPr/>
+            <a:lvl7pPr indent="0" lvl="6" marL="0" marR="0" algn="r">
+              <a:lnSpc>
+                <a:spcPct val="100000"/>
+              </a:lnSpc>
+              <a:spcBef>
+                <a:spcPts val="0"/>
+              </a:spcBef>
+              <a:spcAft>
+                <a:spcPts val="0"/>
+              </a:spcAft>
+              <a:buClr>
+                <a:srgbClr val="000000"/>
+              </a:buClr>
+              <a:buSzPts val="1000"/>
+              <a:buFont typeface="Arial"/>
+              <a:buNone/>
+              <a:defRPr b="0" i="0" sz="1000" u="none" cap="none" strike="noStrike">
+                <a:solidFill>
+                  <a:schemeClr val="dk2"/>
+                </a:solidFill>
+                <a:latin typeface="Arial"/>
+                <a:ea typeface="Arial"/>
+                <a:cs typeface="Arial"/>
+                <a:sym typeface="Arial"/>
+              </a:defRPr>
             </a:lvl7pPr>
-            <a:lvl8pPr lvl="7">
-              <a:buNone/>
-              <a:defRPr/>
+            <a:lvl8pPr indent="0" lvl="7" marL="0" marR="0" algn="r">
+              <a:lnSpc>
+                <a:spcPct val="100000"/>
+              </a:lnSpc>
+              <a:spcBef>
+                <a:spcPts val="0"/>
+              </a:spcBef>
+              <a:spcAft>
+                <a:spcPts val="0"/>
+              </a:spcAft>
+              <a:buClr>
+                <a:srgbClr val="000000"/>
+              </a:buClr>
+              <a:buSzPts val="1000"/>
+              <a:buFont typeface="Arial"/>
+              <a:buNone/>
+              <a:defRPr b="0" i="0" sz="1000" u="none" cap="none" strike="noStrike">
+                <a:solidFill>
+                  <a:schemeClr val="dk2"/>
+                </a:solidFill>
+                <a:latin typeface="Arial"/>
+                <a:ea typeface="Arial"/>
+                <a:cs typeface="Arial"/>
+                <a:sym typeface="Arial"/>
+              </a:defRPr>
             </a:lvl8pPr>
-            <a:lvl9pPr lvl="8">
-              <a:buNone/>
-              <a:defRPr/>
+            <a:lvl9pPr indent="0" lvl="8" marL="0" marR="0" algn="r">
+              <a:lnSpc>
+                <a:spcPct val="100000"/>
+              </a:lnSpc>
+              <a:spcBef>
+                <a:spcPts val="0"/>
+              </a:spcBef>
+              <a:spcAft>
+                <a:spcPts val="0"/>
+              </a:spcAft>
+              <a:buClr>
+                <a:srgbClr val="000000"/>
+              </a:buClr>
+              <a:buSzPts val="1000"/>
+              <a:buFont typeface="Arial"/>
+              <a:buNone/>
+              <a:defRPr b="0" i="0" sz="1000" u="none" cap="none" strike="noStrike">
+                <a:solidFill>
+                  <a:schemeClr val="dk2"/>
+                </a:solidFill>
+                <a:latin typeface="Arial"/>
+                <a:ea typeface="Arial"/>
+                <a:cs typeface="Arial"/>
+                <a:sym typeface="Arial"/>
+              </a:defRPr>
             </a:lvl9pPr>
           </a:lstStyle>
           <a:p>
@@ -2839,7 +3612,7 @@
       </p:grpSpPr>
       <p:sp>
         <p:nvSpPr>
-          <p:cNvPr id="49" name="Google Shape;49;p12"/>
+          <p:cNvPr id="49" name="Google Shape;49;p26"/>
           <p:cNvSpPr txBox="1"/>
           <p:nvPr>
             <p:ph idx="12" type="sldNum"/>
@@ -2853,47 +3626,249 @@
           <a:prstGeom prst="rect">
             <a:avLst/>
           </a:prstGeom>
+          <a:noFill/>
+          <a:ln>
+            <a:noFill/>
+          </a:ln>
         </p:spPr>
         <p:txBody>
           <a:bodyPr anchorCtr="0" anchor="ctr" bIns="91425" lIns="91425" spcFirstLastPara="1" rIns="91425" wrap="square" tIns="91425">
             <a:noAutofit/>
           </a:bodyPr>
           <a:lstStyle>
-            <a:lvl1pPr lvl="0">
-              <a:buNone/>
-              <a:defRPr/>
+            <a:lvl1pPr indent="0" lvl="0" marL="0" marR="0" algn="r">
+              <a:lnSpc>
+                <a:spcPct val="100000"/>
+              </a:lnSpc>
+              <a:spcBef>
+                <a:spcPts val="0"/>
+              </a:spcBef>
+              <a:spcAft>
+                <a:spcPts val="0"/>
+              </a:spcAft>
+              <a:buClr>
+                <a:srgbClr val="000000"/>
+              </a:buClr>
+              <a:buSzPts val="1000"/>
+              <a:buFont typeface="Arial"/>
+              <a:buNone/>
+              <a:defRPr b="0" i="0" sz="1000" u="none" cap="none" strike="noStrike">
+                <a:solidFill>
+                  <a:schemeClr val="dk2"/>
+                </a:solidFill>
+                <a:latin typeface="Arial"/>
+                <a:ea typeface="Arial"/>
+                <a:cs typeface="Arial"/>
+                <a:sym typeface="Arial"/>
+              </a:defRPr>
             </a:lvl1pPr>
-            <a:lvl2pPr lvl="1">
-              <a:buNone/>
-              <a:defRPr/>
+            <a:lvl2pPr indent="0" lvl="1" marL="0" marR="0" algn="r">
+              <a:lnSpc>
+                <a:spcPct val="100000"/>
+              </a:lnSpc>
+              <a:spcBef>
+                <a:spcPts val="0"/>
+              </a:spcBef>
+              <a:spcAft>
+                <a:spcPts val="0"/>
+              </a:spcAft>
+              <a:buClr>
+                <a:srgbClr val="000000"/>
+              </a:buClr>
+              <a:buSzPts val="1000"/>
+              <a:buFont typeface="Arial"/>
+              <a:buNone/>
+              <a:defRPr b="0" i="0" sz="1000" u="none" cap="none" strike="noStrike">
+                <a:solidFill>
+                  <a:schemeClr val="dk2"/>
+                </a:solidFill>
+                <a:latin typeface="Arial"/>
+                <a:ea typeface="Arial"/>
+                <a:cs typeface="Arial"/>
+                <a:sym typeface="Arial"/>
+              </a:defRPr>
             </a:lvl2pPr>
-            <a:lvl3pPr lvl="2">
-              <a:buNone/>
-              <a:defRPr/>
+            <a:lvl3pPr indent="0" lvl="2" marL="0" marR="0" algn="r">
+              <a:lnSpc>
+                <a:spcPct val="100000"/>
+              </a:lnSpc>
+              <a:spcBef>
+                <a:spcPts val="0"/>
+              </a:spcBef>
+              <a:spcAft>
+                <a:spcPts val="0"/>
+              </a:spcAft>
+              <a:buClr>
+                <a:srgbClr val="000000"/>
+              </a:buClr>
+              <a:buSzPts val="1000"/>
+              <a:buFont typeface="Arial"/>
+              <a:buNone/>
+              <a:defRPr b="0" i="0" sz="1000" u="none" cap="none" strike="noStrike">
+                <a:solidFill>
+                  <a:schemeClr val="dk2"/>
+                </a:solidFill>
+                <a:latin typeface="Arial"/>
+                <a:ea typeface="Arial"/>
+                <a:cs typeface="Arial"/>
+                <a:sym typeface="Arial"/>
+              </a:defRPr>
             </a:lvl3pPr>
-            <a:lvl4pPr lvl="3">
-              <a:buNone/>
-              <a:defRPr/>
+            <a:lvl4pPr indent="0" lvl="3" marL="0" marR="0" algn="r">
+              <a:lnSpc>
+                <a:spcPct val="100000"/>
+              </a:lnSpc>
+              <a:spcBef>
+                <a:spcPts val="0"/>
+              </a:spcBef>
+              <a:spcAft>
+                <a:spcPts val="0"/>
+              </a:spcAft>
+              <a:buClr>
+                <a:srgbClr val="000000"/>
+              </a:buClr>
+              <a:buSzPts val="1000"/>
+              <a:buFont typeface="Arial"/>
+              <a:buNone/>
+              <a:defRPr b="0" i="0" sz="1000" u="none" cap="none" strike="noStrike">
+                <a:solidFill>
+                  <a:schemeClr val="dk2"/>
+                </a:solidFill>
+                <a:latin typeface="Arial"/>
+                <a:ea typeface="Arial"/>
+                <a:cs typeface="Arial"/>
+                <a:sym typeface="Arial"/>
+              </a:defRPr>
             </a:lvl4pPr>
-            <a:lvl5pPr lvl="4">
-              <a:buNone/>
-              <a:defRPr/>
+            <a:lvl5pPr indent="0" lvl="4" marL="0" marR="0" algn="r">
+              <a:lnSpc>
+                <a:spcPct val="100000"/>
+              </a:lnSpc>
+              <a:spcBef>
+                <a:spcPts val="0"/>
+              </a:spcBef>
+              <a:spcAft>
+                <a:spcPts val="0"/>
+              </a:spcAft>
+              <a:buClr>
+                <a:srgbClr val="000000"/>
+              </a:buClr>
+              <a:buSzPts val="1000"/>
+              <a:buFont typeface="Arial"/>
+              <a:buNone/>
+              <a:defRPr b="0" i="0" sz="1000" u="none" cap="none" strike="noStrike">
+                <a:solidFill>
+                  <a:schemeClr val="dk2"/>
+                </a:solidFill>
+                <a:latin typeface="Arial"/>
+                <a:ea typeface="Arial"/>
+                <a:cs typeface="Arial"/>
+                <a:sym typeface="Arial"/>
+              </a:defRPr>
             </a:lvl5pPr>
-            <a:lvl6pPr lvl="5">
-              <a:buNone/>
-              <a:defRPr/>
+            <a:lvl6pPr indent="0" lvl="5" marL="0" marR="0" algn="r">
+              <a:lnSpc>
+                <a:spcPct val="100000"/>
+              </a:lnSpc>
+              <a:spcBef>
+                <a:spcPts val="0"/>
+              </a:spcBef>
+              <a:spcAft>
+                <a:spcPts val="0"/>
+              </a:spcAft>
+              <a:buClr>
+                <a:srgbClr val="000000"/>
+              </a:buClr>
+              <a:buSzPts val="1000"/>
+              <a:buFont typeface="Arial"/>
+              <a:buNone/>
+              <a:defRPr b="0" i="0" sz="1000" u="none" cap="none" strike="noStrike">
+                <a:solidFill>
+                  <a:schemeClr val="dk2"/>
+                </a:solidFill>
+                <a:latin typeface="Arial"/>
+                <a:ea typeface="Arial"/>
+                <a:cs typeface="Arial"/>
+                <a:sym typeface="Arial"/>
+              </a:defRPr>
             </a:lvl6pPr>
-            <a:lvl7pPr lvl="6">
-              <a:buNone/>
-              <a:defRPr/>
+            <a:lvl7pPr indent="0" lvl="6" marL="0" marR="0" algn="r">
+              <a:lnSpc>
+                <a:spcPct val="100000"/>
+              </a:lnSpc>
+              <a:spcBef>
+                <a:spcPts val="0"/>
+              </a:spcBef>
+              <a:spcAft>
+                <a:spcPts val="0"/>
+              </a:spcAft>
+              <a:buClr>
+                <a:srgbClr val="000000"/>
+              </a:buClr>
+              <a:buSzPts val="1000"/>
+              <a:buFont typeface="Arial"/>
+              <a:buNone/>
+              <a:defRPr b="0" i="0" sz="1000" u="none" cap="none" strike="noStrike">
+                <a:solidFill>
+                  <a:schemeClr val="dk2"/>
+                </a:solidFill>
+                <a:latin typeface="Arial"/>
+                <a:ea typeface="Arial"/>
+                <a:cs typeface="Arial"/>
+                <a:sym typeface="Arial"/>
+              </a:defRPr>
             </a:lvl7pPr>
-            <a:lvl8pPr lvl="7">
-              <a:buNone/>
-              <a:defRPr/>
+            <a:lvl8pPr indent="0" lvl="7" marL="0" marR="0" algn="r">
+              <a:lnSpc>
+                <a:spcPct val="100000"/>
+              </a:lnSpc>
+              <a:spcBef>
+                <a:spcPts val="0"/>
+              </a:spcBef>
+              <a:spcAft>
+                <a:spcPts val="0"/>
+              </a:spcAft>
+              <a:buClr>
+                <a:srgbClr val="000000"/>
+              </a:buClr>
+              <a:buSzPts val="1000"/>
+              <a:buFont typeface="Arial"/>
+              <a:buNone/>
+              <a:defRPr b="0" i="0" sz="1000" u="none" cap="none" strike="noStrike">
+                <a:solidFill>
+                  <a:schemeClr val="dk2"/>
+                </a:solidFill>
+                <a:latin typeface="Arial"/>
+                <a:ea typeface="Arial"/>
+                <a:cs typeface="Arial"/>
+                <a:sym typeface="Arial"/>
+              </a:defRPr>
             </a:lvl8pPr>
-            <a:lvl9pPr lvl="8">
-              <a:buNone/>
-              <a:defRPr/>
+            <a:lvl9pPr indent="0" lvl="8" marL="0" marR="0" algn="r">
+              <a:lnSpc>
+                <a:spcPct val="100000"/>
+              </a:lnSpc>
+              <a:spcBef>
+                <a:spcPts val="0"/>
+              </a:spcBef>
+              <a:spcAft>
+                <a:spcPts val="0"/>
+              </a:spcAft>
+              <a:buClr>
+                <a:srgbClr val="000000"/>
+              </a:buClr>
+              <a:buSzPts val="1000"/>
+              <a:buFont typeface="Arial"/>
+              <a:buNone/>
+              <a:defRPr b="0" i="0" sz="1000" u="none" cap="none" strike="noStrike">
+                <a:solidFill>
+                  <a:schemeClr val="dk2"/>
+                </a:solidFill>
+                <a:latin typeface="Arial"/>
+                <a:ea typeface="Arial"/>
+                <a:cs typeface="Arial"/>
+                <a:sym typeface="Arial"/>
+              </a:defRPr>
             </a:lvl9pPr>
           </a:lstStyle>
           <a:p>
@@ -2923,8 +3898,8 @@
 </file>
 
 <file path=ppt/slideLayouts/slideLayout2.xml><?xml version="1.0" encoding="utf-8"?>
-<p:sldLayout xmlns:a="http://schemas.openxmlformats.org/drawingml/2006/main" xmlns:r="http://schemas.openxmlformats.org/officeDocument/2006/relationships" xmlns:mc="http://schemas.openxmlformats.org/markup-compatibility/2006" xmlns:mv="urn:schemas-microsoft-com:mac:vml" xmlns:p="http://schemas.openxmlformats.org/presentationml/2006/main" xmlns:c="http://schemas.openxmlformats.org/drawingml/2006/chart" xmlns:dgm="http://schemas.openxmlformats.org/drawingml/2006/diagram" xmlns:o="urn:schemas-microsoft-com:office:office" xmlns:v="urn:schemas-microsoft-com:vml" xmlns:pvml="urn:schemas-microsoft-com:office:powerpoint" xmlns:com="http://schemas.openxmlformats.org/drawingml/2006/compatibility" xmlns:p14="http://schemas.microsoft.com/office/powerpoint/2010/main" xmlns:p15="http://schemas.microsoft.com/office/powerpoint/2012/main" matchingName="Section header" type="secHead">
-  <p:cSld name="SECTION_HEADER">
+<p:sldLayout xmlns:a="http://schemas.openxmlformats.org/drawingml/2006/main" xmlns:r="http://schemas.openxmlformats.org/officeDocument/2006/relationships" xmlns:mc="http://schemas.openxmlformats.org/markup-compatibility/2006" xmlns:mv="urn:schemas-microsoft-com:mac:vml" xmlns:p="http://schemas.openxmlformats.org/presentationml/2006/main" xmlns:c="http://schemas.openxmlformats.org/drawingml/2006/chart" xmlns:dgm="http://schemas.openxmlformats.org/drawingml/2006/diagram" xmlns:o="urn:schemas-microsoft-com:office:office" xmlns:v="urn:schemas-microsoft-com:vml" xmlns:pvml="urn:schemas-microsoft-com:office:powerpoint" xmlns:com="http://schemas.openxmlformats.org/drawingml/2006/compatibility" xmlns:p14="http://schemas.microsoft.com/office/powerpoint/2010/main" xmlns:p15="http://schemas.microsoft.com/office/powerpoint/2012/main" matchingName="Title slide" type="title">
+  <p:cSld name="TITLE">
     <p:spTree>
       <p:nvGrpSpPr>
         <p:cNvPr id="13" name="Shape 13"/>
@@ -2941,124 +3916,155 @@
       </p:grpSpPr>
       <p:sp>
         <p:nvSpPr>
-          <p:cNvPr id="14" name="Google Shape;14;p3"/>
+          <p:cNvPr id="14" name="Google Shape;14;p17"/>
           <p:cNvSpPr txBox="1"/>
           <p:nvPr>
-            <p:ph type="title"/>
+            <p:ph type="ctrTitle"/>
           </p:nvPr>
         </p:nvSpPr>
         <p:spPr>
           <a:xfrm>
-            <a:off x="311700" y="2150850"/>
-            <a:ext cx="8520600" cy="841800"/>
+            <a:off x="311708" y="744575"/>
+            <a:ext cx="8520600" cy="2052600"/>
           </a:xfrm>
           <a:prstGeom prst="rect">
             <a:avLst/>
           </a:prstGeom>
+          <a:noFill/>
+          <a:ln>
+            <a:noFill/>
+          </a:ln>
         </p:spPr>
         <p:txBody>
-          <a:bodyPr anchorCtr="0" anchor="ctr" bIns="91425" lIns="91425" spcFirstLastPara="1" rIns="91425" wrap="square" tIns="91425">
+          <a:bodyPr anchorCtr="0" anchor="b" bIns="91425" lIns="91425" spcFirstLastPara="1" rIns="91425" wrap="square" tIns="91425">
             <a:noAutofit/>
           </a:bodyPr>
           <a:lstStyle>
             <a:lvl1pPr lvl="0" algn="ctr">
-              <a:spcBef>
-                <a:spcPts val="0"/>
-              </a:spcBef>
-              <a:spcAft>
-                <a:spcPts val="0"/>
-              </a:spcAft>
-              <a:buSzPts val="3600"/>
-              <a:buNone/>
-              <a:defRPr sz="3600"/>
+              <a:lnSpc>
+                <a:spcPct val="100000"/>
+              </a:lnSpc>
+              <a:spcBef>
+                <a:spcPts val="0"/>
+              </a:spcBef>
+              <a:spcAft>
+                <a:spcPts val="0"/>
+              </a:spcAft>
+              <a:buSzPts val="5200"/>
+              <a:buNone/>
+              <a:defRPr sz="5200"/>
             </a:lvl1pPr>
             <a:lvl2pPr lvl="1" algn="ctr">
-              <a:spcBef>
-                <a:spcPts val="0"/>
-              </a:spcBef>
-              <a:spcAft>
-                <a:spcPts val="0"/>
-              </a:spcAft>
-              <a:buSzPts val="3600"/>
-              <a:buNone/>
-              <a:defRPr sz="3600"/>
+              <a:lnSpc>
+                <a:spcPct val="100000"/>
+              </a:lnSpc>
+              <a:spcBef>
+                <a:spcPts val="0"/>
+              </a:spcBef>
+              <a:spcAft>
+                <a:spcPts val="0"/>
+              </a:spcAft>
+              <a:buSzPts val="5200"/>
+              <a:buNone/>
+              <a:defRPr sz="5200"/>
             </a:lvl2pPr>
             <a:lvl3pPr lvl="2" algn="ctr">
-              <a:spcBef>
-                <a:spcPts val="0"/>
-              </a:spcBef>
-              <a:spcAft>
-                <a:spcPts val="0"/>
-              </a:spcAft>
-              <a:buSzPts val="3600"/>
-              <a:buNone/>
-              <a:defRPr sz="3600"/>
+              <a:lnSpc>
+                <a:spcPct val="100000"/>
+              </a:lnSpc>
+              <a:spcBef>
+                <a:spcPts val="0"/>
+              </a:spcBef>
+              <a:spcAft>
+                <a:spcPts val="0"/>
+              </a:spcAft>
+              <a:buSzPts val="5200"/>
+              <a:buNone/>
+              <a:defRPr sz="5200"/>
             </a:lvl3pPr>
             <a:lvl4pPr lvl="3" algn="ctr">
-              <a:spcBef>
-                <a:spcPts val="0"/>
-              </a:spcBef>
-              <a:spcAft>
-                <a:spcPts val="0"/>
-              </a:spcAft>
-              <a:buSzPts val="3600"/>
-              <a:buNone/>
-              <a:defRPr sz="3600"/>
+              <a:lnSpc>
+                <a:spcPct val="100000"/>
+              </a:lnSpc>
+              <a:spcBef>
+                <a:spcPts val="0"/>
+              </a:spcBef>
+              <a:spcAft>
+                <a:spcPts val="0"/>
+              </a:spcAft>
+              <a:buSzPts val="5200"/>
+              <a:buNone/>
+              <a:defRPr sz="5200"/>
             </a:lvl4pPr>
             <a:lvl5pPr lvl="4" algn="ctr">
-              <a:spcBef>
-                <a:spcPts val="0"/>
-              </a:spcBef>
-              <a:spcAft>
-                <a:spcPts val="0"/>
-              </a:spcAft>
-              <a:buSzPts val="3600"/>
-              <a:buNone/>
-              <a:defRPr sz="3600"/>
+              <a:lnSpc>
+                <a:spcPct val="100000"/>
+              </a:lnSpc>
+              <a:spcBef>
+                <a:spcPts val="0"/>
+              </a:spcBef>
+              <a:spcAft>
+                <a:spcPts val="0"/>
+              </a:spcAft>
+              <a:buSzPts val="5200"/>
+              <a:buNone/>
+              <a:defRPr sz="5200"/>
             </a:lvl5pPr>
             <a:lvl6pPr lvl="5" algn="ctr">
-              <a:spcBef>
-                <a:spcPts val="0"/>
-              </a:spcBef>
-              <a:spcAft>
-                <a:spcPts val="0"/>
-              </a:spcAft>
-              <a:buSzPts val="3600"/>
-              <a:buNone/>
-              <a:defRPr sz="3600"/>
+              <a:lnSpc>
+                <a:spcPct val="100000"/>
+              </a:lnSpc>
+              <a:spcBef>
+                <a:spcPts val="0"/>
+              </a:spcBef>
+              <a:spcAft>
+                <a:spcPts val="0"/>
+              </a:spcAft>
+              <a:buSzPts val="5200"/>
+              <a:buNone/>
+              <a:defRPr sz="5200"/>
             </a:lvl6pPr>
             <a:lvl7pPr lvl="6" algn="ctr">
-              <a:spcBef>
-                <a:spcPts val="0"/>
-              </a:spcBef>
-              <a:spcAft>
-                <a:spcPts val="0"/>
-              </a:spcAft>
-              <a:buSzPts val="3600"/>
-              <a:buNone/>
-              <a:defRPr sz="3600"/>
+              <a:lnSpc>
+                <a:spcPct val="100000"/>
+              </a:lnSpc>
+              <a:spcBef>
+                <a:spcPts val="0"/>
+              </a:spcBef>
+              <a:spcAft>
+                <a:spcPts val="0"/>
+              </a:spcAft>
+              <a:buSzPts val="5200"/>
+              <a:buNone/>
+              <a:defRPr sz="5200"/>
             </a:lvl7pPr>
             <a:lvl8pPr lvl="7" algn="ctr">
-              <a:spcBef>
-                <a:spcPts val="0"/>
-              </a:spcBef>
-              <a:spcAft>
-                <a:spcPts val="0"/>
-              </a:spcAft>
-              <a:buSzPts val="3600"/>
-              <a:buNone/>
-              <a:defRPr sz="3600"/>
+              <a:lnSpc>
+                <a:spcPct val="100000"/>
+              </a:lnSpc>
+              <a:spcBef>
+                <a:spcPts val="0"/>
+              </a:spcBef>
+              <a:spcAft>
+                <a:spcPts val="0"/>
+              </a:spcAft>
+              <a:buSzPts val="5200"/>
+              <a:buNone/>
+              <a:defRPr sz="5200"/>
             </a:lvl8pPr>
             <a:lvl9pPr lvl="8" algn="ctr">
-              <a:spcBef>
-                <a:spcPts val="0"/>
-              </a:spcBef>
-              <a:spcAft>
-                <a:spcPts val="0"/>
-              </a:spcAft>
-              <a:buSzPts val="3600"/>
-              <a:buNone/>
-              <a:defRPr sz="3600"/>
+              <a:lnSpc>
+                <a:spcPct val="100000"/>
+              </a:lnSpc>
+              <a:spcBef>
+                <a:spcPts val="0"/>
+              </a:spcBef>
+              <a:spcAft>
+                <a:spcPts val="0"/>
+              </a:spcAft>
+              <a:buSzPts val="5200"/>
+              <a:buNone/>
+              <a:defRPr sz="5200"/>
             </a:lvl9pPr>
           </a:lstStyle>
           <a:p/>
@@ -3066,7 +4072,163 @@
       </p:sp>
       <p:sp>
         <p:nvSpPr>
-          <p:cNvPr id="15" name="Google Shape;15;p3"/>
+          <p:cNvPr id="15" name="Google Shape;15;p17"/>
+          <p:cNvSpPr txBox="1"/>
+          <p:nvPr>
+            <p:ph idx="1" type="subTitle"/>
+          </p:nvPr>
+        </p:nvSpPr>
+        <p:spPr>
+          <a:xfrm>
+            <a:off x="311700" y="2834125"/>
+            <a:ext cx="8520600" cy="792600"/>
+          </a:xfrm>
+          <a:prstGeom prst="rect">
+            <a:avLst/>
+          </a:prstGeom>
+          <a:noFill/>
+          <a:ln>
+            <a:noFill/>
+          </a:ln>
+        </p:spPr>
+        <p:txBody>
+          <a:bodyPr anchorCtr="0" anchor="t" bIns="91425" lIns="91425" spcFirstLastPara="1" rIns="91425" wrap="square" tIns="91425">
+            <a:noAutofit/>
+          </a:bodyPr>
+          <a:lstStyle>
+            <a:lvl1pPr lvl="0" algn="ctr">
+              <a:lnSpc>
+                <a:spcPct val="100000"/>
+              </a:lnSpc>
+              <a:spcBef>
+                <a:spcPts val="0"/>
+              </a:spcBef>
+              <a:spcAft>
+                <a:spcPts val="0"/>
+              </a:spcAft>
+              <a:buSzPts val="2800"/>
+              <a:buNone/>
+              <a:defRPr sz="2800"/>
+            </a:lvl1pPr>
+            <a:lvl2pPr lvl="1" algn="ctr">
+              <a:lnSpc>
+                <a:spcPct val="100000"/>
+              </a:lnSpc>
+              <a:spcBef>
+                <a:spcPts val="0"/>
+              </a:spcBef>
+              <a:spcAft>
+                <a:spcPts val="0"/>
+              </a:spcAft>
+              <a:buSzPts val="2800"/>
+              <a:buNone/>
+              <a:defRPr sz="2800"/>
+            </a:lvl2pPr>
+            <a:lvl3pPr lvl="2" algn="ctr">
+              <a:lnSpc>
+                <a:spcPct val="100000"/>
+              </a:lnSpc>
+              <a:spcBef>
+                <a:spcPts val="0"/>
+              </a:spcBef>
+              <a:spcAft>
+                <a:spcPts val="0"/>
+              </a:spcAft>
+              <a:buSzPts val="2800"/>
+              <a:buNone/>
+              <a:defRPr sz="2800"/>
+            </a:lvl3pPr>
+            <a:lvl4pPr lvl="3" algn="ctr">
+              <a:lnSpc>
+                <a:spcPct val="100000"/>
+              </a:lnSpc>
+              <a:spcBef>
+                <a:spcPts val="0"/>
+              </a:spcBef>
+              <a:spcAft>
+                <a:spcPts val="0"/>
+              </a:spcAft>
+              <a:buSzPts val="2800"/>
+              <a:buNone/>
+              <a:defRPr sz="2800"/>
+            </a:lvl4pPr>
+            <a:lvl5pPr lvl="4" algn="ctr">
+              <a:lnSpc>
+                <a:spcPct val="100000"/>
+              </a:lnSpc>
+              <a:spcBef>
+                <a:spcPts val="0"/>
+              </a:spcBef>
+              <a:spcAft>
+                <a:spcPts val="0"/>
+              </a:spcAft>
+              <a:buSzPts val="2800"/>
+              <a:buNone/>
+              <a:defRPr sz="2800"/>
+            </a:lvl5pPr>
+            <a:lvl6pPr lvl="5" algn="ctr">
+              <a:lnSpc>
+                <a:spcPct val="100000"/>
+              </a:lnSpc>
+              <a:spcBef>
+                <a:spcPts val="0"/>
+              </a:spcBef>
+              <a:spcAft>
+                <a:spcPts val="0"/>
+              </a:spcAft>
+              <a:buSzPts val="2800"/>
+              <a:buNone/>
+              <a:defRPr sz="2800"/>
+            </a:lvl6pPr>
+            <a:lvl7pPr lvl="6" algn="ctr">
+              <a:lnSpc>
+                <a:spcPct val="100000"/>
+              </a:lnSpc>
+              <a:spcBef>
+                <a:spcPts val="0"/>
+              </a:spcBef>
+              <a:spcAft>
+                <a:spcPts val="0"/>
+              </a:spcAft>
+              <a:buSzPts val="2800"/>
+              <a:buNone/>
+              <a:defRPr sz="2800"/>
+            </a:lvl7pPr>
+            <a:lvl8pPr lvl="7" algn="ctr">
+              <a:lnSpc>
+                <a:spcPct val="100000"/>
+              </a:lnSpc>
+              <a:spcBef>
+                <a:spcPts val="0"/>
+              </a:spcBef>
+              <a:spcAft>
+                <a:spcPts val="0"/>
+              </a:spcAft>
+              <a:buSzPts val="2800"/>
+              <a:buNone/>
+              <a:defRPr sz="2800"/>
+            </a:lvl8pPr>
+            <a:lvl9pPr lvl="8" algn="ctr">
+              <a:lnSpc>
+                <a:spcPct val="100000"/>
+              </a:lnSpc>
+              <a:spcBef>
+                <a:spcPts val="0"/>
+              </a:spcBef>
+              <a:spcAft>
+                <a:spcPts val="0"/>
+              </a:spcAft>
+              <a:buSzPts val="2800"/>
+              <a:buNone/>
+              <a:defRPr sz="2800"/>
+            </a:lvl9pPr>
+          </a:lstStyle>
+          <a:p/>
+        </p:txBody>
+      </p:sp>
+      <p:sp>
+        <p:nvSpPr>
+          <p:cNvPr id="16" name="Google Shape;16;p17"/>
           <p:cNvSpPr txBox="1"/>
           <p:nvPr>
             <p:ph idx="12" type="sldNum"/>
@@ -3080,47 +4242,249 @@
           <a:prstGeom prst="rect">
             <a:avLst/>
           </a:prstGeom>
+          <a:noFill/>
+          <a:ln>
+            <a:noFill/>
+          </a:ln>
         </p:spPr>
         <p:txBody>
           <a:bodyPr anchorCtr="0" anchor="ctr" bIns="91425" lIns="91425" spcFirstLastPara="1" rIns="91425" wrap="square" tIns="91425">
             <a:noAutofit/>
           </a:bodyPr>
           <a:lstStyle>
-            <a:lvl1pPr lvl="0">
-              <a:buNone/>
-              <a:defRPr/>
+            <a:lvl1pPr indent="0" lvl="0" marL="0" marR="0" algn="r">
+              <a:lnSpc>
+                <a:spcPct val="100000"/>
+              </a:lnSpc>
+              <a:spcBef>
+                <a:spcPts val="0"/>
+              </a:spcBef>
+              <a:spcAft>
+                <a:spcPts val="0"/>
+              </a:spcAft>
+              <a:buClr>
+                <a:srgbClr val="000000"/>
+              </a:buClr>
+              <a:buSzPts val="1000"/>
+              <a:buFont typeface="Arial"/>
+              <a:buNone/>
+              <a:defRPr b="0" i="0" sz="1000" u="none" cap="none" strike="noStrike">
+                <a:solidFill>
+                  <a:schemeClr val="dk2"/>
+                </a:solidFill>
+                <a:latin typeface="Arial"/>
+                <a:ea typeface="Arial"/>
+                <a:cs typeface="Arial"/>
+                <a:sym typeface="Arial"/>
+              </a:defRPr>
             </a:lvl1pPr>
-            <a:lvl2pPr lvl="1">
-              <a:buNone/>
-              <a:defRPr/>
+            <a:lvl2pPr indent="0" lvl="1" marL="0" marR="0" algn="r">
+              <a:lnSpc>
+                <a:spcPct val="100000"/>
+              </a:lnSpc>
+              <a:spcBef>
+                <a:spcPts val="0"/>
+              </a:spcBef>
+              <a:spcAft>
+                <a:spcPts val="0"/>
+              </a:spcAft>
+              <a:buClr>
+                <a:srgbClr val="000000"/>
+              </a:buClr>
+              <a:buSzPts val="1000"/>
+              <a:buFont typeface="Arial"/>
+              <a:buNone/>
+              <a:defRPr b="0" i="0" sz="1000" u="none" cap="none" strike="noStrike">
+                <a:solidFill>
+                  <a:schemeClr val="dk2"/>
+                </a:solidFill>
+                <a:latin typeface="Arial"/>
+                <a:ea typeface="Arial"/>
+                <a:cs typeface="Arial"/>
+                <a:sym typeface="Arial"/>
+              </a:defRPr>
             </a:lvl2pPr>
-            <a:lvl3pPr lvl="2">
-              <a:buNone/>
-              <a:defRPr/>
+            <a:lvl3pPr indent="0" lvl="2" marL="0" marR="0" algn="r">
+              <a:lnSpc>
+                <a:spcPct val="100000"/>
+              </a:lnSpc>
+              <a:spcBef>
+                <a:spcPts val="0"/>
+              </a:spcBef>
+              <a:spcAft>
+                <a:spcPts val="0"/>
+              </a:spcAft>
+              <a:buClr>
+                <a:srgbClr val="000000"/>
+              </a:buClr>
+              <a:buSzPts val="1000"/>
+              <a:buFont typeface="Arial"/>
+              <a:buNone/>
+              <a:defRPr b="0" i="0" sz="1000" u="none" cap="none" strike="noStrike">
+                <a:solidFill>
+                  <a:schemeClr val="dk2"/>
+                </a:solidFill>
+                <a:latin typeface="Arial"/>
+                <a:ea typeface="Arial"/>
+                <a:cs typeface="Arial"/>
+                <a:sym typeface="Arial"/>
+              </a:defRPr>
             </a:lvl3pPr>
-            <a:lvl4pPr lvl="3">
-              <a:buNone/>
-              <a:defRPr/>
+            <a:lvl4pPr indent="0" lvl="3" marL="0" marR="0" algn="r">
+              <a:lnSpc>
+                <a:spcPct val="100000"/>
+              </a:lnSpc>
+              <a:spcBef>
+                <a:spcPts val="0"/>
+              </a:spcBef>
+              <a:spcAft>
+                <a:spcPts val="0"/>
+              </a:spcAft>
+              <a:buClr>
+                <a:srgbClr val="000000"/>
+              </a:buClr>
+              <a:buSzPts val="1000"/>
+              <a:buFont typeface="Arial"/>
+              <a:buNone/>
+              <a:defRPr b="0" i="0" sz="1000" u="none" cap="none" strike="noStrike">
+                <a:solidFill>
+                  <a:schemeClr val="dk2"/>
+                </a:solidFill>
+                <a:latin typeface="Arial"/>
+                <a:ea typeface="Arial"/>
+                <a:cs typeface="Arial"/>
+                <a:sym typeface="Arial"/>
+              </a:defRPr>
             </a:lvl4pPr>
-            <a:lvl5pPr lvl="4">
-              <a:buNone/>
-              <a:defRPr/>
+            <a:lvl5pPr indent="0" lvl="4" marL="0" marR="0" algn="r">
+              <a:lnSpc>
+                <a:spcPct val="100000"/>
+              </a:lnSpc>
+              <a:spcBef>
+                <a:spcPts val="0"/>
+              </a:spcBef>
+              <a:spcAft>
+                <a:spcPts val="0"/>
+              </a:spcAft>
+              <a:buClr>
+                <a:srgbClr val="000000"/>
+              </a:buClr>
+              <a:buSzPts val="1000"/>
+              <a:buFont typeface="Arial"/>
+              <a:buNone/>
+              <a:defRPr b="0" i="0" sz="1000" u="none" cap="none" strike="noStrike">
+                <a:solidFill>
+                  <a:schemeClr val="dk2"/>
+                </a:solidFill>
+                <a:latin typeface="Arial"/>
+                <a:ea typeface="Arial"/>
+                <a:cs typeface="Arial"/>
+                <a:sym typeface="Arial"/>
+              </a:defRPr>
             </a:lvl5pPr>
-            <a:lvl6pPr lvl="5">
-              <a:buNone/>
-              <a:defRPr/>
+            <a:lvl6pPr indent="0" lvl="5" marL="0" marR="0" algn="r">
+              <a:lnSpc>
+                <a:spcPct val="100000"/>
+              </a:lnSpc>
+              <a:spcBef>
+                <a:spcPts val="0"/>
+              </a:spcBef>
+              <a:spcAft>
+                <a:spcPts val="0"/>
+              </a:spcAft>
+              <a:buClr>
+                <a:srgbClr val="000000"/>
+              </a:buClr>
+              <a:buSzPts val="1000"/>
+              <a:buFont typeface="Arial"/>
+              <a:buNone/>
+              <a:defRPr b="0" i="0" sz="1000" u="none" cap="none" strike="noStrike">
+                <a:solidFill>
+                  <a:schemeClr val="dk2"/>
+                </a:solidFill>
+                <a:latin typeface="Arial"/>
+                <a:ea typeface="Arial"/>
+                <a:cs typeface="Arial"/>
+                <a:sym typeface="Arial"/>
+              </a:defRPr>
             </a:lvl6pPr>
-            <a:lvl7pPr lvl="6">
-              <a:buNone/>
-              <a:defRPr/>
+            <a:lvl7pPr indent="0" lvl="6" marL="0" marR="0" algn="r">
+              <a:lnSpc>
+                <a:spcPct val="100000"/>
+              </a:lnSpc>
+              <a:spcBef>
+                <a:spcPts val="0"/>
+              </a:spcBef>
+              <a:spcAft>
+                <a:spcPts val="0"/>
+              </a:spcAft>
+              <a:buClr>
+                <a:srgbClr val="000000"/>
+              </a:buClr>
+              <a:buSzPts val="1000"/>
+              <a:buFont typeface="Arial"/>
+              <a:buNone/>
+              <a:defRPr b="0" i="0" sz="1000" u="none" cap="none" strike="noStrike">
+                <a:solidFill>
+                  <a:schemeClr val="dk2"/>
+                </a:solidFill>
+                <a:latin typeface="Arial"/>
+                <a:ea typeface="Arial"/>
+                <a:cs typeface="Arial"/>
+                <a:sym typeface="Arial"/>
+              </a:defRPr>
             </a:lvl7pPr>
-            <a:lvl8pPr lvl="7">
-              <a:buNone/>
-              <a:defRPr/>
+            <a:lvl8pPr indent="0" lvl="7" marL="0" marR="0" algn="r">
+              <a:lnSpc>
+                <a:spcPct val="100000"/>
+              </a:lnSpc>
+              <a:spcBef>
+                <a:spcPts val="0"/>
+              </a:spcBef>
+              <a:spcAft>
+                <a:spcPts val="0"/>
+              </a:spcAft>
+              <a:buClr>
+                <a:srgbClr val="000000"/>
+              </a:buClr>
+              <a:buSzPts val="1000"/>
+              <a:buFont typeface="Arial"/>
+              <a:buNone/>
+              <a:defRPr b="0" i="0" sz="1000" u="none" cap="none" strike="noStrike">
+                <a:solidFill>
+                  <a:schemeClr val="dk2"/>
+                </a:solidFill>
+                <a:latin typeface="Arial"/>
+                <a:ea typeface="Arial"/>
+                <a:cs typeface="Arial"/>
+                <a:sym typeface="Arial"/>
+              </a:defRPr>
             </a:lvl8pPr>
-            <a:lvl9pPr lvl="8">
-              <a:buNone/>
-              <a:defRPr/>
+            <a:lvl9pPr indent="0" lvl="8" marL="0" marR="0" algn="r">
+              <a:lnSpc>
+                <a:spcPct val="100000"/>
+              </a:lnSpc>
+              <a:spcBef>
+                <a:spcPts val="0"/>
+              </a:spcBef>
+              <a:spcAft>
+                <a:spcPts val="0"/>
+              </a:spcAft>
+              <a:buClr>
+                <a:srgbClr val="000000"/>
+              </a:buClr>
+              <a:buSzPts val="1000"/>
+              <a:buFont typeface="Arial"/>
+              <a:buNone/>
+              <a:defRPr b="0" i="0" sz="1000" u="none" cap="none" strike="noStrike">
+                <a:solidFill>
+                  <a:schemeClr val="dk2"/>
+                </a:solidFill>
+                <a:latin typeface="Arial"/>
+                <a:ea typeface="Arial"/>
+                <a:cs typeface="Arial"/>
+                <a:sym typeface="Arial"/>
+              </a:defRPr>
             </a:lvl9pPr>
           </a:lstStyle>
           <a:p>
@@ -3150,11 +4514,11 @@
 </file>
 
 <file path=ppt/slideLayouts/slideLayout3.xml><?xml version="1.0" encoding="utf-8"?>
-<p:sldLayout xmlns:a="http://schemas.openxmlformats.org/drawingml/2006/main" xmlns:r="http://schemas.openxmlformats.org/officeDocument/2006/relationships" xmlns:mc="http://schemas.openxmlformats.org/markup-compatibility/2006" xmlns:mv="urn:schemas-microsoft-com:mac:vml" xmlns:p="http://schemas.openxmlformats.org/presentationml/2006/main" xmlns:c="http://schemas.openxmlformats.org/drawingml/2006/chart" xmlns:dgm="http://schemas.openxmlformats.org/drawingml/2006/diagram" xmlns:o="urn:schemas-microsoft-com:office:office" xmlns:v="urn:schemas-microsoft-com:vml" xmlns:pvml="urn:schemas-microsoft-com:office:powerpoint" xmlns:com="http://schemas.openxmlformats.org/drawingml/2006/compatibility" xmlns:p14="http://schemas.microsoft.com/office/powerpoint/2010/main" xmlns:p15="http://schemas.microsoft.com/office/powerpoint/2012/main" matchingName="Title and body" type="tx">
-  <p:cSld name="TITLE_AND_BODY">
+<p:sldLayout xmlns:a="http://schemas.openxmlformats.org/drawingml/2006/main" xmlns:r="http://schemas.openxmlformats.org/officeDocument/2006/relationships" xmlns:mc="http://schemas.openxmlformats.org/markup-compatibility/2006" xmlns:mv="urn:schemas-microsoft-com:mac:vml" xmlns:p="http://schemas.openxmlformats.org/presentationml/2006/main" xmlns:c="http://schemas.openxmlformats.org/drawingml/2006/chart" xmlns:dgm="http://schemas.openxmlformats.org/drawingml/2006/diagram" xmlns:o="urn:schemas-microsoft-com:office:office" xmlns:v="urn:schemas-microsoft-com:vml" xmlns:pvml="urn:schemas-microsoft-com:office:powerpoint" xmlns:com="http://schemas.openxmlformats.org/drawingml/2006/compatibility" xmlns:p14="http://schemas.microsoft.com/office/powerpoint/2010/main" xmlns:p15="http://schemas.microsoft.com/office/powerpoint/2012/main" matchingName="Section header" type="secHead">
+  <p:cSld name="SECTION_HEADER">
     <p:spTree>
       <p:nvGrpSpPr>
-        <p:cNvPr id="16" name="Shape 16"/>
+        <p:cNvPr id="17" name="Shape 17"/>
         <p:cNvGrpSpPr/>
         <p:nvPr/>
       </p:nvGrpSpPr>
@@ -3168,7 +4532,7 @@
       </p:grpSpPr>
       <p:sp>
         <p:nvSpPr>
-          <p:cNvPr id="17" name="Google Shape;17;p4"/>
+          <p:cNvPr id="18" name="Google Shape;18;p18"/>
           <p:cNvSpPr txBox="1"/>
           <p:nvPr>
             <p:ph type="title"/>
@@ -3176,116 +4540,147 @@
         </p:nvSpPr>
         <p:spPr>
           <a:xfrm>
-            <a:off x="311700" y="445025"/>
-            <a:ext cx="8520600" cy="572700"/>
+            <a:off x="311700" y="2150850"/>
+            <a:ext cx="8520600" cy="841800"/>
           </a:xfrm>
           <a:prstGeom prst="rect">
             <a:avLst/>
           </a:prstGeom>
+          <a:noFill/>
+          <a:ln>
+            <a:noFill/>
+          </a:ln>
         </p:spPr>
         <p:txBody>
-          <a:bodyPr anchorCtr="0" anchor="t" bIns="91425" lIns="91425" spcFirstLastPara="1" rIns="91425" wrap="square" tIns="91425">
+          <a:bodyPr anchorCtr="0" anchor="ctr" bIns="91425" lIns="91425" spcFirstLastPara="1" rIns="91425" wrap="square" tIns="91425">
             <a:noAutofit/>
           </a:bodyPr>
           <a:lstStyle>
-            <a:lvl1pPr lvl="0">
-              <a:spcBef>
-                <a:spcPts val="0"/>
-              </a:spcBef>
-              <a:spcAft>
-                <a:spcPts val="0"/>
-              </a:spcAft>
-              <a:buSzPts val="2800"/>
-              <a:buNone/>
-              <a:defRPr/>
+            <a:lvl1pPr lvl="0" algn="ctr">
+              <a:lnSpc>
+                <a:spcPct val="100000"/>
+              </a:lnSpc>
+              <a:spcBef>
+                <a:spcPts val="0"/>
+              </a:spcBef>
+              <a:spcAft>
+                <a:spcPts val="0"/>
+              </a:spcAft>
+              <a:buSzPts val="3600"/>
+              <a:buNone/>
+              <a:defRPr sz="3600"/>
             </a:lvl1pPr>
-            <a:lvl2pPr lvl="1">
-              <a:spcBef>
-                <a:spcPts val="0"/>
-              </a:spcBef>
-              <a:spcAft>
-                <a:spcPts val="0"/>
-              </a:spcAft>
-              <a:buSzPts val="2800"/>
-              <a:buNone/>
-              <a:defRPr/>
+            <a:lvl2pPr lvl="1" algn="ctr">
+              <a:lnSpc>
+                <a:spcPct val="100000"/>
+              </a:lnSpc>
+              <a:spcBef>
+                <a:spcPts val="0"/>
+              </a:spcBef>
+              <a:spcAft>
+                <a:spcPts val="0"/>
+              </a:spcAft>
+              <a:buSzPts val="3600"/>
+              <a:buNone/>
+              <a:defRPr sz="3600"/>
             </a:lvl2pPr>
-            <a:lvl3pPr lvl="2">
-              <a:spcBef>
-                <a:spcPts val="0"/>
-              </a:spcBef>
-              <a:spcAft>
-                <a:spcPts val="0"/>
-              </a:spcAft>
-              <a:buSzPts val="2800"/>
-              <a:buNone/>
-              <a:defRPr/>
+            <a:lvl3pPr lvl="2" algn="ctr">
+              <a:lnSpc>
+                <a:spcPct val="100000"/>
+              </a:lnSpc>
+              <a:spcBef>
+                <a:spcPts val="0"/>
+              </a:spcBef>
+              <a:spcAft>
+                <a:spcPts val="0"/>
+              </a:spcAft>
+              <a:buSzPts val="3600"/>
+              <a:buNone/>
+              <a:defRPr sz="3600"/>
             </a:lvl3pPr>
-            <a:lvl4pPr lvl="3">
-              <a:spcBef>
-                <a:spcPts val="0"/>
-              </a:spcBef>
-              <a:spcAft>
-                <a:spcPts val="0"/>
-              </a:spcAft>
-              <a:buSzPts val="2800"/>
-              <a:buNone/>
-              <a:defRPr/>
+            <a:lvl4pPr lvl="3" algn="ctr">
+              <a:lnSpc>
+                <a:spcPct val="100000"/>
+              </a:lnSpc>
+              <a:spcBef>
+                <a:spcPts val="0"/>
+              </a:spcBef>
+              <a:spcAft>
+                <a:spcPts val="0"/>
+              </a:spcAft>
+              <a:buSzPts val="3600"/>
+              <a:buNone/>
+              <a:defRPr sz="3600"/>
             </a:lvl4pPr>
-            <a:lvl5pPr lvl="4">
-              <a:spcBef>
-                <a:spcPts val="0"/>
-              </a:spcBef>
-              <a:spcAft>
-                <a:spcPts val="0"/>
-              </a:spcAft>
-              <a:buSzPts val="2800"/>
-              <a:buNone/>
-              <a:defRPr/>
+            <a:lvl5pPr lvl="4" algn="ctr">
+              <a:lnSpc>
+                <a:spcPct val="100000"/>
+              </a:lnSpc>
+              <a:spcBef>
+                <a:spcPts val="0"/>
+              </a:spcBef>
+              <a:spcAft>
+                <a:spcPts val="0"/>
+              </a:spcAft>
+              <a:buSzPts val="3600"/>
+              <a:buNone/>
+              <a:defRPr sz="3600"/>
             </a:lvl5pPr>
-            <a:lvl6pPr lvl="5">
-              <a:spcBef>
-                <a:spcPts val="0"/>
-              </a:spcBef>
-              <a:spcAft>
-                <a:spcPts val="0"/>
-              </a:spcAft>
-              <a:buSzPts val="2800"/>
-              <a:buNone/>
-              <a:defRPr/>
+            <a:lvl6pPr lvl="5" algn="ctr">
+              <a:lnSpc>
+                <a:spcPct val="100000"/>
+              </a:lnSpc>
+              <a:spcBef>
+                <a:spcPts val="0"/>
+              </a:spcBef>
+              <a:spcAft>
+                <a:spcPts val="0"/>
+              </a:spcAft>
+              <a:buSzPts val="3600"/>
+              <a:buNone/>
+              <a:defRPr sz="3600"/>
             </a:lvl6pPr>
-            <a:lvl7pPr lvl="6">
-              <a:spcBef>
-                <a:spcPts val="0"/>
-              </a:spcBef>
-              <a:spcAft>
-                <a:spcPts val="0"/>
-              </a:spcAft>
-              <a:buSzPts val="2800"/>
-              <a:buNone/>
-              <a:defRPr/>
+            <a:lvl7pPr lvl="6" algn="ctr">
+              <a:lnSpc>
+                <a:spcPct val="100000"/>
+              </a:lnSpc>
+              <a:spcBef>
+                <a:spcPts val="0"/>
+              </a:spcBef>
+              <a:spcAft>
+                <a:spcPts val="0"/>
+              </a:spcAft>
+              <a:buSzPts val="3600"/>
+              <a:buNone/>
+              <a:defRPr sz="3600"/>
             </a:lvl7pPr>
-            <a:lvl8pPr lvl="7">
-              <a:spcBef>
-                <a:spcPts val="0"/>
-              </a:spcBef>
-              <a:spcAft>
-                <a:spcPts val="0"/>
-              </a:spcAft>
-              <a:buSzPts val="2800"/>
-              <a:buNone/>
-              <a:defRPr/>
+            <a:lvl8pPr lvl="7" algn="ctr">
+              <a:lnSpc>
+                <a:spcPct val="100000"/>
+              </a:lnSpc>
+              <a:spcBef>
+                <a:spcPts val="0"/>
+              </a:spcBef>
+              <a:spcAft>
+                <a:spcPts val="0"/>
+              </a:spcAft>
+              <a:buSzPts val="3600"/>
+              <a:buNone/>
+              <a:defRPr sz="3600"/>
             </a:lvl8pPr>
-            <a:lvl9pPr lvl="8">
-              <a:spcBef>
-                <a:spcPts val="0"/>
-              </a:spcBef>
-              <a:spcAft>
-                <a:spcPts val="0"/>
-              </a:spcAft>
-              <a:buSzPts val="2800"/>
-              <a:buNone/>
-              <a:defRPr/>
+            <a:lvl9pPr lvl="8" algn="ctr">
+              <a:lnSpc>
+                <a:spcPct val="100000"/>
+              </a:lnSpc>
+              <a:spcBef>
+                <a:spcPts val="0"/>
+              </a:spcBef>
+              <a:spcAft>
+                <a:spcPts val="0"/>
+              </a:spcAft>
+              <a:buSzPts val="3600"/>
+              <a:buNone/>
+              <a:defRPr sz="3600"/>
             </a:lvl9pPr>
           </a:lstStyle>
           <a:p/>
@@ -3293,132 +4688,7 @@
       </p:sp>
       <p:sp>
         <p:nvSpPr>
-          <p:cNvPr id="18" name="Google Shape;18;p4"/>
-          <p:cNvSpPr txBox="1"/>
-          <p:nvPr>
-            <p:ph idx="1" type="body"/>
-          </p:nvPr>
-        </p:nvSpPr>
-        <p:spPr>
-          <a:xfrm>
-            <a:off x="311700" y="1152475"/>
-            <a:ext cx="8520600" cy="3416400"/>
-          </a:xfrm>
-          <a:prstGeom prst="rect">
-            <a:avLst/>
-          </a:prstGeom>
-        </p:spPr>
-        <p:txBody>
-          <a:bodyPr anchorCtr="0" anchor="t" bIns="91425" lIns="91425" spcFirstLastPara="1" rIns="91425" wrap="square" tIns="91425">
-            <a:noAutofit/>
-          </a:bodyPr>
-          <a:lstStyle>
-            <a:lvl1pPr indent="-342900" lvl="0" marL="457200">
-              <a:spcBef>
-                <a:spcPts val="0"/>
-              </a:spcBef>
-              <a:spcAft>
-                <a:spcPts val="0"/>
-              </a:spcAft>
-              <a:buSzPts val="1800"/>
-              <a:buChar char="●"/>
-              <a:defRPr/>
-            </a:lvl1pPr>
-            <a:lvl2pPr indent="-317500" lvl="1" marL="914400">
-              <a:spcBef>
-                <a:spcPts val="1600"/>
-              </a:spcBef>
-              <a:spcAft>
-                <a:spcPts val="0"/>
-              </a:spcAft>
-              <a:buSzPts val="1400"/>
-              <a:buChar char="○"/>
-              <a:defRPr/>
-            </a:lvl2pPr>
-            <a:lvl3pPr indent="-317500" lvl="2" marL="1371600">
-              <a:spcBef>
-                <a:spcPts val="1600"/>
-              </a:spcBef>
-              <a:spcAft>
-                <a:spcPts val="0"/>
-              </a:spcAft>
-              <a:buSzPts val="1400"/>
-              <a:buChar char="■"/>
-              <a:defRPr/>
-            </a:lvl3pPr>
-            <a:lvl4pPr indent="-317500" lvl="3" marL="1828800">
-              <a:spcBef>
-                <a:spcPts val="1600"/>
-              </a:spcBef>
-              <a:spcAft>
-                <a:spcPts val="0"/>
-              </a:spcAft>
-              <a:buSzPts val="1400"/>
-              <a:buChar char="●"/>
-              <a:defRPr/>
-            </a:lvl4pPr>
-            <a:lvl5pPr indent="-317500" lvl="4" marL="2286000">
-              <a:spcBef>
-                <a:spcPts val="1600"/>
-              </a:spcBef>
-              <a:spcAft>
-                <a:spcPts val="0"/>
-              </a:spcAft>
-              <a:buSzPts val="1400"/>
-              <a:buChar char="○"/>
-              <a:defRPr/>
-            </a:lvl5pPr>
-            <a:lvl6pPr indent="-317500" lvl="5" marL="2743200">
-              <a:spcBef>
-                <a:spcPts val="1600"/>
-              </a:spcBef>
-              <a:spcAft>
-                <a:spcPts val="0"/>
-              </a:spcAft>
-              <a:buSzPts val="1400"/>
-              <a:buChar char="■"/>
-              <a:defRPr/>
-            </a:lvl6pPr>
-            <a:lvl7pPr indent="-317500" lvl="6" marL="3200400">
-              <a:spcBef>
-                <a:spcPts val="1600"/>
-              </a:spcBef>
-              <a:spcAft>
-                <a:spcPts val="0"/>
-              </a:spcAft>
-              <a:buSzPts val="1400"/>
-              <a:buChar char="●"/>
-              <a:defRPr/>
-            </a:lvl7pPr>
-            <a:lvl8pPr indent="-317500" lvl="7" marL="3657600">
-              <a:spcBef>
-                <a:spcPts val="1600"/>
-              </a:spcBef>
-              <a:spcAft>
-                <a:spcPts val="0"/>
-              </a:spcAft>
-              <a:buSzPts val="1400"/>
-              <a:buChar char="○"/>
-              <a:defRPr/>
-            </a:lvl8pPr>
-            <a:lvl9pPr indent="-317500" lvl="8" marL="4114800">
-              <a:spcBef>
-                <a:spcPts val="1600"/>
-              </a:spcBef>
-              <a:spcAft>
-                <a:spcPts val="1600"/>
-              </a:spcAft>
-              <a:buSzPts val="1400"/>
-              <a:buChar char="■"/>
-              <a:defRPr/>
-            </a:lvl9pPr>
-          </a:lstStyle>
-          <a:p/>
-        </p:txBody>
-      </p:sp>
-      <p:sp>
-        <p:nvSpPr>
-          <p:cNvPr id="19" name="Google Shape;19;p4"/>
+          <p:cNvPr id="19" name="Google Shape;19;p18"/>
           <p:cNvSpPr txBox="1"/>
           <p:nvPr>
             <p:ph idx="12" type="sldNum"/>
@@ -3432,47 +4702,249 @@
           <a:prstGeom prst="rect">
             <a:avLst/>
           </a:prstGeom>
+          <a:noFill/>
+          <a:ln>
+            <a:noFill/>
+          </a:ln>
         </p:spPr>
         <p:txBody>
           <a:bodyPr anchorCtr="0" anchor="ctr" bIns="91425" lIns="91425" spcFirstLastPara="1" rIns="91425" wrap="square" tIns="91425">
             <a:noAutofit/>
           </a:bodyPr>
           <a:lstStyle>
-            <a:lvl1pPr lvl="0">
-              <a:buNone/>
-              <a:defRPr/>
+            <a:lvl1pPr indent="0" lvl="0" marL="0" marR="0" algn="r">
+              <a:lnSpc>
+                <a:spcPct val="100000"/>
+              </a:lnSpc>
+              <a:spcBef>
+                <a:spcPts val="0"/>
+              </a:spcBef>
+              <a:spcAft>
+                <a:spcPts val="0"/>
+              </a:spcAft>
+              <a:buClr>
+                <a:srgbClr val="000000"/>
+              </a:buClr>
+              <a:buSzPts val="1000"/>
+              <a:buFont typeface="Arial"/>
+              <a:buNone/>
+              <a:defRPr b="0" i="0" sz="1000" u="none" cap="none" strike="noStrike">
+                <a:solidFill>
+                  <a:schemeClr val="dk2"/>
+                </a:solidFill>
+                <a:latin typeface="Arial"/>
+                <a:ea typeface="Arial"/>
+                <a:cs typeface="Arial"/>
+                <a:sym typeface="Arial"/>
+              </a:defRPr>
             </a:lvl1pPr>
-            <a:lvl2pPr lvl="1">
-              <a:buNone/>
-              <a:defRPr/>
+            <a:lvl2pPr indent="0" lvl="1" marL="0" marR="0" algn="r">
+              <a:lnSpc>
+                <a:spcPct val="100000"/>
+              </a:lnSpc>
+              <a:spcBef>
+                <a:spcPts val="0"/>
+              </a:spcBef>
+              <a:spcAft>
+                <a:spcPts val="0"/>
+              </a:spcAft>
+              <a:buClr>
+                <a:srgbClr val="000000"/>
+              </a:buClr>
+              <a:buSzPts val="1000"/>
+              <a:buFont typeface="Arial"/>
+              <a:buNone/>
+              <a:defRPr b="0" i="0" sz="1000" u="none" cap="none" strike="noStrike">
+                <a:solidFill>
+                  <a:schemeClr val="dk2"/>
+                </a:solidFill>
+                <a:latin typeface="Arial"/>
+                <a:ea typeface="Arial"/>
+                <a:cs typeface="Arial"/>
+                <a:sym typeface="Arial"/>
+              </a:defRPr>
             </a:lvl2pPr>
-            <a:lvl3pPr lvl="2">
-              <a:buNone/>
-              <a:defRPr/>
+            <a:lvl3pPr indent="0" lvl="2" marL="0" marR="0" algn="r">
+              <a:lnSpc>
+                <a:spcPct val="100000"/>
+              </a:lnSpc>
+              <a:spcBef>
+                <a:spcPts val="0"/>
+              </a:spcBef>
+              <a:spcAft>
+                <a:spcPts val="0"/>
+              </a:spcAft>
+              <a:buClr>
+                <a:srgbClr val="000000"/>
+              </a:buClr>
+              <a:buSzPts val="1000"/>
+              <a:buFont typeface="Arial"/>
+              <a:buNone/>
+              <a:defRPr b="0" i="0" sz="1000" u="none" cap="none" strike="noStrike">
+                <a:solidFill>
+                  <a:schemeClr val="dk2"/>
+                </a:solidFill>
+                <a:latin typeface="Arial"/>
+                <a:ea typeface="Arial"/>
+                <a:cs typeface="Arial"/>
+                <a:sym typeface="Arial"/>
+              </a:defRPr>
             </a:lvl3pPr>
-            <a:lvl4pPr lvl="3">
-              <a:buNone/>
-              <a:defRPr/>
+            <a:lvl4pPr indent="0" lvl="3" marL="0" marR="0" algn="r">
+              <a:lnSpc>
+                <a:spcPct val="100000"/>
+              </a:lnSpc>
+              <a:spcBef>
+                <a:spcPts val="0"/>
+              </a:spcBef>
+              <a:spcAft>
+                <a:spcPts val="0"/>
+              </a:spcAft>
+              <a:buClr>
+                <a:srgbClr val="000000"/>
+              </a:buClr>
+              <a:buSzPts val="1000"/>
+              <a:buFont typeface="Arial"/>
+              <a:buNone/>
+              <a:defRPr b="0" i="0" sz="1000" u="none" cap="none" strike="noStrike">
+                <a:solidFill>
+                  <a:schemeClr val="dk2"/>
+                </a:solidFill>
+                <a:latin typeface="Arial"/>
+                <a:ea typeface="Arial"/>
+                <a:cs typeface="Arial"/>
+                <a:sym typeface="Arial"/>
+              </a:defRPr>
             </a:lvl4pPr>
-            <a:lvl5pPr lvl="4">
-              <a:buNone/>
-              <a:defRPr/>
+            <a:lvl5pPr indent="0" lvl="4" marL="0" marR="0" algn="r">
+              <a:lnSpc>
+                <a:spcPct val="100000"/>
+              </a:lnSpc>
+              <a:spcBef>
+                <a:spcPts val="0"/>
+              </a:spcBef>
+              <a:spcAft>
+                <a:spcPts val="0"/>
+              </a:spcAft>
+              <a:buClr>
+                <a:srgbClr val="000000"/>
+              </a:buClr>
+              <a:buSzPts val="1000"/>
+              <a:buFont typeface="Arial"/>
+              <a:buNone/>
+              <a:defRPr b="0" i="0" sz="1000" u="none" cap="none" strike="noStrike">
+                <a:solidFill>
+                  <a:schemeClr val="dk2"/>
+                </a:solidFill>
+                <a:latin typeface="Arial"/>
+                <a:ea typeface="Arial"/>
+                <a:cs typeface="Arial"/>
+                <a:sym typeface="Arial"/>
+              </a:defRPr>
             </a:lvl5pPr>
-            <a:lvl6pPr lvl="5">
-              <a:buNone/>
-              <a:defRPr/>
+            <a:lvl6pPr indent="0" lvl="5" marL="0" marR="0" algn="r">
+              <a:lnSpc>
+                <a:spcPct val="100000"/>
+              </a:lnSpc>
+              <a:spcBef>
+                <a:spcPts val="0"/>
+              </a:spcBef>
+              <a:spcAft>
+                <a:spcPts val="0"/>
+              </a:spcAft>
+              <a:buClr>
+                <a:srgbClr val="000000"/>
+              </a:buClr>
+              <a:buSzPts val="1000"/>
+              <a:buFont typeface="Arial"/>
+              <a:buNone/>
+              <a:defRPr b="0" i="0" sz="1000" u="none" cap="none" strike="noStrike">
+                <a:solidFill>
+                  <a:schemeClr val="dk2"/>
+                </a:solidFill>
+                <a:latin typeface="Arial"/>
+                <a:ea typeface="Arial"/>
+                <a:cs typeface="Arial"/>
+                <a:sym typeface="Arial"/>
+              </a:defRPr>
             </a:lvl6pPr>
-            <a:lvl7pPr lvl="6">
-              <a:buNone/>
-              <a:defRPr/>
+            <a:lvl7pPr indent="0" lvl="6" marL="0" marR="0" algn="r">
+              <a:lnSpc>
+                <a:spcPct val="100000"/>
+              </a:lnSpc>
+              <a:spcBef>
+                <a:spcPts val="0"/>
+              </a:spcBef>
+              <a:spcAft>
+                <a:spcPts val="0"/>
+              </a:spcAft>
+              <a:buClr>
+                <a:srgbClr val="000000"/>
+              </a:buClr>
+              <a:buSzPts val="1000"/>
+              <a:buFont typeface="Arial"/>
+              <a:buNone/>
+              <a:defRPr b="0" i="0" sz="1000" u="none" cap="none" strike="noStrike">
+                <a:solidFill>
+                  <a:schemeClr val="dk2"/>
+                </a:solidFill>
+                <a:latin typeface="Arial"/>
+                <a:ea typeface="Arial"/>
+                <a:cs typeface="Arial"/>
+                <a:sym typeface="Arial"/>
+              </a:defRPr>
             </a:lvl7pPr>
-            <a:lvl8pPr lvl="7">
-              <a:buNone/>
-              <a:defRPr/>
+            <a:lvl8pPr indent="0" lvl="7" marL="0" marR="0" algn="r">
+              <a:lnSpc>
+                <a:spcPct val="100000"/>
+              </a:lnSpc>
+              <a:spcBef>
+                <a:spcPts val="0"/>
+              </a:spcBef>
+              <a:spcAft>
+                <a:spcPts val="0"/>
+              </a:spcAft>
+              <a:buClr>
+                <a:srgbClr val="000000"/>
+              </a:buClr>
+              <a:buSzPts val="1000"/>
+              <a:buFont typeface="Arial"/>
+              <a:buNone/>
+              <a:defRPr b="0" i="0" sz="1000" u="none" cap="none" strike="noStrike">
+                <a:solidFill>
+                  <a:schemeClr val="dk2"/>
+                </a:solidFill>
+                <a:latin typeface="Arial"/>
+                <a:ea typeface="Arial"/>
+                <a:cs typeface="Arial"/>
+                <a:sym typeface="Arial"/>
+              </a:defRPr>
             </a:lvl8pPr>
-            <a:lvl9pPr lvl="8">
-              <a:buNone/>
-              <a:defRPr/>
+            <a:lvl9pPr indent="0" lvl="8" marL="0" marR="0" algn="r">
+              <a:lnSpc>
+                <a:spcPct val="100000"/>
+              </a:lnSpc>
+              <a:spcBef>
+                <a:spcPts val="0"/>
+              </a:spcBef>
+              <a:spcAft>
+                <a:spcPts val="0"/>
+              </a:spcAft>
+              <a:buClr>
+                <a:srgbClr val="000000"/>
+              </a:buClr>
+              <a:buSzPts val="1000"/>
+              <a:buFont typeface="Arial"/>
+              <a:buNone/>
+              <a:defRPr b="0" i="0" sz="1000" u="none" cap="none" strike="noStrike">
+                <a:solidFill>
+                  <a:schemeClr val="dk2"/>
+                </a:solidFill>
+                <a:latin typeface="Arial"/>
+                <a:ea typeface="Arial"/>
+                <a:cs typeface="Arial"/>
+                <a:sym typeface="Arial"/>
+              </a:defRPr>
             </a:lvl9pPr>
           </a:lstStyle>
           <a:p>
@@ -3520,7 +4992,7 @@
       </p:grpSpPr>
       <p:sp>
         <p:nvSpPr>
-          <p:cNvPr id="21" name="Google Shape;21;p5"/>
+          <p:cNvPr id="21" name="Google Shape;21;p19"/>
           <p:cNvSpPr txBox="1"/>
           <p:nvPr>
             <p:ph type="title"/>
@@ -3534,13 +5006,20 @@
           <a:prstGeom prst="rect">
             <a:avLst/>
           </a:prstGeom>
+          <a:noFill/>
+          <a:ln>
+            <a:noFill/>
+          </a:ln>
         </p:spPr>
         <p:txBody>
           <a:bodyPr anchorCtr="0" anchor="t" bIns="91425" lIns="91425" spcFirstLastPara="1" rIns="91425" wrap="square" tIns="91425">
             <a:noAutofit/>
           </a:bodyPr>
           <a:lstStyle>
-            <a:lvl1pPr lvl="0">
+            <a:lvl1pPr lvl="0" algn="l">
+              <a:lnSpc>
+                <a:spcPct val="100000"/>
+              </a:lnSpc>
               <a:spcBef>
                 <a:spcPts val="0"/>
               </a:spcBef>
@@ -3551,7 +5030,10 @@
               <a:buNone/>
               <a:defRPr/>
             </a:lvl1pPr>
-            <a:lvl2pPr lvl="1">
+            <a:lvl2pPr lvl="1" algn="l">
+              <a:lnSpc>
+                <a:spcPct val="100000"/>
+              </a:lnSpc>
               <a:spcBef>
                 <a:spcPts val="0"/>
               </a:spcBef>
@@ -3562,7 +5044,10 @@
               <a:buNone/>
               <a:defRPr/>
             </a:lvl2pPr>
-            <a:lvl3pPr lvl="2">
+            <a:lvl3pPr lvl="2" algn="l">
+              <a:lnSpc>
+                <a:spcPct val="100000"/>
+              </a:lnSpc>
               <a:spcBef>
                 <a:spcPts val="0"/>
               </a:spcBef>
@@ -3573,7 +5058,10 @@
               <a:buNone/>
               <a:defRPr/>
             </a:lvl3pPr>
-            <a:lvl4pPr lvl="3">
+            <a:lvl4pPr lvl="3" algn="l">
+              <a:lnSpc>
+                <a:spcPct val="100000"/>
+              </a:lnSpc>
               <a:spcBef>
                 <a:spcPts val="0"/>
               </a:spcBef>
@@ -3584,7 +5072,10 @@
               <a:buNone/>
               <a:defRPr/>
             </a:lvl4pPr>
-            <a:lvl5pPr lvl="4">
+            <a:lvl5pPr lvl="4" algn="l">
+              <a:lnSpc>
+                <a:spcPct val="100000"/>
+              </a:lnSpc>
               <a:spcBef>
                 <a:spcPts val="0"/>
               </a:spcBef>
@@ -3595,7 +5086,10 @@
               <a:buNone/>
               <a:defRPr/>
             </a:lvl5pPr>
-            <a:lvl6pPr lvl="5">
+            <a:lvl6pPr lvl="5" algn="l">
+              <a:lnSpc>
+                <a:spcPct val="100000"/>
+              </a:lnSpc>
               <a:spcBef>
                 <a:spcPts val="0"/>
               </a:spcBef>
@@ -3606,7 +5100,10 @@
               <a:buNone/>
               <a:defRPr/>
             </a:lvl6pPr>
-            <a:lvl7pPr lvl="6">
+            <a:lvl7pPr lvl="6" algn="l">
+              <a:lnSpc>
+                <a:spcPct val="100000"/>
+              </a:lnSpc>
               <a:spcBef>
                 <a:spcPts val="0"/>
               </a:spcBef>
@@ -3617,7 +5114,10 @@
               <a:buNone/>
               <a:defRPr/>
             </a:lvl7pPr>
-            <a:lvl8pPr lvl="7">
+            <a:lvl8pPr lvl="7" algn="l">
+              <a:lnSpc>
+                <a:spcPct val="100000"/>
+              </a:lnSpc>
               <a:spcBef>
                 <a:spcPts val="0"/>
               </a:spcBef>
@@ -3628,7 +5128,10 @@
               <a:buNone/>
               <a:defRPr/>
             </a:lvl8pPr>
-            <a:lvl9pPr lvl="8">
+            <a:lvl9pPr lvl="8" algn="l">
+              <a:lnSpc>
+                <a:spcPct val="100000"/>
+              </a:lnSpc>
               <a:spcBef>
                 <a:spcPts val="0"/>
               </a:spcBef>
@@ -3645,7 +5148,7 @@
       </p:sp>
       <p:sp>
         <p:nvSpPr>
-          <p:cNvPr id="22" name="Google Shape;22;p5"/>
+          <p:cNvPr id="22" name="Google Shape;22;p19"/>
           <p:cNvSpPr txBox="1"/>
           <p:nvPr>
             <p:ph idx="1" type="body"/>
@@ -3659,13 +5162,20 @@
           <a:prstGeom prst="rect">
             <a:avLst/>
           </a:prstGeom>
+          <a:noFill/>
+          <a:ln>
+            <a:noFill/>
+          </a:ln>
         </p:spPr>
         <p:txBody>
           <a:bodyPr anchorCtr="0" anchor="t" bIns="91425" lIns="91425" spcFirstLastPara="1" rIns="91425" wrap="square" tIns="91425">
             <a:noAutofit/>
           </a:bodyPr>
           <a:lstStyle>
-            <a:lvl1pPr indent="-317500" lvl="0" marL="457200">
+            <a:lvl1pPr indent="-317500" lvl="0" marL="457200" algn="l">
+              <a:lnSpc>
+                <a:spcPct val="115000"/>
+              </a:lnSpc>
               <a:spcBef>
                 <a:spcPts val="0"/>
               </a:spcBef>
@@ -3676,7 +5186,10 @@
               <a:buChar char="●"/>
               <a:defRPr sz="1400"/>
             </a:lvl1pPr>
-            <a:lvl2pPr indent="-304800" lvl="1" marL="914400">
+            <a:lvl2pPr indent="-304800" lvl="1" marL="914400" algn="l">
+              <a:lnSpc>
+                <a:spcPct val="115000"/>
+              </a:lnSpc>
               <a:spcBef>
                 <a:spcPts val="1600"/>
               </a:spcBef>
@@ -3687,7 +5200,10 @@
               <a:buChar char="○"/>
               <a:defRPr sz="1200"/>
             </a:lvl2pPr>
-            <a:lvl3pPr indent="-304800" lvl="2" marL="1371600">
+            <a:lvl3pPr indent="-304800" lvl="2" marL="1371600" algn="l">
+              <a:lnSpc>
+                <a:spcPct val="115000"/>
+              </a:lnSpc>
               <a:spcBef>
                 <a:spcPts val="1600"/>
               </a:spcBef>
@@ -3698,7 +5214,10 @@
               <a:buChar char="■"/>
               <a:defRPr sz="1200"/>
             </a:lvl3pPr>
-            <a:lvl4pPr indent="-304800" lvl="3" marL="1828800">
+            <a:lvl4pPr indent="-304800" lvl="3" marL="1828800" algn="l">
+              <a:lnSpc>
+                <a:spcPct val="115000"/>
+              </a:lnSpc>
               <a:spcBef>
                 <a:spcPts val="1600"/>
               </a:spcBef>
@@ -3709,7 +5228,10 @@
               <a:buChar char="●"/>
               <a:defRPr sz="1200"/>
             </a:lvl4pPr>
-            <a:lvl5pPr indent="-304800" lvl="4" marL="2286000">
+            <a:lvl5pPr indent="-304800" lvl="4" marL="2286000" algn="l">
+              <a:lnSpc>
+                <a:spcPct val="115000"/>
+              </a:lnSpc>
               <a:spcBef>
                 <a:spcPts val="1600"/>
               </a:spcBef>
@@ -3720,7 +5242,10 @@
               <a:buChar char="○"/>
               <a:defRPr sz="1200"/>
             </a:lvl5pPr>
-            <a:lvl6pPr indent="-304800" lvl="5" marL="2743200">
+            <a:lvl6pPr indent="-304800" lvl="5" marL="2743200" algn="l">
+              <a:lnSpc>
+                <a:spcPct val="115000"/>
+              </a:lnSpc>
               <a:spcBef>
                 <a:spcPts val="1600"/>
               </a:spcBef>
@@ -3731,7 +5256,10 @@
               <a:buChar char="■"/>
               <a:defRPr sz="1200"/>
             </a:lvl6pPr>
-            <a:lvl7pPr indent="-304800" lvl="6" marL="3200400">
+            <a:lvl7pPr indent="-304800" lvl="6" marL="3200400" algn="l">
+              <a:lnSpc>
+                <a:spcPct val="115000"/>
+              </a:lnSpc>
               <a:spcBef>
                 <a:spcPts val="1600"/>
               </a:spcBef>
@@ -3742,7 +5270,10 @@
               <a:buChar char="●"/>
               <a:defRPr sz="1200"/>
             </a:lvl7pPr>
-            <a:lvl8pPr indent="-304800" lvl="7" marL="3657600">
+            <a:lvl8pPr indent="-304800" lvl="7" marL="3657600" algn="l">
+              <a:lnSpc>
+                <a:spcPct val="115000"/>
+              </a:lnSpc>
               <a:spcBef>
                 <a:spcPts val="1600"/>
               </a:spcBef>
@@ -3753,7 +5284,10 @@
               <a:buChar char="○"/>
               <a:defRPr sz="1200"/>
             </a:lvl8pPr>
-            <a:lvl9pPr indent="-304800" lvl="8" marL="4114800">
+            <a:lvl9pPr indent="-304800" lvl="8" marL="4114800" algn="l">
+              <a:lnSpc>
+                <a:spcPct val="115000"/>
+              </a:lnSpc>
               <a:spcBef>
                 <a:spcPts val="1600"/>
               </a:spcBef>
@@ -3770,7 +5304,7 @@
       </p:sp>
       <p:sp>
         <p:nvSpPr>
-          <p:cNvPr id="23" name="Google Shape;23;p5"/>
+          <p:cNvPr id="23" name="Google Shape;23;p19"/>
           <p:cNvSpPr txBox="1"/>
           <p:nvPr>
             <p:ph idx="2" type="body"/>
@@ -3784,13 +5318,20 @@
           <a:prstGeom prst="rect">
             <a:avLst/>
           </a:prstGeom>
+          <a:noFill/>
+          <a:ln>
+            <a:noFill/>
+          </a:ln>
         </p:spPr>
         <p:txBody>
           <a:bodyPr anchorCtr="0" anchor="t" bIns="91425" lIns="91425" spcFirstLastPara="1" rIns="91425" wrap="square" tIns="91425">
             <a:noAutofit/>
           </a:bodyPr>
           <a:lstStyle>
-            <a:lvl1pPr indent="-317500" lvl="0" marL="457200">
+            <a:lvl1pPr indent="-317500" lvl="0" marL="457200" algn="l">
+              <a:lnSpc>
+                <a:spcPct val="115000"/>
+              </a:lnSpc>
               <a:spcBef>
                 <a:spcPts val="0"/>
               </a:spcBef>
@@ -3801,7 +5342,10 @@
               <a:buChar char="●"/>
               <a:defRPr sz="1400"/>
             </a:lvl1pPr>
-            <a:lvl2pPr indent="-304800" lvl="1" marL="914400">
+            <a:lvl2pPr indent="-304800" lvl="1" marL="914400" algn="l">
+              <a:lnSpc>
+                <a:spcPct val="115000"/>
+              </a:lnSpc>
               <a:spcBef>
                 <a:spcPts val="1600"/>
               </a:spcBef>
@@ -3812,7 +5356,10 @@
               <a:buChar char="○"/>
               <a:defRPr sz="1200"/>
             </a:lvl2pPr>
-            <a:lvl3pPr indent="-304800" lvl="2" marL="1371600">
+            <a:lvl3pPr indent="-304800" lvl="2" marL="1371600" algn="l">
+              <a:lnSpc>
+                <a:spcPct val="115000"/>
+              </a:lnSpc>
               <a:spcBef>
                 <a:spcPts val="1600"/>
               </a:spcBef>
@@ -3823,7 +5370,10 @@
               <a:buChar char="■"/>
               <a:defRPr sz="1200"/>
             </a:lvl3pPr>
-            <a:lvl4pPr indent="-304800" lvl="3" marL="1828800">
+            <a:lvl4pPr indent="-304800" lvl="3" marL="1828800" algn="l">
+              <a:lnSpc>
+                <a:spcPct val="115000"/>
+              </a:lnSpc>
               <a:spcBef>
                 <a:spcPts val="1600"/>
               </a:spcBef>
@@ -3834,7 +5384,10 @@
               <a:buChar char="●"/>
               <a:defRPr sz="1200"/>
             </a:lvl4pPr>
-            <a:lvl5pPr indent="-304800" lvl="4" marL="2286000">
+            <a:lvl5pPr indent="-304800" lvl="4" marL="2286000" algn="l">
+              <a:lnSpc>
+                <a:spcPct val="115000"/>
+              </a:lnSpc>
               <a:spcBef>
                 <a:spcPts val="1600"/>
               </a:spcBef>
@@ -3845,7 +5398,10 @@
               <a:buChar char="○"/>
               <a:defRPr sz="1200"/>
             </a:lvl5pPr>
-            <a:lvl6pPr indent="-304800" lvl="5" marL="2743200">
+            <a:lvl6pPr indent="-304800" lvl="5" marL="2743200" algn="l">
+              <a:lnSpc>
+                <a:spcPct val="115000"/>
+              </a:lnSpc>
               <a:spcBef>
                 <a:spcPts val="1600"/>
               </a:spcBef>
@@ -3856,7 +5412,10 @@
               <a:buChar char="■"/>
               <a:defRPr sz="1200"/>
             </a:lvl6pPr>
-            <a:lvl7pPr indent="-304800" lvl="6" marL="3200400">
+            <a:lvl7pPr indent="-304800" lvl="6" marL="3200400" algn="l">
+              <a:lnSpc>
+                <a:spcPct val="115000"/>
+              </a:lnSpc>
               <a:spcBef>
                 <a:spcPts val="1600"/>
               </a:spcBef>
@@ -3867,7 +5426,10 @@
               <a:buChar char="●"/>
               <a:defRPr sz="1200"/>
             </a:lvl7pPr>
-            <a:lvl8pPr indent="-304800" lvl="7" marL="3657600">
+            <a:lvl8pPr indent="-304800" lvl="7" marL="3657600" algn="l">
+              <a:lnSpc>
+                <a:spcPct val="115000"/>
+              </a:lnSpc>
               <a:spcBef>
                 <a:spcPts val="1600"/>
               </a:spcBef>
@@ -3878,7 +5440,10 @@
               <a:buChar char="○"/>
               <a:defRPr sz="1200"/>
             </a:lvl8pPr>
-            <a:lvl9pPr indent="-304800" lvl="8" marL="4114800">
+            <a:lvl9pPr indent="-304800" lvl="8" marL="4114800" algn="l">
+              <a:lnSpc>
+                <a:spcPct val="115000"/>
+              </a:lnSpc>
               <a:spcBef>
                 <a:spcPts val="1600"/>
               </a:spcBef>
@@ -3895,7 +5460,7 @@
       </p:sp>
       <p:sp>
         <p:nvSpPr>
-          <p:cNvPr id="24" name="Google Shape;24;p5"/>
+          <p:cNvPr id="24" name="Google Shape;24;p19"/>
           <p:cNvSpPr txBox="1"/>
           <p:nvPr>
             <p:ph idx="12" type="sldNum"/>
@@ -3909,47 +5474,249 @@
           <a:prstGeom prst="rect">
             <a:avLst/>
           </a:prstGeom>
+          <a:noFill/>
+          <a:ln>
+            <a:noFill/>
+          </a:ln>
         </p:spPr>
         <p:txBody>
           <a:bodyPr anchorCtr="0" anchor="ctr" bIns="91425" lIns="91425" spcFirstLastPara="1" rIns="91425" wrap="square" tIns="91425">
             <a:noAutofit/>
           </a:bodyPr>
           <a:lstStyle>
-            <a:lvl1pPr lvl="0">
-              <a:buNone/>
-              <a:defRPr/>
+            <a:lvl1pPr indent="0" lvl="0" marL="0" marR="0" algn="r">
+              <a:lnSpc>
+                <a:spcPct val="100000"/>
+              </a:lnSpc>
+              <a:spcBef>
+                <a:spcPts val="0"/>
+              </a:spcBef>
+              <a:spcAft>
+                <a:spcPts val="0"/>
+              </a:spcAft>
+              <a:buClr>
+                <a:srgbClr val="000000"/>
+              </a:buClr>
+              <a:buSzPts val="1000"/>
+              <a:buFont typeface="Arial"/>
+              <a:buNone/>
+              <a:defRPr b="0" i="0" sz="1000" u="none" cap="none" strike="noStrike">
+                <a:solidFill>
+                  <a:schemeClr val="dk2"/>
+                </a:solidFill>
+                <a:latin typeface="Arial"/>
+                <a:ea typeface="Arial"/>
+                <a:cs typeface="Arial"/>
+                <a:sym typeface="Arial"/>
+              </a:defRPr>
             </a:lvl1pPr>
-            <a:lvl2pPr lvl="1">
-              <a:buNone/>
-              <a:defRPr/>
+            <a:lvl2pPr indent="0" lvl="1" marL="0" marR="0" algn="r">
+              <a:lnSpc>
+                <a:spcPct val="100000"/>
+              </a:lnSpc>
+              <a:spcBef>
+                <a:spcPts val="0"/>
+              </a:spcBef>
+              <a:spcAft>
+                <a:spcPts val="0"/>
+              </a:spcAft>
+              <a:buClr>
+                <a:srgbClr val="000000"/>
+              </a:buClr>
+              <a:buSzPts val="1000"/>
+              <a:buFont typeface="Arial"/>
+              <a:buNone/>
+              <a:defRPr b="0" i="0" sz="1000" u="none" cap="none" strike="noStrike">
+                <a:solidFill>
+                  <a:schemeClr val="dk2"/>
+                </a:solidFill>
+                <a:latin typeface="Arial"/>
+                <a:ea typeface="Arial"/>
+                <a:cs typeface="Arial"/>
+                <a:sym typeface="Arial"/>
+              </a:defRPr>
             </a:lvl2pPr>
-            <a:lvl3pPr lvl="2">
-              <a:buNone/>
-              <a:defRPr/>
+            <a:lvl3pPr indent="0" lvl="2" marL="0" marR="0" algn="r">
+              <a:lnSpc>
+                <a:spcPct val="100000"/>
+              </a:lnSpc>
+              <a:spcBef>
+                <a:spcPts val="0"/>
+              </a:spcBef>
+              <a:spcAft>
+                <a:spcPts val="0"/>
+              </a:spcAft>
+              <a:buClr>
+                <a:srgbClr val="000000"/>
+              </a:buClr>
+              <a:buSzPts val="1000"/>
+              <a:buFont typeface="Arial"/>
+              <a:buNone/>
+              <a:defRPr b="0" i="0" sz="1000" u="none" cap="none" strike="noStrike">
+                <a:solidFill>
+                  <a:schemeClr val="dk2"/>
+                </a:solidFill>
+                <a:latin typeface="Arial"/>
+                <a:ea typeface="Arial"/>
+                <a:cs typeface="Arial"/>
+                <a:sym typeface="Arial"/>
+              </a:defRPr>
             </a:lvl3pPr>
-            <a:lvl4pPr lvl="3">
-              <a:buNone/>
-              <a:defRPr/>
+            <a:lvl4pPr indent="0" lvl="3" marL="0" marR="0" algn="r">
+              <a:lnSpc>
+                <a:spcPct val="100000"/>
+              </a:lnSpc>
+              <a:spcBef>
+                <a:spcPts val="0"/>
+              </a:spcBef>
+              <a:spcAft>
+                <a:spcPts val="0"/>
+              </a:spcAft>
+              <a:buClr>
+                <a:srgbClr val="000000"/>
+              </a:buClr>
+              <a:buSzPts val="1000"/>
+              <a:buFont typeface="Arial"/>
+              <a:buNone/>
+              <a:defRPr b="0" i="0" sz="1000" u="none" cap="none" strike="noStrike">
+                <a:solidFill>
+                  <a:schemeClr val="dk2"/>
+                </a:solidFill>
+                <a:latin typeface="Arial"/>
+                <a:ea typeface="Arial"/>
+                <a:cs typeface="Arial"/>
+                <a:sym typeface="Arial"/>
+              </a:defRPr>
             </a:lvl4pPr>
-            <a:lvl5pPr lvl="4">
-              <a:buNone/>
-              <a:defRPr/>
+            <a:lvl5pPr indent="0" lvl="4" marL="0" marR="0" algn="r">
+              <a:lnSpc>
+                <a:spcPct val="100000"/>
+              </a:lnSpc>
+              <a:spcBef>
+                <a:spcPts val="0"/>
+              </a:spcBef>
+              <a:spcAft>
+                <a:spcPts val="0"/>
+              </a:spcAft>
+              <a:buClr>
+                <a:srgbClr val="000000"/>
+              </a:buClr>
+              <a:buSzPts val="1000"/>
+              <a:buFont typeface="Arial"/>
+              <a:buNone/>
+              <a:defRPr b="0" i="0" sz="1000" u="none" cap="none" strike="noStrike">
+                <a:solidFill>
+                  <a:schemeClr val="dk2"/>
+                </a:solidFill>
+                <a:latin typeface="Arial"/>
+                <a:ea typeface="Arial"/>
+                <a:cs typeface="Arial"/>
+                <a:sym typeface="Arial"/>
+              </a:defRPr>
             </a:lvl5pPr>
-            <a:lvl6pPr lvl="5">
-              <a:buNone/>
-              <a:defRPr/>
+            <a:lvl6pPr indent="0" lvl="5" marL="0" marR="0" algn="r">
+              <a:lnSpc>
+                <a:spcPct val="100000"/>
+              </a:lnSpc>
+              <a:spcBef>
+                <a:spcPts val="0"/>
+              </a:spcBef>
+              <a:spcAft>
+                <a:spcPts val="0"/>
+              </a:spcAft>
+              <a:buClr>
+                <a:srgbClr val="000000"/>
+              </a:buClr>
+              <a:buSzPts val="1000"/>
+              <a:buFont typeface="Arial"/>
+              <a:buNone/>
+              <a:defRPr b="0" i="0" sz="1000" u="none" cap="none" strike="noStrike">
+                <a:solidFill>
+                  <a:schemeClr val="dk2"/>
+                </a:solidFill>
+                <a:latin typeface="Arial"/>
+                <a:ea typeface="Arial"/>
+                <a:cs typeface="Arial"/>
+                <a:sym typeface="Arial"/>
+              </a:defRPr>
             </a:lvl6pPr>
-            <a:lvl7pPr lvl="6">
-              <a:buNone/>
-              <a:defRPr/>
+            <a:lvl7pPr indent="0" lvl="6" marL="0" marR="0" algn="r">
+              <a:lnSpc>
+                <a:spcPct val="100000"/>
+              </a:lnSpc>
+              <a:spcBef>
+                <a:spcPts val="0"/>
+              </a:spcBef>
+              <a:spcAft>
+                <a:spcPts val="0"/>
+              </a:spcAft>
+              <a:buClr>
+                <a:srgbClr val="000000"/>
+              </a:buClr>
+              <a:buSzPts val="1000"/>
+              <a:buFont typeface="Arial"/>
+              <a:buNone/>
+              <a:defRPr b="0" i="0" sz="1000" u="none" cap="none" strike="noStrike">
+                <a:solidFill>
+                  <a:schemeClr val="dk2"/>
+                </a:solidFill>
+                <a:latin typeface="Arial"/>
+                <a:ea typeface="Arial"/>
+                <a:cs typeface="Arial"/>
+                <a:sym typeface="Arial"/>
+              </a:defRPr>
             </a:lvl7pPr>
-            <a:lvl8pPr lvl="7">
-              <a:buNone/>
-              <a:defRPr/>
+            <a:lvl8pPr indent="0" lvl="7" marL="0" marR="0" algn="r">
+              <a:lnSpc>
+                <a:spcPct val="100000"/>
+              </a:lnSpc>
+              <a:spcBef>
+                <a:spcPts val="0"/>
+              </a:spcBef>
+              <a:spcAft>
+                <a:spcPts val="0"/>
+              </a:spcAft>
+              <a:buClr>
+                <a:srgbClr val="000000"/>
+              </a:buClr>
+              <a:buSzPts val="1000"/>
+              <a:buFont typeface="Arial"/>
+              <a:buNone/>
+              <a:defRPr b="0" i="0" sz="1000" u="none" cap="none" strike="noStrike">
+                <a:solidFill>
+                  <a:schemeClr val="dk2"/>
+                </a:solidFill>
+                <a:latin typeface="Arial"/>
+                <a:ea typeface="Arial"/>
+                <a:cs typeface="Arial"/>
+                <a:sym typeface="Arial"/>
+              </a:defRPr>
             </a:lvl8pPr>
-            <a:lvl9pPr lvl="8">
-              <a:buNone/>
-              <a:defRPr/>
+            <a:lvl9pPr indent="0" lvl="8" marL="0" marR="0" algn="r">
+              <a:lnSpc>
+                <a:spcPct val="100000"/>
+              </a:lnSpc>
+              <a:spcBef>
+                <a:spcPts val="0"/>
+              </a:spcBef>
+              <a:spcAft>
+                <a:spcPts val="0"/>
+              </a:spcAft>
+              <a:buClr>
+                <a:srgbClr val="000000"/>
+              </a:buClr>
+              <a:buSzPts val="1000"/>
+              <a:buFont typeface="Arial"/>
+              <a:buNone/>
+              <a:defRPr b="0" i="0" sz="1000" u="none" cap="none" strike="noStrike">
+                <a:solidFill>
+                  <a:schemeClr val="dk2"/>
+                </a:solidFill>
+                <a:latin typeface="Arial"/>
+                <a:ea typeface="Arial"/>
+                <a:cs typeface="Arial"/>
+                <a:sym typeface="Arial"/>
+              </a:defRPr>
             </a:lvl9pPr>
           </a:lstStyle>
           <a:p>
@@ -3997,7 +5764,7 @@
       </p:grpSpPr>
       <p:sp>
         <p:nvSpPr>
-          <p:cNvPr id="26" name="Google Shape;26;p6"/>
+          <p:cNvPr id="26" name="Google Shape;26;p20"/>
           <p:cNvSpPr txBox="1"/>
           <p:nvPr>
             <p:ph type="title"/>
@@ -4011,13 +5778,20 @@
           <a:prstGeom prst="rect">
             <a:avLst/>
           </a:prstGeom>
+          <a:noFill/>
+          <a:ln>
+            <a:noFill/>
+          </a:ln>
         </p:spPr>
         <p:txBody>
           <a:bodyPr anchorCtr="0" anchor="t" bIns="91425" lIns="91425" spcFirstLastPara="1" rIns="91425" wrap="square" tIns="91425">
             <a:noAutofit/>
           </a:bodyPr>
           <a:lstStyle>
-            <a:lvl1pPr lvl="0">
+            <a:lvl1pPr lvl="0" algn="l">
+              <a:lnSpc>
+                <a:spcPct val="100000"/>
+              </a:lnSpc>
               <a:spcBef>
                 <a:spcPts val="0"/>
               </a:spcBef>
@@ -4028,7 +5802,10 @@
               <a:buNone/>
               <a:defRPr/>
             </a:lvl1pPr>
-            <a:lvl2pPr lvl="1">
+            <a:lvl2pPr lvl="1" algn="l">
+              <a:lnSpc>
+                <a:spcPct val="100000"/>
+              </a:lnSpc>
               <a:spcBef>
                 <a:spcPts val="0"/>
               </a:spcBef>
@@ -4039,7 +5816,10 @@
               <a:buNone/>
               <a:defRPr/>
             </a:lvl2pPr>
-            <a:lvl3pPr lvl="2">
+            <a:lvl3pPr lvl="2" algn="l">
+              <a:lnSpc>
+                <a:spcPct val="100000"/>
+              </a:lnSpc>
               <a:spcBef>
                 <a:spcPts val="0"/>
               </a:spcBef>
@@ -4050,7 +5830,10 @@
               <a:buNone/>
               <a:defRPr/>
             </a:lvl3pPr>
-            <a:lvl4pPr lvl="3">
+            <a:lvl4pPr lvl="3" algn="l">
+              <a:lnSpc>
+                <a:spcPct val="100000"/>
+              </a:lnSpc>
               <a:spcBef>
                 <a:spcPts val="0"/>
               </a:spcBef>
@@ -4061,7 +5844,10 @@
               <a:buNone/>
               <a:defRPr/>
             </a:lvl4pPr>
-            <a:lvl5pPr lvl="4">
+            <a:lvl5pPr lvl="4" algn="l">
+              <a:lnSpc>
+                <a:spcPct val="100000"/>
+              </a:lnSpc>
               <a:spcBef>
                 <a:spcPts val="0"/>
               </a:spcBef>
@@ -4072,7 +5858,10 @@
               <a:buNone/>
               <a:defRPr/>
             </a:lvl5pPr>
-            <a:lvl6pPr lvl="5">
+            <a:lvl6pPr lvl="5" algn="l">
+              <a:lnSpc>
+                <a:spcPct val="100000"/>
+              </a:lnSpc>
               <a:spcBef>
                 <a:spcPts val="0"/>
               </a:spcBef>
@@ -4083,7 +5872,10 @@
               <a:buNone/>
               <a:defRPr/>
             </a:lvl6pPr>
-            <a:lvl7pPr lvl="6">
+            <a:lvl7pPr lvl="6" algn="l">
+              <a:lnSpc>
+                <a:spcPct val="100000"/>
+              </a:lnSpc>
               <a:spcBef>
                 <a:spcPts val="0"/>
               </a:spcBef>
@@ -4094,7 +5886,10 @@
               <a:buNone/>
               <a:defRPr/>
             </a:lvl7pPr>
-            <a:lvl8pPr lvl="7">
+            <a:lvl8pPr lvl="7" algn="l">
+              <a:lnSpc>
+                <a:spcPct val="100000"/>
+              </a:lnSpc>
               <a:spcBef>
                 <a:spcPts val="0"/>
               </a:spcBef>
@@ -4105,7 +5900,10 @@
               <a:buNone/>
               <a:defRPr/>
             </a:lvl8pPr>
-            <a:lvl9pPr lvl="8">
+            <a:lvl9pPr lvl="8" algn="l">
+              <a:lnSpc>
+                <a:spcPct val="100000"/>
+              </a:lnSpc>
               <a:spcBef>
                 <a:spcPts val="0"/>
               </a:spcBef>
@@ -4122,7 +5920,7 @@
       </p:sp>
       <p:sp>
         <p:nvSpPr>
-          <p:cNvPr id="27" name="Google Shape;27;p6"/>
+          <p:cNvPr id="27" name="Google Shape;27;p20"/>
           <p:cNvSpPr txBox="1"/>
           <p:nvPr>
             <p:ph idx="12" type="sldNum"/>
@@ -4136,47 +5934,249 @@
           <a:prstGeom prst="rect">
             <a:avLst/>
           </a:prstGeom>
+          <a:noFill/>
+          <a:ln>
+            <a:noFill/>
+          </a:ln>
         </p:spPr>
         <p:txBody>
           <a:bodyPr anchorCtr="0" anchor="ctr" bIns="91425" lIns="91425" spcFirstLastPara="1" rIns="91425" wrap="square" tIns="91425">
             <a:noAutofit/>
           </a:bodyPr>
           <a:lstStyle>
-            <a:lvl1pPr lvl="0">
-              <a:buNone/>
-              <a:defRPr/>
+            <a:lvl1pPr indent="0" lvl="0" marL="0" marR="0" algn="r">
+              <a:lnSpc>
+                <a:spcPct val="100000"/>
+              </a:lnSpc>
+              <a:spcBef>
+                <a:spcPts val="0"/>
+              </a:spcBef>
+              <a:spcAft>
+                <a:spcPts val="0"/>
+              </a:spcAft>
+              <a:buClr>
+                <a:srgbClr val="000000"/>
+              </a:buClr>
+              <a:buSzPts val="1000"/>
+              <a:buFont typeface="Arial"/>
+              <a:buNone/>
+              <a:defRPr b="0" i="0" sz="1000" u="none" cap="none" strike="noStrike">
+                <a:solidFill>
+                  <a:schemeClr val="dk2"/>
+                </a:solidFill>
+                <a:latin typeface="Arial"/>
+                <a:ea typeface="Arial"/>
+                <a:cs typeface="Arial"/>
+                <a:sym typeface="Arial"/>
+              </a:defRPr>
             </a:lvl1pPr>
-            <a:lvl2pPr lvl="1">
-              <a:buNone/>
-              <a:defRPr/>
+            <a:lvl2pPr indent="0" lvl="1" marL="0" marR="0" algn="r">
+              <a:lnSpc>
+                <a:spcPct val="100000"/>
+              </a:lnSpc>
+              <a:spcBef>
+                <a:spcPts val="0"/>
+              </a:spcBef>
+              <a:spcAft>
+                <a:spcPts val="0"/>
+              </a:spcAft>
+              <a:buClr>
+                <a:srgbClr val="000000"/>
+              </a:buClr>
+              <a:buSzPts val="1000"/>
+              <a:buFont typeface="Arial"/>
+              <a:buNone/>
+              <a:defRPr b="0" i="0" sz="1000" u="none" cap="none" strike="noStrike">
+                <a:solidFill>
+                  <a:schemeClr val="dk2"/>
+                </a:solidFill>
+                <a:latin typeface="Arial"/>
+                <a:ea typeface="Arial"/>
+                <a:cs typeface="Arial"/>
+                <a:sym typeface="Arial"/>
+              </a:defRPr>
             </a:lvl2pPr>
-            <a:lvl3pPr lvl="2">
-              <a:buNone/>
-              <a:defRPr/>
+            <a:lvl3pPr indent="0" lvl="2" marL="0" marR="0" algn="r">
+              <a:lnSpc>
+                <a:spcPct val="100000"/>
+              </a:lnSpc>
+              <a:spcBef>
+                <a:spcPts val="0"/>
+              </a:spcBef>
+              <a:spcAft>
+                <a:spcPts val="0"/>
+              </a:spcAft>
+              <a:buClr>
+                <a:srgbClr val="000000"/>
+              </a:buClr>
+              <a:buSzPts val="1000"/>
+              <a:buFont typeface="Arial"/>
+              <a:buNone/>
+              <a:defRPr b="0" i="0" sz="1000" u="none" cap="none" strike="noStrike">
+                <a:solidFill>
+                  <a:schemeClr val="dk2"/>
+                </a:solidFill>
+                <a:latin typeface="Arial"/>
+                <a:ea typeface="Arial"/>
+                <a:cs typeface="Arial"/>
+                <a:sym typeface="Arial"/>
+              </a:defRPr>
             </a:lvl3pPr>
-            <a:lvl4pPr lvl="3">
-              <a:buNone/>
-              <a:defRPr/>
+            <a:lvl4pPr indent="0" lvl="3" marL="0" marR="0" algn="r">
+              <a:lnSpc>
+                <a:spcPct val="100000"/>
+              </a:lnSpc>
+              <a:spcBef>
+                <a:spcPts val="0"/>
+              </a:spcBef>
+              <a:spcAft>
+                <a:spcPts val="0"/>
+              </a:spcAft>
+              <a:buClr>
+                <a:srgbClr val="000000"/>
+              </a:buClr>
+              <a:buSzPts val="1000"/>
+              <a:buFont typeface="Arial"/>
+              <a:buNone/>
+              <a:defRPr b="0" i="0" sz="1000" u="none" cap="none" strike="noStrike">
+                <a:solidFill>
+                  <a:schemeClr val="dk2"/>
+                </a:solidFill>
+                <a:latin typeface="Arial"/>
+                <a:ea typeface="Arial"/>
+                <a:cs typeface="Arial"/>
+                <a:sym typeface="Arial"/>
+              </a:defRPr>
             </a:lvl4pPr>
-            <a:lvl5pPr lvl="4">
-              <a:buNone/>
-              <a:defRPr/>
+            <a:lvl5pPr indent="0" lvl="4" marL="0" marR="0" algn="r">
+              <a:lnSpc>
+                <a:spcPct val="100000"/>
+              </a:lnSpc>
+              <a:spcBef>
+                <a:spcPts val="0"/>
+              </a:spcBef>
+              <a:spcAft>
+                <a:spcPts val="0"/>
+              </a:spcAft>
+              <a:buClr>
+                <a:srgbClr val="000000"/>
+              </a:buClr>
+              <a:buSzPts val="1000"/>
+              <a:buFont typeface="Arial"/>
+              <a:buNone/>
+              <a:defRPr b="0" i="0" sz="1000" u="none" cap="none" strike="noStrike">
+                <a:solidFill>
+                  <a:schemeClr val="dk2"/>
+                </a:solidFill>
+                <a:latin typeface="Arial"/>
+                <a:ea typeface="Arial"/>
+                <a:cs typeface="Arial"/>
+                <a:sym typeface="Arial"/>
+              </a:defRPr>
             </a:lvl5pPr>
-            <a:lvl6pPr lvl="5">
-              <a:buNone/>
-              <a:defRPr/>
+            <a:lvl6pPr indent="0" lvl="5" marL="0" marR="0" algn="r">
+              <a:lnSpc>
+                <a:spcPct val="100000"/>
+              </a:lnSpc>
+              <a:spcBef>
+                <a:spcPts val="0"/>
+              </a:spcBef>
+              <a:spcAft>
+                <a:spcPts val="0"/>
+              </a:spcAft>
+              <a:buClr>
+                <a:srgbClr val="000000"/>
+              </a:buClr>
+              <a:buSzPts val="1000"/>
+              <a:buFont typeface="Arial"/>
+              <a:buNone/>
+              <a:defRPr b="0" i="0" sz="1000" u="none" cap="none" strike="noStrike">
+                <a:solidFill>
+                  <a:schemeClr val="dk2"/>
+                </a:solidFill>
+                <a:latin typeface="Arial"/>
+                <a:ea typeface="Arial"/>
+                <a:cs typeface="Arial"/>
+                <a:sym typeface="Arial"/>
+              </a:defRPr>
             </a:lvl6pPr>
-            <a:lvl7pPr lvl="6">
-              <a:buNone/>
-              <a:defRPr/>
+            <a:lvl7pPr indent="0" lvl="6" marL="0" marR="0" algn="r">
+              <a:lnSpc>
+                <a:spcPct val="100000"/>
+              </a:lnSpc>
+              <a:spcBef>
+                <a:spcPts val="0"/>
+              </a:spcBef>
+              <a:spcAft>
+                <a:spcPts val="0"/>
+              </a:spcAft>
+              <a:buClr>
+                <a:srgbClr val="000000"/>
+              </a:buClr>
+              <a:buSzPts val="1000"/>
+              <a:buFont typeface="Arial"/>
+              <a:buNone/>
+              <a:defRPr b="0" i="0" sz="1000" u="none" cap="none" strike="noStrike">
+                <a:solidFill>
+                  <a:schemeClr val="dk2"/>
+                </a:solidFill>
+                <a:latin typeface="Arial"/>
+                <a:ea typeface="Arial"/>
+                <a:cs typeface="Arial"/>
+                <a:sym typeface="Arial"/>
+              </a:defRPr>
             </a:lvl7pPr>
-            <a:lvl8pPr lvl="7">
-              <a:buNone/>
-              <a:defRPr/>
+            <a:lvl8pPr indent="0" lvl="7" marL="0" marR="0" algn="r">
+              <a:lnSpc>
+                <a:spcPct val="100000"/>
+              </a:lnSpc>
+              <a:spcBef>
+                <a:spcPts val="0"/>
+              </a:spcBef>
+              <a:spcAft>
+                <a:spcPts val="0"/>
+              </a:spcAft>
+              <a:buClr>
+                <a:srgbClr val="000000"/>
+              </a:buClr>
+              <a:buSzPts val="1000"/>
+              <a:buFont typeface="Arial"/>
+              <a:buNone/>
+              <a:defRPr b="0" i="0" sz="1000" u="none" cap="none" strike="noStrike">
+                <a:solidFill>
+                  <a:schemeClr val="dk2"/>
+                </a:solidFill>
+                <a:latin typeface="Arial"/>
+                <a:ea typeface="Arial"/>
+                <a:cs typeface="Arial"/>
+                <a:sym typeface="Arial"/>
+              </a:defRPr>
             </a:lvl8pPr>
-            <a:lvl9pPr lvl="8">
-              <a:buNone/>
-              <a:defRPr/>
+            <a:lvl9pPr indent="0" lvl="8" marL="0" marR="0" algn="r">
+              <a:lnSpc>
+                <a:spcPct val="100000"/>
+              </a:lnSpc>
+              <a:spcBef>
+                <a:spcPts val="0"/>
+              </a:spcBef>
+              <a:spcAft>
+                <a:spcPts val="0"/>
+              </a:spcAft>
+              <a:buClr>
+                <a:srgbClr val="000000"/>
+              </a:buClr>
+              <a:buSzPts val="1000"/>
+              <a:buFont typeface="Arial"/>
+              <a:buNone/>
+              <a:defRPr b="0" i="0" sz="1000" u="none" cap="none" strike="noStrike">
+                <a:solidFill>
+                  <a:schemeClr val="dk2"/>
+                </a:solidFill>
+                <a:latin typeface="Arial"/>
+                <a:ea typeface="Arial"/>
+                <a:cs typeface="Arial"/>
+                <a:sym typeface="Arial"/>
+              </a:defRPr>
             </a:lvl9pPr>
           </a:lstStyle>
           <a:p>
@@ -4224,7 +6224,7 @@
       </p:grpSpPr>
       <p:sp>
         <p:nvSpPr>
-          <p:cNvPr id="29" name="Google Shape;29;p7"/>
+          <p:cNvPr id="29" name="Google Shape;29;p21"/>
           <p:cNvSpPr txBox="1"/>
           <p:nvPr>
             <p:ph type="title"/>
@@ -4238,13 +6238,20 @@
           <a:prstGeom prst="rect">
             <a:avLst/>
           </a:prstGeom>
+          <a:noFill/>
+          <a:ln>
+            <a:noFill/>
+          </a:ln>
         </p:spPr>
         <p:txBody>
           <a:bodyPr anchorCtr="0" anchor="b" bIns="91425" lIns="91425" spcFirstLastPara="1" rIns="91425" wrap="square" tIns="91425">
             <a:noAutofit/>
           </a:bodyPr>
           <a:lstStyle>
-            <a:lvl1pPr lvl="0">
+            <a:lvl1pPr lvl="0" algn="l">
+              <a:lnSpc>
+                <a:spcPct val="100000"/>
+              </a:lnSpc>
               <a:spcBef>
                 <a:spcPts val="0"/>
               </a:spcBef>
@@ -4255,7 +6262,10 @@
               <a:buNone/>
               <a:defRPr sz="2400"/>
             </a:lvl1pPr>
-            <a:lvl2pPr lvl="1">
+            <a:lvl2pPr lvl="1" algn="l">
+              <a:lnSpc>
+                <a:spcPct val="100000"/>
+              </a:lnSpc>
               <a:spcBef>
                 <a:spcPts val="0"/>
               </a:spcBef>
@@ -4266,7 +6276,10 @@
               <a:buNone/>
               <a:defRPr sz="2400"/>
             </a:lvl2pPr>
-            <a:lvl3pPr lvl="2">
+            <a:lvl3pPr lvl="2" algn="l">
+              <a:lnSpc>
+                <a:spcPct val="100000"/>
+              </a:lnSpc>
               <a:spcBef>
                 <a:spcPts val="0"/>
               </a:spcBef>
@@ -4277,7 +6290,10 @@
               <a:buNone/>
               <a:defRPr sz="2400"/>
             </a:lvl3pPr>
-            <a:lvl4pPr lvl="3">
+            <a:lvl4pPr lvl="3" algn="l">
+              <a:lnSpc>
+                <a:spcPct val="100000"/>
+              </a:lnSpc>
               <a:spcBef>
                 <a:spcPts val="0"/>
               </a:spcBef>
@@ -4288,7 +6304,10 @@
               <a:buNone/>
               <a:defRPr sz="2400"/>
             </a:lvl4pPr>
-            <a:lvl5pPr lvl="4">
+            <a:lvl5pPr lvl="4" algn="l">
+              <a:lnSpc>
+                <a:spcPct val="100000"/>
+              </a:lnSpc>
               <a:spcBef>
                 <a:spcPts val="0"/>
               </a:spcBef>
@@ -4299,7 +6318,10 @@
               <a:buNone/>
               <a:defRPr sz="2400"/>
             </a:lvl5pPr>
-            <a:lvl6pPr lvl="5">
+            <a:lvl6pPr lvl="5" algn="l">
+              <a:lnSpc>
+                <a:spcPct val="100000"/>
+              </a:lnSpc>
               <a:spcBef>
                 <a:spcPts val="0"/>
               </a:spcBef>
@@ -4310,7 +6332,10 @@
               <a:buNone/>
               <a:defRPr sz="2400"/>
             </a:lvl6pPr>
-            <a:lvl7pPr lvl="6">
+            <a:lvl7pPr lvl="6" algn="l">
+              <a:lnSpc>
+                <a:spcPct val="100000"/>
+              </a:lnSpc>
               <a:spcBef>
                 <a:spcPts val="0"/>
               </a:spcBef>
@@ -4321,7 +6346,10 @@
               <a:buNone/>
               <a:defRPr sz="2400"/>
             </a:lvl7pPr>
-            <a:lvl8pPr lvl="7">
+            <a:lvl8pPr lvl="7" algn="l">
+              <a:lnSpc>
+                <a:spcPct val="100000"/>
+              </a:lnSpc>
               <a:spcBef>
                 <a:spcPts val="0"/>
               </a:spcBef>
@@ -4332,7 +6360,10 @@
               <a:buNone/>
               <a:defRPr sz="2400"/>
             </a:lvl8pPr>
-            <a:lvl9pPr lvl="8">
+            <a:lvl9pPr lvl="8" algn="l">
+              <a:lnSpc>
+                <a:spcPct val="100000"/>
+              </a:lnSpc>
               <a:spcBef>
                 <a:spcPts val="0"/>
               </a:spcBef>
@@ -4349,7 +6380,7 @@
       </p:sp>
       <p:sp>
         <p:nvSpPr>
-          <p:cNvPr id="30" name="Google Shape;30;p7"/>
+          <p:cNvPr id="30" name="Google Shape;30;p21"/>
           <p:cNvSpPr txBox="1"/>
           <p:nvPr>
             <p:ph idx="1" type="body"/>
@@ -4363,13 +6394,20 @@
           <a:prstGeom prst="rect">
             <a:avLst/>
           </a:prstGeom>
+          <a:noFill/>
+          <a:ln>
+            <a:noFill/>
+          </a:ln>
         </p:spPr>
         <p:txBody>
           <a:bodyPr anchorCtr="0" anchor="t" bIns="91425" lIns="91425" spcFirstLastPara="1" rIns="91425" wrap="square" tIns="91425">
             <a:noAutofit/>
           </a:bodyPr>
           <a:lstStyle>
-            <a:lvl1pPr indent="-304800" lvl="0" marL="457200">
+            <a:lvl1pPr indent="-304800" lvl="0" marL="457200" algn="l">
+              <a:lnSpc>
+                <a:spcPct val="115000"/>
+              </a:lnSpc>
               <a:spcBef>
                 <a:spcPts val="0"/>
               </a:spcBef>
@@ -4380,7 +6418,10 @@
               <a:buChar char="●"/>
               <a:defRPr sz="1200"/>
             </a:lvl1pPr>
-            <a:lvl2pPr indent="-304800" lvl="1" marL="914400">
+            <a:lvl2pPr indent="-304800" lvl="1" marL="914400" algn="l">
+              <a:lnSpc>
+                <a:spcPct val="115000"/>
+              </a:lnSpc>
               <a:spcBef>
                 <a:spcPts val="1600"/>
               </a:spcBef>
@@ -4391,7 +6432,10 @@
               <a:buChar char="○"/>
               <a:defRPr sz="1200"/>
             </a:lvl2pPr>
-            <a:lvl3pPr indent="-304800" lvl="2" marL="1371600">
+            <a:lvl3pPr indent="-304800" lvl="2" marL="1371600" algn="l">
+              <a:lnSpc>
+                <a:spcPct val="115000"/>
+              </a:lnSpc>
               <a:spcBef>
                 <a:spcPts val="1600"/>
               </a:spcBef>
@@ -4402,7 +6446,10 @@
               <a:buChar char="■"/>
               <a:defRPr sz="1200"/>
             </a:lvl3pPr>
-            <a:lvl4pPr indent="-304800" lvl="3" marL="1828800">
+            <a:lvl4pPr indent="-304800" lvl="3" marL="1828800" algn="l">
+              <a:lnSpc>
+                <a:spcPct val="115000"/>
+              </a:lnSpc>
               <a:spcBef>
                 <a:spcPts val="1600"/>
               </a:spcBef>
@@ -4413,7 +6460,10 @@
               <a:buChar char="●"/>
               <a:defRPr sz="1200"/>
             </a:lvl4pPr>
-            <a:lvl5pPr indent="-304800" lvl="4" marL="2286000">
+            <a:lvl5pPr indent="-304800" lvl="4" marL="2286000" algn="l">
+              <a:lnSpc>
+                <a:spcPct val="115000"/>
+              </a:lnSpc>
               <a:spcBef>
                 <a:spcPts val="1600"/>
               </a:spcBef>
@@ -4424,7 +6474,10 @@
               <a:buChar char="○"/>
               <a:defRPr sz="1200"/>
             </a:lvl5pPr>
-            <a:lvl6pPr indent="-304800" lvl="5" marL="2743200">
+            <a:lvl6pPr indent="-304800" lvl="5" marL="2743200" algn="l">
+              <a:lnSpc>
+                <a:spcPct val="115000"/>
+              </a:lnSpc>
               <a:spcBef>
                 <a:spcPts val="1600"/>
               </a:spcBef>
@@ -4435,7 +6488,10 @@
               <a:buChar char="■"/>
               <a:defRPr sz="1200"/>
             </a:lvl6pPr>
-            <a:lvl7pPr indent="-304800" lvl="6" marL="3200400">
+            <a:lvl7pPr indent="-304800" lvl="6" marL="3200400" algn="l">
+              <a:lnSpc>
+                <a:spcPct val="115000"/>
+              </a:lnSpc>
               <a:spcBef>
                 <a:spcPts val="1600"/>
               </a:spcBef>
@@ -4446,7 +6502,10 @@
               <a:buChar char="●"/>
               <a:defRPr sz="1200"/>
             </a:lvl7pPr>
-            <a:lvl8pPr indent="-304800" lvl="7" marL="3657600">
+            <a:lvl8pPr indent="-304800" lvl="7" marL="3657600" algn="l">
+              <a:lnSpc>
+                <a:spcPct val="115000"/>
+              </a:lnSpc>
               <a:spcBef>
                 <a:spcPts val="1600"/>
               </a:spcBef>
@@ -4457,7 +6516,10 @@
               <a:buChar char="○"/>
               <a:defRPr sz="1200"/>
             </a:lvl8pPr>
-            <a:lvl9pPr indent="-304800" lvl="8" marL="4114800">
+            <a:lvl9pPr indent="-304800" lvl="8" marL="4114800" algn="l">
+              <a:lnSpc>
+                <a:spcPct val="115000"/>
+              </a:lnSpc>
               <a:spcBef>
                 <a:spcPts val="1600"/>
               </a:spcBef>
@@ -4474,7 +6536,7 @@
       </p:sp>
       <p:sp>
         <p:nvSpPr>
-          <p:cNvPr id="31" name="Google Shape;31;p7"/>
+          <p:cNvPr id="31" name="Google Shape;31;p21"/>
           <p:cNvSpPr txBox="1"/>
           <p:nvPr>
             <p:ph idx="12" type="sldNum"/>
@@ -4488,47 +6550,249 @@
           <a:prstGeom prst="rect">
             <a:avLst/>
           </a:prstGeom>
+          <a:noFill/>
+          <a:ln>
+            <a:noFill/>
+          </a:ln>
         </p:spPr>
         <p:txBody>
           <a:bodyPr anchorCtr="0" anchor="ctr" bIns="91425" lIns="91425" spcFirstLastPara="1" rIns="91425" wrap="square" tIns="91425">
             <a:noAutofit/>
           </a:bodyPr>
           <a:lstStyle>
-            <a:lvl1pPr lvl="0">
-              <a:buNone/>
-              <a:defRPr/>
+            <a:lvl1pPr indent="0" lvl="0" marL="0" marR="0" algn="r">
+              <a:lnSpc>
+                <a:spcPct val="100000"/>
+              </a:lnSpc>
+              <a:spcBef>
+                <a:spcPts val="0"/>
+              </a:spcBef>
+              <a:spcAft>
+                <a:spcPts val="0"/>
+              </a:spcAft>
+              <a:buClr>
+                <a:srgbClr val="000000"/>
+              </a:buClr>
+              <a:buSzPts val="1000"/>
+              <a:buFont typeface="Arial"/>
+              <a:buNone/>
+              <a:defRPr b="0" i="0" sz="1000" u="none" cap="none" strike="noStrike">
+                <a:solidFill>
+                  <a:schemeClr val="dk2"/>
+                </a:solidFill>
+                <a:latin typeface="Arial"/>
+                <a:ea typeface="Arial"/>
+                <a:cs typeface="Arial"/>
+                <a:sym typeface="Arial"/>
+              </a:defRPr>
             </a:lvl1pPr>
-            <a:lvl2pPr lvl="1">
-              <a:buNone/>
-              <a:defRPr/>
+            <a:lvl2pPr indent="0" lvl="1" marL="0" marR="0" algn="r">
+              <a:lnSpc>
+                <a:spcPct val="100000"/>
+              </a:lnSpc>
+              <a:spcBef>
+                <a:spcPts val="0"/>
+              </a:spcBef>
+              <a:spcAft>
+                <a:spcPts val="0"/>
+              </a:spcAft>
+              <a:buClr>
+                <a:srgbClr val="000000"/>
+              </a:buClr>
+              <a:buSzPts val="1000"/>
+              <a:buFont typeface="Arial"/>
+              <a:buNone/>
+              <a:defRPr b="0" i="0" sz="1000" u="none" cap="none" strike="noStrike">
+                <a:solidFill>
+                  <a:schemeClr val="dk2"/>
+                </a:solidFill>
+                <a:latin typeface="Arial"/>
+                <a:ea typeface="Arial"/>
+                <a:cs typeface="Arial"/>
+                <a:sym typeface="Arial"/>
+              </a:defRPr>
             </a:lvl2pPr>
-            <a:lvl3pPr lvl="2">
-              <a:buNone/>
-              <a:defRPr/>
+            <a:lvl3pPr indent="0" lvl="2" marL="0" marR="0" algn="r">
+              <a:lnSpc>
+                <a:spcPct val="100000"/>
+              </a:lnSpc>
+              <a:spcBef>
+                <a:spcPts val="0"/>
+              </a:spcBef>
+              <a:spcAft>
+                <a:spcPts val="0"/>
+              </a:spcAft>
+              <a:buClr>
+                <a:srgbClr val="000000"/>
+              </a:buClr>
+              <a:buSzPts val="1000"/>
+              <a:buFont typeface="Arial"/>
+              <a:buNone/>
+              <a:defRPr b="0" i="0" sz="1000" u="none" cap="none" strike="noStrike">
+                <a:solidFill>
+                  <a:schemeClr val="dk2"/>
+                </a:solidFill>
+                <a:latin typeface="Arial"/>
+                <a:ea typeface="Arial"/>
+                <a:cs typeface="Arial"/>
+                <a:sym typeface="Arial"/>
+              </a:defRPr>
             </a:lvl3pPr>
-            <a:lvl4pPr lvl="3">
-              <a:buNone/>
-              <a:defRPr/>
+            <a:lvl4pPr indent="0" lvl="3" marL="0" marR="0" algn="r">
+              <a:lnSpc>
+                <a:spcPct val="100000"/>
+              </a:lnSpc>
+              <a:spcBef>
+                <a:spcPts val="0"/>
+              </a:spcBef>
+              <a:spcAft>
+                <a:spcPts val="0"/>
+              </a:spcAft>
+              <a:buClr>
+                <a:srgbClr val="000000"/>
+              </a:buClr>
+              <a:buSzPts val="1000"/>
+              <a:buFont typeface="Arial"/>
+              <a:buNone/>
+              <a:defRPr b="0" i="0" sz="1000" u="none" cap="none" strike="noStrike">
+                <a:solidFill>
+                  <a:schemeClr val="dk2"/>
+                </a:solidFill>
+                <a:latin typeface="Arial"/>
+                <a:ea typeface="Arial"/>
+                <a:cs typeface="Arial"/>
+                <a:sym typeface="Arial"/>
+              </a:defRPr>
             </a:lvl4pPr>
-            <a:lvl5pPr lvl="4">
-              <a:buNone/>
-              <a:defRPr/>
+            <a:lvl5pPr indent="0" lvl="4" marL="0" marR="0" algn="r">
+              <a:lnSpc>
+                <a:spcPct val="100000"/>
+              </a:lnSpc>
+              <a:spcBef>
+                <a:spcPts val="0"/>
+              </a:spcBef>
+              <a:spcAft>
+                <a:spcPts val="0"/>
+              </a:spcAft>
+              <a:buClr>
+                <a:srgbClr val="000000"/>
+              </a:buClr>
+              <a:buSzPts val="1000"/>
+              <a:buFont typeface="Arial"/>
+              <a:buNone/>
+              <a:defRPr b="0" i="0" sz="1000" u="none" cap="none" strike="noStrike">
+                <a:solidFill>
+                  <a:schemeClr val="dk2"/>
+                </a:solidFill>
+                <a:latin typeface="Arial"/>
+                <a:ea typeface="Arial"/>
+                <a:cs typeface="Arial"/>
+                <a:sym typeface="Arial"/>
+              </a:defRPr>
             </a:lvl5pPr>
-            <a:lvl6pPr lvl="5">
-              <a:buNone/>
-              <a:defRPr/>
+            <a:lvl6pPr indent="0" lvl="5" marL="0" marR="0" algn="r">
+              <a:lnSpc>
+                <a:spcPct val="100000"/>
+              </a:lnSpc>
+              <a:spcBef>
+                <a:spcPts val="0"/>
+              </a:spcBef>
+              <a:spcAft>
+                <a:spcPts val="0"/>
+              </a:spcAft>
+              <a:buClr>
+                <a:srgbClr val="000000"/>
+              </a:buClr>
+              <a:buSzPts val="1000"/>
+              <a:buFont typeface="Arial"/>
+              <a:buNone/>
+              <a:defRPr b="0" i="0" sz="1000" u="none" cap="none" strike="noStrike">
+                <a:solidFill>
+                  <a:schemeClr val="dk2"/>
+                </a:solidFill>
+                <a:latin typeface="Arial"/>
+                <a:ea typeface="Arial"/>
+                <a:cs typeface="Arial"/>
+                <a:sym typeface="Arial"/>
+              </a:defRPr>
             </a:lvl6pPr>
-            <a:lvl7pPr lvl="6">
-              <a:buNone/>
-              <a:defRPr/>
+            <a:lvl7pPr indent="0" lvl="6" marL="0" marR="0" algn="r">
+              <a:lnSpc>
+                <a:spcPct val="100000"/>
+              </a:lnSpc>
+              <a:spcBef>
+                <a:spcPts val="0"/>
+              </a:spcBef>
+              <a:spcAft>
+                <a:spcPts val="0"/>
+              </a:spcAft>
+              <a:buClr>
+                <a:srgbClr val="000000"/>
+              </a:buClr>
+              <a:buSzPts val="1000"/>
+              <a:buFont typeface="Arial"/>
+              <a:buNone/>
+              <a:defRPr b="0" i="0" sz="1000" u="none" cap="none" strike="noStrike">
+                <a:solidFill>
+                  <a:schemeClr val="dk2"/>
+                </a:solidFill>
+                <a:latin typeface="Arial"/>
+                <a:ea typeface="Arial"/>
+                <a:cs typeface="Arial"/>
+                <a:sym typeface="Arial"/>
+              </a:defRPr>
             </a:lvl7pPr>
-            <a:lvl8pPr lvl="7">
-              <a:buNone/>
-              <a:defRPr/>
+            <a:lvl8pPr indent="0" lvl="7" marL="0" marR="0" algn="r">
+              <a:lnSpc>
+                <a:spcPct val="100000"/>
+              </a:lnSpc>
+              <a:spcBef>
+                <a:spcPts val="0"/>
+              </a:spcBef>
+              <a:spcAft>
+                <a:spcPts val="0"/>
+              </a:spcAft>
+              <a:buClr>
+                <a:srgbClr val="000000"/>
+              </a:buClr>
+              <a:buSzPts val="1000"/>
+              <a:buFont typeface="Arial"/>
+              <a:buNone/>
+              <a:defRPr b="0" i="0" sz="1000" u="none" cap="none" strike="noStrike">
+                <a:solidFill>
+                  <a:schemeClr val="dk2"/>
+                </a:solidFill>
+                <a:latin typeface="Arial"/>
+                <a:ea typeface="Arial"/>
+                <a:cs typeface="Arial"/>
+                <a:sym typeface="Arial"/>
+              </a:defRPr>
             </a:lvl8pPr>
-            <a:lvl9pPr lvl="8">
-              <a:buNone/>
-              <a:defRPr/>
+            <a:lvl9pPr indent="0" lvl="8" marL="0" marR="0" algn="r">
+              <a:lnSpc>
+                <a:spcPct val="100000"/>
+              </a:lnSpc>
+              <a:spcBef>
+                <a:spcPts val="0"/>
+              </a:spcBef>
+              <a:spcAft>
+                <a:spcPts val="0"/>
+              </a:spcAft>
+              <a:buClr>
+                <a:srgbClr val="000000"/>
+              </a:buClr>
+              <a:buSzPts val="1000"/>
+              <a:buFont typeface="Arial"/>
+              <a:buNone/>
+              <a:defRPr b="0" i="0" sz="1000" u="none" cap="none" strike="noStrike">
+                <a:solidFill>
+                  <a:schemeClr val="dk2"/>
+                </a:solidFill>
+                <a:latin typeface="Arial"/>
+                <a:ea typeface="Arial"/>
+                <a:cs typeface="Arial"/>
+                <a:sym typeface="Arial"/>
+              </a:defRPr>
             </a:lvl9pPr>
           </a:lstStyle>
           <a:p>
@@ -4576,7 +6840,7 @@
       </p:grpSpPr>
       <p:sp>
         <p:nvSpPr>
-          <p:cNvPr id="33" name="Google Shape;33;p8"/>
+          <p:cNvPr id="33" name="Google Shape;33;p22"/>
           <p:cNvSpPr txBox="1"/>
           <p:nvPr>
             <p:ph type="title"/>
@@ -4590,13 +6854,20 @@
           <a:prstGeom prst="rect">
             <a:avLst/>
           </a:prstGeom>
+          <a:noFill/>
+          <a:ln>
+            <a:noFill/>
+          </a:ln>
         </p:spPr>
         <p:txBody>
           <a:bodyPr anchorCtr="0" anchor="ctr" bIns="91425" lIns="91425" spcFirstLastPara="1" rIns="91425" wrap="square" tIns="91425">
             <a:noAutofit/>
           </a:bodyPr>
           <a:lstStyle>
-            <a:lvl1pPr lvl="0">
+            <a:lvl1pPr lvl="0" algn="l">
+              <a:lnSpc>
+                <a:spcPct val="100000"/>
+              </a:lnSpc>
               <a:spcBef>
                 <a:spcPts val="0"/>
               </a:spcBef>
@@ -4607,7 +6878,10 @@
               <a:buNone/>
               <a:defRPr sz="4800"/>
             </a:lvl1pPr>
-            <a:lvl2pPr lvl="1">
+            <a:lvl2pPr lvl="1" algn="l">
+              <a:lnSpc>
+                <a:spcPct val="100000"/>
+              </a:lnSpc>
               <a:spcBef>
                 <a:spcPts val="0"/>
               </a:spcBef>
@@ -4618,7 +6892,10 @@
               <a:buNone/>
               <a:defRPr sz="4800"/>
             </a:lvl2pPr>
-            <a:lvl3pPr lvl="2">
+            <a:lvl3pPr lvl="2" algn="l">
+              <a:lnSpc>
+                <a:spcPct val="100000"/>
+              </a:lnSpc>
               <a:spcBef>
                 <a:spcPts val="0"/>
               </a:spcBef>
@@ -4629,7 +6906,10 @@
               <a:buNone/>
               <a:defRPr sz="4800"/>
             </a:lvl3pPr>
-            <a:lvl4pPr lvl="3">
+            <a:lvl4pPr lvl="3" algn="l">
+              <a:lnSpc>
+                <a:spcPct val="100000"/>
+              </a:lnSpc>
               <a:spcBef>
                 <a:spcPts val="0"/>
               </a:spcBef>
@@ -4640,7 +6920,10 @@
               <a:buNone/>
               <a:defRPr sz="4800"/>
             </a:lvl4pPr>
-            <a:lvl5pPr lvl="4">
+            <a:lvl5pPr lvl="4" algn="l">
+              <a:lnSpc>
+                <a:spcPct val="100000"/>
+              </a:lnSpc>
               <a:spcBef>
                 <a:spcPts val="0"/>
               </a:spcBef>
@@ -4651,7 +6934,10 @@
               <a:buNone/>
               <a:defRPr sz="4800"/>
             </a:lvl5pPr>
-            <a:lvl6pPr lvl="5">
+            <a:lvl6pPr lvl="5" algn="l">
+              <a:lnSpc>
+                <a:spcPct val="100000"/>
+              </a:lnSpc>
               <a:spcBef>
                 <a:spcPts val="0"/>
               </a:spcBef>
@@ -4662,7 +6948,10 @@
               <a:buNone/>
               <a:defRPr sz="4800"/>
             </a:lvl6pPr>
-            <a:lvl7pPr lvl="6">
+            <a:lvl7pPr lvl="6" algn="l">
+              <a:lnSpc>
+                <a:spcPct val="100000"/>
+              </a:lnSpc>
               <a:spcBef>
                 <a:spcPts val="0"/>
               </a:spcBef>
@@ -4673,7 +6962,10 @@
               <a:buNone/>
               <a:defRPr sz="4800"/>
             </a:lvl7pPr>
-            <a:lvl8pPr lvl="7">
+            <a:lvl8pPr lvl="7" algn="l">
+              <a:lnSpc>
+                <a:spcPct val="100000"/>
+              </a:lnSpc>
               <a:spcBef>
                 <a:spcPts val="0"/>
               </a:spcBef>
@@ -4684,7 +6976,10 @@
               <a:buNone/>
               <a:defRPr sz="4800"/>
             </a:lvl8pPr>
-            <a:lvl9pPr lvl="8">
+            <a:lvl9pPr lvl="8" algn="l">
+              <a:lnSpc>
+                <a:spcPct val="100000"/>
+              </a:lnSpc>
               <a:spcBef>
                 <a:spcPts val="0"/>
               </a:spcBef>
@@ -4701,7 +6996,7 @@
       </p:sp>
       <p:sp>
         <p:nvSpPr>
-          <p:cNvPr id="34" name="Google Shape;34;p8"/>
+          <p:cNvPr id="34" name="Google Shape;34;p22"/>
           <p:cNvSpPr txBox="1"/>
           <p:nvPr>
             <p:ph idx="12" type="sldNum"/>
@@ -4715,47 +7010,249 @@
           <a:prstGeom prst="rect">
             <a:avLst/>
           </a:prstGeom>
+          <a:noFill/>
+          <a:ln>
+            <a:noFill/>
+          </a:ln>
         </p:spPr>
         <p:txBody>
           <a:bodyPr anchorCtr="0" anchor="ctr" bIns="91425" lIns="91425" spcFirstLastPara="1" rIns="91425" wrap="square" tIns="91425">
             <a:noAutofit/>
           </a:bodyPr>
           <a:lstStyle>
-            <a:lvl1pPr lvl="0">
-              <a:buNone/>
-              <a:defRPr/>
+            <a:lvl1pPr indent="0" lvl="0" marL="0" marR="0" algn="r">
+              <a:lnSpc>
+                <a:spcPct val="100000"/>
+              </a:lnSpc>
+              <a:spcBef>
+                <a:spcPts val="0"/>
+              </a:spcBef>
+              <a:spcAft>
+                <a:spcPts val="0"/>
+              </a:spcAft>
+              <a:buClr>
+                <a:srgbClr val="000000"/>
+              </a:buClr>
+              <a:buSzPts val="1000"/>
+              <a:buFont typeface="Arial"/>
+              <a:buNone/>
+              <a:defRPr b="0" i="0" sz="1000" u="none" cap="none" strike="noStrike">
+                <a:solidFill>
+                  <a:schemeClr val="dk2"/>
+                </a:solidFill>
+                <a:latin typeface="Arial"/>
+                <a:ea typeface="Arial"/>
+                <a:cs typeface="Arial"/>
+                <a:sym typeface="Arial"/>
+              </a:defRPr>
             </a:lvl1pPr>
-            <a:lvl2pPr lvl="1">
-              <a:buNone/>
-              <a:defRPr/>
+            <a:lvl2pPr indent="0" lvl="1" marL="0" marR="0" algn="r">
+              <a:lnSpc>
+                <a:spcPct val="100000"/>
+              </a:lnSpc>
+              <a:spcBef>
+                <a:spcPts val="0"/>
+              </a:spcBef>
+              <a:spcAft>
+                <a:spcPts val="0"/>
+              </a:spcAft>
+              <a:buClr>
+                <a:srgbClr val="000000"/>
+              </a:buClr>
+              <a:buSzPts val="1000"/>
+              <a:buFont typeface="Arial"/>
+              <a:buNone/>
+              <a:defRPr b="0" i="0" sz="1000" u="none" cap="none" strike="noStrike">
+                <a:solidFill>
+                  <a:schemeClr val="dk2"/>
+                </a:solidFill>
+                <a:latin typeface="Arial"/>
+                <a:ea typeface="Arial"/>
+                <a:cs typeface="Arial"/>
+                <a:sym typeface="Arial"/>
+              </a:defRPr>
             </a:lvl2pPr>
-            <a:lvl3pPr lvl="2">
-              <a:buNone/>
-              <a:defRPr/>
+            <a:lvl3pPr indent="0" lvl="2" marL="0" marR="0" algn="r">
+              <a:lnSpc>
+                <a:spcPct val="100000"/>
+              </a:lnSpc>
+              <a:spcBef>
+                <a:spcPts val="0"/>
+              </a:spcBef>
+              <a:spcAft>
+                <a:spcPts val="0"/>
+              </a:spcAft>
+              <a:buClr>
+                <a:srgbClr val="000000"/>
+              </a:buClr>
+              <a:buSzPts val="1000"/>
+              <a:buFont typeface="Arial"/>
+              <a:buNone/>
+              <a:defRPr b="0" i="0" sz="1000" u="none" cap="none" strike="noStrike">
+                <a:solidFill>
+                  <a:schemeClr val="dk2"/>
+                </a:solidFill>
+                <a:latin typeface="Arial"/>
+                <a:ea typeface="Arial"/>
+                <a:cs typeface="Arial"/>
+                <a:sym typeface="Arial"/>
+              </a:defRPr>
             </a:lvl3pPr>
-            <a:lvl4pPr lvl="3">
-              <a:buNone/>
-              <a:defRPr/>
+            <a:lvl4pPr indent="0" lvl="3" marL="0" marR="0" algn="r">
+              <a:lnSpc>
+                <a:spcPct val="100000"/>
+              </a:lnSpc>
+              <a:spcBef>
+                <a:spcPts val="0"/>
+              </a:spcBef>
+              <a:spcAft>
+                <a:spcPts val="0"/>
+              </a:spcAft>
+              <a:buClr>
+                <a:srgbClr val="000000"/>
+              </a:buClr>
+              <a:buSzPts val="1000"/>
+              <a:buFont typeface="Arial"/>
+              <a:buNone/>
+              <a:defRPr b="0" i="0" sz="1000" u="none" cap="none" strike="noStrike">
+                <a:solidFill>
+                  <a:schemeClr val="dk2"/>
+                </a:solidFill>
+                <a:latin typeface="Arial"/>
+                <a:ea typeface="Arial"/>
+                <a:cs typeface="Arial"/>
+                <a:sym typeface="Arial"/>
+              </a:defRPr>
             </a:lvl4pPr>
-            <a:lvl5pPr lvl="4">
-              <a:buNone/>
-              <a:defRPr/>
+            <a:lvl5pPr indent="0" lvl="4" marL="0" marR="0" algn="r">
+              <a:lnSpc>
+                <a:spcPct val="100000"/>
+              </a:lnSpc>
+              <a:spcBef>
+                <a:spcPts val="0"/>
+              </a:spcBef>
+              <a:spcAft>
+                <a:spcPts val="0"/>
+              </a:spcAft>
+              <a:buClr>
+                <a:srgbClr val="000000"/>
+              </a:buClr>
+              <a:buSzPts val="1000"/>
+              <a:buFont typeface="Arial"/>
+              <a:buNone/>
+              <a:defRPr b="0" i="0" sz="1000" u="none" cap="none" strike="noStrike">
+                <a:solidFill>
+                  <a:schemeClr val="dk2"/>
+                </a:solidFill>
+                <a:latin typeface="Arial"/>
+                <a:ea typeface="Arial"/>
+                <a:cs typeface="Arial"/>
+                <a:sym typeface="Arial"/>
+              </a:defRPr>
             </a:lvl5pPr>
-            <a:lvl6pPr lvl="5">
-              <a:buNone/>
-              <a:defRPr/>
+            <a:lvl6pPr indent="0" lvl="5" marL="0" marR="0" algn="r">
+              <a:lnSpc>
+                <a:spcPct val="100000"/>
+              </a:lnSpc>
+              <a:spcBef>
+                <a:spcPts val="0"/>
+              </a:spcBef>
+              <a:spcAft>
+                <a:spcPts val="0"/>
+              </a:spcAft>
+              <a:buClr>
+                <a:srgbClr val="000000"/>
+              </a:buClr>
+              <a:buSzPts val="1000"/>
+              <a:buFont typeface="Arial"/>
+              <a:buNone/>
+              <a:defRPr b="0" i="0" sz="1000" u="none" cap="none" strike="noStrike">
+                <a:solidFill>
+                  <a:schemeClr val="dk2"/>
+                </a:solidFill>
+                <a:latin typeface="Arial"/>
+                <a:ea typeface="Arial"/>
+                <a:cs typeface="Arial"/>
+                <a:sym typeface="Arial"/>
+              </a:defRPr>
             </a:lvl6pPr>
-            <a:lvl7pPr lvl="6">
-              <a:buNone/>
-              <a:defRPr/>
+            <a:lvl7pPr indent="0" lvl="6" marL="0" marR="0" algn="r">
+              <a:lnSpc>
+                <a:spcPct val="100000"/>
+              </a:lnSpc>
+              <a:spcBef>
+                <a:spcPts val="0"/>
+              </a:spcBef>
+              <a:spcAft>
+                <a:spcPts val="0"/>
+              </a:spcAft>
+              <a:buClr>
+                <a:srgbClr val="000000"/>
+              </a:buClr>
+              <a:buSzPts val="1000"/>
+              <a:buFont typeface="Arial"/>
+              <a:buNone/>
+              <a:defRPr b="0" i="0" sz="1000" u="none" cap="none" strike="noStrike">
+                <a:solidFill>
+                  <a:schemeClr val="dk2"/>
+                </a:solidFill>
+                <a:latin typeface="Arial"/>
+                <a:ea typeface="Arial"/>
+                <a:cs typeface="Arial"/>
+                <a:sym typeface="Arial"/>
+              </a:defRPr>
             </a:lvl7pPr>
-            <a:lvl8pPr lvl="7">
-              <a:buNone/>
-              <a:defRPr/>
+            <a:lvl8pPr indent="0" lvl="7" marL="0" marR="0" algn="r">
+              <a:lnSpc>
+                <a:spcPct val="100000"/>
+              </a:lnSpc>
+              <a:spcBef>
+                <a:spcPts val="0"/>
+              </a:spcBef>
+              <a:spcAft>
+                <a:spcPts val="0"/>
+              </a:spcAft>
+              <a:buClr>
+                <a:srgbClr val="000000"/>
+              </a:buClr>
+              <a:buSzPts val="1000"/>
+              <a:buFont typeface="Arial"/>
+              <a:buNone/>
+              <a:defRPr b="0" i="0" sz="1000" u="none" cap="none" strike="noStrike">
+                <a:solidFill>
+                  <a:schemeClr val="dk2"/>
+                </a:solidFill>
+                <a:latin typeface="Arial"/>
+                <a:ea typeface="Arial"/>
+                <a:cs typeface="Arial"/>
+                <a:sym typeface="Arial"/>
+              </a:defRPr>
             </a:lvl8pPr>
-            <a:lvl9pPr lvl="8">
-              <a:buNone/>
-              <a:defRPr/>
+            <a:lvl9pPr indent="0" lvl="8" marL="0" marR="0" algn="r">
+              <a:lnSpc>
+                <a:spcPct val="100000"/>
+              </a:lnSpc>
+              <a:spcBef>
+                <a:spcPts val="0"/>
+              </a:spcBef>
+              <a:spcAft>
+                <a:spcPts val="0"/>
+              </a:spcAft>
+              <a:buClr>
+                <a:srgbClr val="000000"/>
+              </a:buClr>
+              <a:buSzPts val="1000"/>
+              <a:buFont typeface="Arial"/>
+              <a:buNone/>
+              <a:defRPr b="0" i="0" sz="1000" u="none" cap="none" strike="noStrike">
+                <a:solidFill>
+                  <a:schemeClr val="dk2"/>
+                </a:solidFill>
+                <a:latin typeface="Arial"/>
+                <a:ea typeface="Arial"/>
+                <a:cs typeface="Arial"/>
+                <a:sym typeface="Arial"/>
+              </a:defRPr>
             </a:lvl9pPr>
           </a:lstStyle>
           <a:p>
@@ -4803,7 +7300,7 @@
       </p:grpSpPr>
       <p:sp>
         <p:nvSpPr>
-          <p:cNvPr id="36" name="Google Shape;36;p9"/>
+          <p:cNvPr id="36" name="Google Shape;36;p23"/>
           <p:cNvSpPr/>
           <p:nvPr/>
         </p:nvSpPr>
@@ -4828,25 +7325,41 @@
           </a:bodyPr>
           <a:lstStyle/>
           <a:p>
-            <a:pPr indent="0" lvl="0" marL="0" rtl="0" algn="l">
-              <a:spcBef>
-                <a:spcPts val="0"/>
-              </a:spcBef>
-              <a:spcAft>
-                <a:spcPts val="0"/>
-              </a:spcAft>
+            <a:pPr indent="0" lvl="0" marL="0" marR="0" rtl="0" algn="l">
+              <a:lnSpc>
+                <a:spcPct val="100000"/>
+              </a:lnSpc>
+              <a:spcBef>
+                <a:spcPts val="0"/>
+              </a:spcBef>
+              <a:spcAft>
+                <a:spcPts val="0"/>
+              </a:spcAft>
+              <a:buClr>
+                <a:srgbClr val="000000"/>
+              </a:buClr>
+              <a:buSzPts val="1400"/>
+              <a:buFont typeface="Arial"/>
               <a:buNone/>
             </a:pPr>
             <a:r>
               <a:t/>
             </a:r>
-            <a:endParaRPr/>
+            <a:endParaRPr b="0" i="0" sz="1400" u="none" cap="none" strike="noStrike">
+              <a:solidFill>
+                <a:srgbClr val="000000"/>
+              </a:solidFill>
+              <a:latin typeface="Arial"/>
+              <a:ea typeface="Arial"/>
+              <a:cs typeface="Arial"/>
+              <a:sym typeface="Arial"/>
+            </a:endParaRPr>
           </a:p>
         </p:txBody>
       </p:sp>
       <p:sp>
         <p:nvSpPr>
-          <p:cNvPr id="37" name="Google Shape;37;p9"/>
+          <p:cNvPr id="37" name="Google Shape;37;p23"/>
           <p:cNvSpPr txBox="1"/>
           <p:nvPr>
             <p:ph type="title"/>
@@ -4860,6 +7373,10 @@
           <a:prstGeom prst="rect">
             <a:avLst/>
           </a:prstGeom>
+          <a:noFill/>
+          <a:ln>
+            <a:noFill/>
+          </a:ln>
         </p:spPr>
         <p:txBody>
           <a:bodyPr anchorCtr="0" anchor="b" bIns="91425" lIns="91425" spcFirstLastPara="1" rIns="91425" wrap="square" tIns="91425">
@@ -4867,6 +7384,9 @@
           </a:bodyPr>
           <a:lstStyle>
             <a:lvl1pPr lvl="0" algn="ctr">
+              <a:lnSpc>
+                <a:spcPct val="100000"/>
+              </a:lnSpc>
               <a:spcBef>
                 <a:spcPts val="0"/>
               </a:spcBef>
@@ -4878,6 +7398,9 @@
               <a:defRPr sz="4200"/>
             </a:lvl1pPr>
             <a:lvl2pPr lvl="1" algn="ctr">
+              <a:lnSpc>
+                <a:spcPct val="100000"/>
+              </a:lnSpc>
               <a:spcBef>
                 <a:spcPts val="0"/>
               </a:spcBef>
@@ -4889,6 +7412,9 @@
               <a:defRPr sz="4200"/>
             </a:lvl2pPr>
             <a:lvl3pPr lvl="2" algn="ctr">
+              <a:lnSpc>
+                <a:spcPct val="100000"/>
+              </a:lnSpc>
               <a:spcBef>
                 <a:spcPts val="0"/>
               </a:spcBef>
@@ -4900,6 +7426,9 @@
               <a:defRPr sz="4200"/>
             </a:lvl3pPr>
             <a:lvl4pPr lvl="3" algn="ctr">
+              <a:lnSpc>
+                <a:spcPct val="100000"/>
+              </a:lnSpc>
               <a:spcBef>
                 <a:spcPts val="0"/>
               </a:spcBef>
@@ -4911,6 +7440,9 @@
               <a:defRPr sz="4200"/>
             </a:lvl4pPr>
             <a:lvl5pPr lvl="4" algn="ctr">
+              <a:lnSpc>
+                <a:spcPct val="100000"/>
+              </a:lnSpc>
               <a:spcBef>
                 <a:spcPts val="0"/>
               </a:spcBef>
@@ -4922,6 +7454,9 @@
               <a:defRPr sz="4200"/>
             </a:lvl5pPr>
             <a:lvl6pPr lvl="5" algn="ctr">
+              <a:lnSpc>
+                <a:spcPct val="100000"/>
+              </a:lnSpc>
               <a:spcBef>
                 <a:spcPts val="0"/>
               </a:spcBef>
@@ -4933,6 +7468,9 @@
               <a:defRPr sz="4200"/>
             </a:lvl6pPr>
             <a:lvl7pPr lvl="6" algn="ctr">
+              <a:lnSpc>
+                <a:spcPct val="100000"/>
+              </a:lnSpc>
               <a:spcBef>
                 <a:spcPts val="0"/>
               </a:spcBef>
@@ -4944,6 +7482,9 @@
               <a:defRPr sz="4200"/>
             </a:lvl7pPr>
             <a:lvl8pPr lvl="7" algn="ctr">
+              <a:lnSpc>
+                <a:spcPct val="100000"/>
+              </a:lnSpc>
               <a:spcBef>
                 <a:spcPts val="0"/>
               </a:spcBef>
@@ -4955,6 +7496,9 @@
               <a:defRPr sz="4200"/>
             </a:lvl8pPr>
             <a:lvl9pPr lvl="8" algn="ctr">
+              <a:lnSpc>
+                <a:spcPct val="100000"/>
+              </a:lnSpc>
               <a:spcBef>
                 <a:spcPts val="0"/>
               </a:spcBef>
@@ -4971,7 +7515,7 @@
       </p:sp>
       <p:sp>
         <p:nvSpPr>
-          <p:cNvPr id="38" name="Google Shape;38;p9"/>
+          <p:cNvPr id="38" name="Google Shape;38;p23"/>
           <p:cNvSpPr txBox="1"/>
           <p:nvPr>
             <p:ph idx="1" type="subTitle"/>
@@ -4985,6 +7529,10 @@
           <a:prstGeom prst="rect">
             <a:avLst/>
           </a:prstGeom>
+          <a:noFill/>
+          <a:ln>
+            <a:noFill/>
+          </a:ln>
         </p:spPr>
         <p:txBody>
           <a:bodyPr anchorCtr="0" anchor="t" bIns="91425" lIns="91425" spcFirstLastPara="1" rIns="91425" wrap="square" tIns="91425">
@@ -5123,7 +7671,7 @@
       </p:sp>
       <p:sp>
         <p:nvSpPr>
-          <p:cNvPr id="39" name="Google Shape;39;p9"/>
+          <p:cNvPr id="39" name="Google Shape;39;p23"/>
           <p:cNvSpPr txBox="1"/>
           <p:nvPr>
             <p:ph idx="2" type="body"/>
@@ -5137,13 +7685,20 @@
           <a:prstGeom prst="rect">
             <a:avLst/>
           </a:prstGeom>
+          <a:noFill/>
+          <a:ln>
+            <a:noFill/>
+          </a:ln>
         </p:spPr>
         <p:txBody>
           <a:bodyPr anchorCtr="0" anchor="ctr" bIns="91425" lIns="91425" spcFirstLastPara="1" rIns="91425" wrap="square" tIns="91425">
             <a:noAutofit/>
           </a:bodyPr>
           <a:lstStyle>
-            <a:lvl1pPr indent="-342900" lvl="0" marL="457200">
+            <a:lvl1pPr indent="-342900" lvl="0" marL="457200" algn="l">
+              <a:lnSpc>
+                <a:spcPct val="115000"/>
+              </a:lnSpc>
               <a:spcBef>
                 <a:spcPts val="0"/>
               </a:spcBef>
@@ -5154,7 +7709,10 @@
               <a:buChar char="●"/>
               <a:defRPr/>
             </a:lvl1pPr>
-            <a:lvl2pPr indent="-317500" lvl="1" marL="914400">
+            <a:lvl2pPr indent="-317500" lvl="1" marL="914400" algn="l">
+              <a:lnSpc>
+                <a:spcPct val="115000"/>
+              </a:lnSpc>
               <a:spcBef>
                 <a:spcPts val="1600"/>
               </a:spcBef>
@@ -5165,7 +7723,10 @@
               <a:buChar char="○"/>
               <a:defRPr/>
             </a:lvl2pPr>
-            <a:lvl3pPr indent="-317500" lvl="2" marL="1371600">
+            <a:lvl3pPr indent="-317500" lvl="2" marL="1371600" algn="l">
+              <a:lnSpc>
+                <a:spcPct val="115000"/>
+              </a:lnSpc>
               <a:spcBef>
                 <a:spcPts val="1600"/>
               </a:spcBef>
@@ -5176,7 +7737,10 @@
               <a:buChar char="■"/>
               <a:defRPr/>
             </a:lvl3pPr>
-            <a:lvl4pPr indent="-317500" lvl="3" marL="1828800">
+            <a:lvl4pPr indent="-317500" lvl="3" marL="1828800" algn="l">
+              <a:lnSpc>
+                <a:spcPct val="115000"/>
+              </a:lnSpc>
               <a:spcBef>
                 <a:spcPts val="1600"/>
               </a:spcBef>
@@ -5187,7 +7751,10 @@
               <a:buChar char="●"/>
               <a:defRPr/>
             </a:lvl4pPr>
-            <a:lvl5pPr indent="-317500" lvl="4" marL="2286000">
+            <a:lvl5pPr indent="-317500" lvl="4" marL="2286000" algn="l">
+              <a:lnSpc>
+                <a:spcPct val="115000"/>
+              </a:lnSpc>
               <a:spcBef>
                 <a:spcPts val="1600"/>
               </a:spcBef>
@@ -5198,7 +7765,10 @@
               <a:buChar char="○"/>
               <a:defRPr/>
             </a:lvl5pPr>
-            <a:lvl6pPr indent="-317500" lvl="5" marL="2743200">
+            <a:lvl6pPr indent="-317500" lvl="5" marL="2743200" algn="l">
+              <a:lnSpc>
+                <a:spcPct val="115000"/>
+              </a:lnSpc>
               <a:spcBef>
                 <a:spcPts val="1600"/>
               </a:spcBef>
@@ -5209,7 +7779,10 @@
               <a:buChar char="■"/>
               <a:defRPr/>
             </a:lvl6pPr>
-            <a:lvl7pPr indent="-317500" lvl="6" marL="3200400">
+            <a:lvl7pPr indent="-317500" lvl="6" marL="3200400" algn="l">
+              <a:lnSpc>
+                <a:spcPct val="115000"/>
+              </a:lnSpc>
               <a:spcBef>
                 <a:spcPts val="1600"/>
               </a:spcBef>
@@ -5220,7 +7793,10 @@
               <a:buChar char="●"/>
               <a:defRPr/>
             </a:lvl7pPr>
-            <a:lvl8pPr indent="-317500" lvl="7" marL="3657600">
+            <a:lvl8pPr indent="-317500" lvl="7" marL="3657600" algn="l">
+              <a:lnSpc>
+                <a:spcPct val="115000"/>
+              </a:lnSpc>
               <a:spcBef>
                 <a:spcPts val="1600"/>
               </a:spcBef>
@@ -5231,7 +7807,10 @@
               <a:buChar char="○"/>
               <a:defRPr/>
             </a:lvl8pPr>
-            <a:lvl9pPr indent="-317500" lvl="8" marL="4114800">
+            <a:lvl9pPr indent="-317500" lvl="8" marL="4114800" algn="l">
+              <a:lnSpc>
+                <a:spcPct val="115000"/>
+              </a:lnSpc>
               <a:spcBef>
                 <a:spcPts val="1600"/>
               </a:spcBef>
@@ -5248,7 +7827,7 @@
       </p:sp>
       <p:sp>
         <p:nvSpPr>
-          <p:cNvPr id="40" name="Google Shape;40;p9"/>
+          <p:cNvPr id="40" name="Google Shape;40;p23"/>
           <p:cNvSpPr txBox="1"/>
           <p:nvPr>
             <p:ph idx="12" type="sldNum"/>
@@ -5262,47 +7841,249 @@
           <a:prstGeom prst="rect">
             <a:avLst/>
           </a:prstGeom>
+          <a:noFill/>
+          <a:ln>
+            <a:noFill/>
+          </a:ln>
         </p:spPr>
         <p:txBody>
           <a:bodyPr anchorCtr="0" anchor="ctr" bIns="91425" lIns="91425" spcFirstLastPara="1" rIns="91425" wrap="square" tIns="91425">
             <a:noAutofit/>
           </a:bodyPr>
           <a:lstStyle>
-            <a:lvl1pPr lvl="0">
-              <a:buNone/>
-              <a:defRPr/>
+            <a:lvl1pPr indent="0" lvl="0" marL="0" marR="0" algn="r">
+              <a:lnSpc>
+                <a:spcPct val="100000"/>
+              </a:lnSpc>
+              <a:spcBef>
+                <a:spcPts val="0"/>
+              </a:spcBef>
+              <a:spcAft>
+                <a:spcPts val="0"/>
+              </a:spcAft>
+              <a:buClr>
+                <a:srgbClr val="000000"/>
+              </a:buClr>
+              <a:buSzPts val="1000"/>
+              <a:buFont typeface="Arial"/>
+              <a:buNone/>
+              <a:defRPr b="0" i="0" sz="1000" u="none" cap="none" strike="noStrike">
+                <a:solidFill>
+                  <a:schemeClr val="dk2"/>
+                </a:solidFill>
+                <a:latin typeface="Arial"/>
+                <a:ea typeface="Arial"/>
+                <a:cs typeface="Arial"/>
+                <a:sym typeface="Arial"/>
+              </a:defRPr>
             </a:lvl1pPr>
-            <a:lvl2pPr lvl="1">
-              <a:buNone/>
-              <a:defRPr/>
+            <a:lvl2pPr indent="0" lvl="1" marL="0" marR="0" algn="r">
+              <a:lnSpc>
+                <a:spcPct val="100000"/>
+              </a:lnSpc>
+              <a:spcBef>
+                <a:spcPts val="0"/>
+              </a:spcBef>
+              <a:spcAft>
+                <a:spcPts val="0"/>
+              </a:spcAft>
+              <a:buClr>
+                <a:srgbClr val="000000"/>
+              </a:buClr>
+              <a:buSzPts val="1000"/>
+              <a:buFont typeface="Arial"/>
+              <a:buNone/>
+              <a:defRPr b="0" i="0" sz="1000" u="none" cap="none" strike="noStrike">
+                <a:solidFill>
+                  <a:schemeClr val="dk2"/>
+                </a:solidFill>
+                <a:latin typeface="Arial"/>
+                <a:ea typeface="Arial"/>
+                <a:cs typeface="Arial"/>
+                <a:sym typeface="Arial"/>
+              </a:defRPr>
             </a:lvl2pPr>
-            <a:lvl3pPr lvl="2">
-              <a:buNone/>
-              <a:defRPr/>
+            <a:lvl3pPr indent="0" lvl="2" marL="0" marR="0" algn="r">
+              <a:lnSpc>
+                <a:spcPct val="100000"/>
+              </a:lnSpc>
+              <a:spcBef>
+                <a:spcPts val="0"/>
+              </a:spcBef>
+              <a:spcAft>
+                <a:spcPts val="0"/>
+              </a:spcAft>
+              <a:buClr>
+                <a:srgbClr val="000000"/>
+              </a:buClr>
+              <a:buSzPts val="1000"/>
+              <a:buFont typeface="Arial"/>
+              <a:buNone/>
+              <a:defRPr b="0" i="0" sz="1000" u="none" cap="none" strike="noStrike">
+                <a:solidFill>
+                  <a:schemeClr val="dk2"/>
+                </a:solidFill>
+                <a:latin typeface="Arial"/>
+                <a:ea typeface="Arial"/>
+                <a:cs typeface="Arial"/>
+                <a:sym typeface="Arial"/>
+              </a:defRPr>
             </a:lvl3pPr>
-            <a:lvl4pPr lvl="3">
-              <a:buNone/>
-              <a:defRPr/>
+            <a:lvl4pPr indent="0" lvl="3" marL="0" marR="0" algn="r">
+              <a:lnSpc>
+                <a:spcPct val="100000"/>
+              </a:lnSpc>
+              <a:spcBef>
+                <a:spcPts val="0"/>
+              </a:spcBef>
+              <a:spcAft>
+                <a:spcPts val="0"/>
+              </a:spcAft>
+              <a:buClr>
+                <a:srgbClr val="000000"/>
+              </a:buClr>
+              <a:buSzPts val="1000"/>
+              <a:buFont typeface="Arial"/>
+              <a:buNone/>
+              <a:defRPr b="0" i="0" sz="1000" u="none" cap="none" strike="noStrike">
+                <a:solidFill>
+                  <a:schemeClr val="dk2"/>
+                </a:solidFill>
+                <a:latin typeface="Arial"/>
+                <a:ea typeface="Arial"/>
+                <a:cs typeface="Arial"/>
+                <a:sym typeface="Arial"/>
+              </a:defRPr>
             </a:lvl4pPr>
-            <a:lvl5pPr lvl="4">
-              <a:buNone/>
-              <a:defRPr/>
+            <a:lvl5pPr indent="0" lvl="4" marL="0" marR="0" algn="r">
+              <a:lnSpc>
+                <a:spcPct val="100000"/>
+              </a:lnSpc>
+              <a:spcBef>
+                <a:spcPts val="0"/>
+              </a:spcBef>
+              <a:spcAft>
+                <a:spcPts val="0"/>
+              </a:spcAft>
+              <a:buClr>
+                <a:srgbClr val="000000"/>
+              </a:buClr>
+              <a:buSzPts val="1000"/>
+              <a:buFont typeface="Arial"/>
+              <a:buNone/>
+              <a:defRPr b="0" i="0" sz="1000" u="none" cap="none" strike="noStrike">
+                <a:solidFill>
+                  <a:schemeClr val="dk2"/>
+                </a:solidFill>
+                <a:latin typeface="Arial"/>
+                <a:ea typeface="Arial"/>
+                <a:cs typeface="Arial"/>
+                <a:sym typeface="Arial"/>
+              </a:defRPr>
             </a:lvl5pPr>
-            <a:lvl6pPr lvl="5">
-              <a:buNone/>
-              <a:defRPr/>
+            <a:lvl6pPr indent="0" lvl="5" marL="0" marR="0" algn="r">
+              <a:lnSpc>
+                <a:spcPct val="100000"/>
+              </a:lnSpc>
+              <a:spcBef>
+                <a:spcPts val="0"/>
+              </a:spcBef>
+              <a:spcAft>
+                <a:spcPts val="0"/>
+              </a:spcAft>
+              <a:buClr>
+                <a:srgbClr val="000000"/>
+              </a:buClr>
+              <a:buSzPts val="1000"/>
+              <a:buFont typeface="Arial"/>
+              <a:buNone/>
+              <a:defRPr b="0" i="0" sz="1000" u="none" cap="none" strike="noStrike">
+                <a:solidFill>
+                  <a:schemeClr val="dk2"/>
+                </a:solidFill>
+                <a:latin typeface="Arial"/>
+                <a:ea typeface="Arial"/>
+                <a:cs typeface="Arial"/>
+                <a:sym typeface="Arial"/>
+              </a:defRPr>
             </a:lvl6pPr>
-            <a:lvl7pPr lvl="6">
-              <a:buNone/>
-              <a:defRPr/>
+            <a:lvl7pPr indent="0" lvl="6" marL="0" marR="0" algn="r">
+              <a:lnSpc>
+                <a:spcPct val="100000"/>
+              </a:lnSpc>
+              <a:spcBef>
+                <a:spcPts val="0"/>
+              </a:spcBef>
+              <a:spcAft>
+                <a:spcPts val="0"/>
+              </a:spcAft>
+              <a:buClr>
+                <a:srgbClr val="000000"/>
+              </a:buClr>
+              <a:buSzPts val="1000"/>
+              <a:buFont typeface="Arial"/>
+              <a:buNone/>
+              <a:defRPr b="0" i="0" sz="1000" u="none" cap="none" strike="noStrike">
+                <a:solidFill>
+                  <a:schemeClr val="dk2"/>
+                </a:solidFill>
+                <a:latin typeface="Arial"/>
+                <a:ea typeface="Arial"/>
+                <a:cs typeface="Arial"/>
+                <a:sym typeface="Arial"/>
+              </a:defRPr>
             </a:lvl7pPr>
-            <a:lvl8pPr lvl="7">
-              <a:buNone/>
-              <a:defRPr/>
+            <a:lvl8pPr indent="0" lvl="7" marL="0" marR="0" algn="r">
+              <a:lnSpc>
+                <a:spcPct val="100000"/>
+              </a:lnSpc>
+              <a:spcBef>
+                <a:spcPts val="0"/>
+              </a:spcBef>
+              <a:spcAft>
+                <a:spcPts val="0"/>
+              </a:spcAft>
+              <a:buClr>
+                <a:srgbClr val="000000"/>
+              </a:buClr>
+              <a:buSzPts val="1000"/>
+              <a:buFont typeface="Arial"/>
+              <a:buNone/>
+              <a:defRPr b="0" i="0" sz="1000" u="none" cap="none" strike="noStrike">
+                <a:solidFill>
+                  <a:schemeClr val="dk2"/>
+                </a:solidFill>
+                <a:latin typeface="Arial"/>
+                <a:ea typeface="Arial"/>
+                <a:cs typeface="Arial"/>
+                <a:sym typeface="Arial"/>
+              </a:defRPr>
             </a:lvl8pPr>
-            <a:lvl9pPr lvl="8">
-              <a:buNone/>
-              <a:defRPr/>
+            <a:lvl9pPr indent="0" lvl="8" marL="0" marR="0" algn="r">
+              <a:lnSpc>
+                <a:spcPct val="100000"/>
+              </a:lnSpc>
+              <a:spcBef>
+                <a:spcPts val="0"/>
+              </a:spcBef>
+              <a:spcAft>
+                <a:spcPts val="0"/>
+              </a:spcAft>
+              <a:buClr>
+                <a:srgbClr val="000000"/>
+              </a:buClr>
+              <a:buSzPts val="1000"/>
+              <a:buFont typeface="Arial"/>
+              <a:buNone/>
+              <a:defRPr b="0" i="0" sz="1000" u="none" cap="none" strike="noStrike">
+                <a:solidFill>
+                  <a:schemeClr val="dk2"/>
+                </a:solidFill>
+                <a:latin typeface="Arial"/>
+                <a:ea typeface="Arial"/>
+                <a:cs typeface="Arial"/>
+                <a:sym typeface="Arial"/>
+              </a:defRPr>
             </a:lvl9pPr>
           </a:lstStyle>
           <a:p>
@@ -5350,7 +8131,7 @@
       </p:grpSpPr>
       <p:sp>
         <p:nvSpPr>
-          <p:cNvPr id="42" name="Google Shape;42;p10"/>
+          <p:cNvPr id="42" name="Google Shape;42;p24"/>
           <p:cNvSpPr txBox="1"/>
           <p:nvPr>
             <p:ph idx="1" type="body"/>
@@ -5364,13 +8145,17 @@
           <a:prstGeom prst="rect">
             <a:avLst/>
           </a:prstGeom>
+          <a:noFill/>
+          <a:ln>
+            <a:noFill/>
+          </a:ln>
         </p:spPr>
         <p:txBody>
           <a:bodyPr anchorCtr="0" anchor="ctr" bIns="91425" lIns="91425" spcFirstLastPara="1" rIns="91425" wrap="square" tIns="91425">
             <a:noAutofit/>
           </a:bodyPr>
           <a:lstStyle>
-            <a:lvl1pPr indent="-228600" lvl="0" marL="457200">
+            <a:lvl1pPr indent="-228600" lvl="0" marL="457200" algn="l">
               <a:lnSpc>
                 <a:spcPct val="100000"/>
               </a:lnSpc>
@@ -5390,7 +8175,7 @@
       </p:sp>
       <p:sp>
         <p:nvSpPr>
-          <p:cNvPr id="43" name="Google Shape;43;p10"/>
+          <p:cNvPr id="43" name="Google Shape;43;p24"/>
           <p:cNvSpPr txBox="1"/>
           <p:nvPr>
             <p:ph idx="12" type="sldNum"/>
@@ -5404,47 +8189,249 @@
           <a:prstGeom prst="rect">
             <a:avLst/>
           </a:prstGeom>
+          <a:noFill/>
+          <a:ln>
+            <a:noFill/>
+          </a:ln>
         </p:spPr>
         <p:txBody>
           <a:bodyPr anchorCtr="0" anchor="ctr" bIns="91425" lIns="91425" spcFirstLastPara="1" rIns="91425" wrap="square" tIns="91425">
             <a:noAutofit/>
           </a:bodyPr>
           <a:lstStyle>
-            <a:lvl1pPr lvl="0">
-              <a:buNone/>
-              <a:defRPr/>
+            <a:lvl1pPr indent="0" lvl="0" marL="0" marR="0" algn="r">
+              <a:lnSpc>
+                <a:spcPct val="100000"/>
+              </a:lnSpc>
+              <a:spcBef>
+                <a:spcPts val="0"/>
+              </a:spcBef>
+              <a:spcAft>
+                <a:spcPts val="0"/>
+              </a:spcAft>
+              <a:buClr>
+                <a:srgbClr val="000000"/>
+              </a:buClr>
+              <a:buSzPts val="1000"/>
+              <a:buFont typeface="Arial"/>
+              <a:buNone/>
+              <a:defRPr b="0" i="0" sz="1000" u="none" cap="none" strike="noStrike">
+                <a:solidFill>
+                  <a:schemeClr val="dk2"/>
+                </a:solidFill>
+                <a:latin typeface="Arial"/>
+                <a:ea typeface="Arial"/>
+                <a:cs typeface="Arial"/>
+                <a:sym typeface="Arial"/>
+              </a:defRPr>
             </a:lvl1pPr>
-            <a:lvl2pPr lvl="1">
-              <a:buNone/>
-              <a:defRPr/>
+            <a:lvl2pPr indent="0" lvl="1" marL="0" marR="0" algn="r">
+              <a:lnSpc>
+                <a:spcPct val="100000"/>
+              </a:lnSpc>
+              <a:spcBef>
+                <a:spcPts val="0"/>
+              </a:spcBef>
+              <a:spcAft>
+                <a:spcPts val="0"/>
+              </a:spcAft>
+              <a:buClr>
+                <a:srgbClr val="000000"/>
+              </a:buClr>
+              <a:buSzPts val="1000"/>
+              <a:buFont typeface="Arial"/>
+              <a:buNone/>
+              <a:defRPr b="0" i="0" sz="1000" u="none" cap="none" strike="noStrike">
+                <a:solidFill>
+                  <a:schemeClr val="dk2"/>
+                </a:solidFill>
+                <a:latin typeface="Arial"/>
+                <a:ea typeface="Arial"/>
+                <a:cs typeface="Arial"/>
+                <a:sym typeface="Arial"/>
+              </a:defRPr>
             </a:lvl2pPr>
-            <a:lvl3pPr lvl="2">
-              <a:buNone/>
-              <a:defRPr/>
+            <a:lvl3pPr indent="0" lvl="2" marL="0" marR="0" algn="r">
+              <a:lnSpc>
+                <a:spcPct val="100000"/>
+              </a:lnSpc>
+              <a:spcBef>
+                <a:spcPts val="0"/>
+              </a:spcBef>
+              <a:spcAft>
+                <a:spcPts val="0"/>
+              </a:spcAft>
+              <a:buClr>
+                <a:srgbClr val="000000"/>
+              </a:buClr>
+              <a:buSzPts val="1000"/>
+              <a:buFont typeface="Arial"/>
+              <a:buNone/>
+              <a:defRPr b="0" i="0" sz="1000" u="none" cap="none" strike="noStrike">
+                <a:solidFill>
+                  <a:schemeClr val="dk2"/>
+                </a:solidFill>
+                <a:latin typeface="Arial"/>
+                <a:ea typeface="Arial"/>
+                <a:cs typeface="Arial"/>
+                <a:sym typeface="Arial"/>
+              </a:defRPr>
             </a:lvl3pPr>
-            <a:lvl4pPr lvl="3">
-              <a:buNone/>
-              <a:defRPr/>
+            <a:lvl4pPr indent="0" lvl="3" marL="0" marR="0" algn="r">
+              <a:lnSpc>
+                <a:spcPct val="100000"/>
+              </a:lnSpc>
+              <a:spcBef>
+                <a:spcPts val="0"/>
+              </a:spcBef>
+              <a:spcAft>
+                <a:spcPts val="0"/>
+              </a:spcAft>
+              <a:buClr>
+                <a:srgbClr val="000000"/>
+              </a:buClr>
+              <a:buSzPts val="1000"/>
+              <a:buFont typeface="Arial"/>
+              <a:buNone/>
+              <a:defRPr b="0" i="0" sz="1000" u="none" cap="none" strike="noStrike">
+                <a:solidFill>
+                  <a:schemeClr val="dk2"/>
+                </a:solidFill>
+                <a:latin typeface="Arial"/>
+                <a:ea typeface="Arial"/>
+                <a:cs typeface="Arial"/>
+                <a:sym typeface="Arial"/>
+              </a:defRPr>
             </a:lvl4pPr>
-            <a:lvl5pPr lvl="4">
-              <a:buNone/>
-              <a:defRPr/>
+            <a:lvl5pPr indent="0" lvl="4" marL="0" marR="0" algn="r">
+              <a:lnSpc>
+                <a:spcPct val="100000"/>
+              </a:lnSpc>
+              <a:spcBef>
+                <a:spcPts val="0"/>
+              </a:spcBef>
+              <a:spcAft>
+                <a:spcPts val="0"/>
+              </a:spcAft>
+              <a:buClr>
+                <a:srgbClr val="000000"/>
+              </a:buClr>
+              <a:buSzPts val="1000"/>
+              <a:buFont typeface="Arial"/>
+              <a:buNone/>
+              <a:defRPr b="0" i="0" sz="1000" u="none" cap="none" strike="noStrike">
+                <a:solidFill>
+                  <a:schemeClr val="dk2"/>
+                </a:solidFill>
+                <a:latin typeface="Arial"/>
+                <a:ea typeface="Arial"/>
+                <a:cs typeface="Arial"/>
+                <a:sym typeface="Arial"/>
+              </a:defRPr>
             </a:lvl5pPr>
-            <a:lvl6pPr lvl="5">
-              <a:buNone/>
-              <a:defRPr/>
+            <a:lvl6pPr indent="0" lvl="5" marL="0" marR="0" algn="r">
+              <a:lnSpc>
+                <a:spcPct val="100000"/>
+              </a:lnSpc>
+              <a:spcBef>
+                <a:spcPts val="0"/>
+              </a:spcBef>
+              <a:spcAft>
+                <a:spcPts val="0"/>
+              </a:spcAft>
+              <a:buClr>
+                <a:srgbClr val="000000"/>
+              </a:buClr>
+              <a:buSzPts val="1000"/>
+              <a:buFont typeface="Arial"/>
+              <a:buNone/>
+              <a:defRPr b="0" i="0" sz="1000" u="none" cap="none" strike="noStrike">
+                <a:solidFill>
+                  <a:schemeClr val="dk2"/>
+                </a:solidFill>
+                <a:latin typeface="Arial"/>
+                <a:ea typeface="Arial"/>
+                <a:cs typeface="Arial"/>
+                <a:sym typeface="Arial"/>
+              </a:defRPr>
             </a:lvl6pPr>
-            <a:lvl7pPr lvl="6">
-              <a:buNone/>
-              <a:defRPr/>
+            <a:lvl7pPr indent="0" lvl="6" marL="0" marR="0" algn="r">
+              <a:lnSpc>
+                <a:spcPct val="100000"/>
+              </a:lnSpc>
+              <a:spcBef>
+                <a:spcPts val="0"/>
+              </a:spcBef>
+              <a:spcAft>
+                <a:spcPts val="0"/>
+              </a:spcAft>
+              <a:buClr>
+                <a:srgbClr val="000000"/>
+              </a:buClr>
+              <a:buSzPts val="1000"/>
+              <a:buFont typeface="Arial"/>
+              <a:buNone/>
+              <a:defRPr b="0" i="0" sz="1000" u="none" cap="none" strike="noStrike">
+                <a:solidFill>
+                  <a:schemeClr val="dk2"/>
+                </a:solidFill>
+                <a:latin typeface="Arial"/>
+                <a:ea typeface="Arial"/>
+                <a:cs typeface="Arial"/>
+                <a:sym typeface="Arial"/>
+              </a:defRPr>
             </a:lvl7pPr>
-            <a:lvl8pPr lvl="7">
-              <a:buNone/>
-              <a:defRPr/>
+            <a:lvl8pPr indent="0" lvl="7" marL="0" marR="0" algn="r">
+              <a:lnSpc>
+                <a:spcPct val="100000"/>
+              </a:lnSpc>
+              <a:spcBef>
+                <a:spcPts val="0"/>
+              </a:spcBef>
+              <a:spcAft>
+                <a:spcPts val="0"/>
+              </a:spcAft>
+              <a:buClr>
+                <a:srgbClr val="000000"/>
+              </a:buClr>
+              <a:buSzPts val="1000"/>
+              <a:buFont typeface="Arial"/>
+              <a:buNone/>
+              <a:defRPr b="0" i="0" sz="1000" u="none" cap="none" strike="noStrike">
+                <a:solidFill>
+                  <a:schemeClr val="dk2"/>
+                </a:solidFill>
+                <a:latin typeface="Arial"/>
+                <a:ea typeface="Arial"/>
+                <a:cs typeface="Arial"/>
+                <a:sym typeface="Arial"/>
+              </a:defRPr>
             </a:lvl8pPr>
-            <a:lvl9pPr lvl="8">
-              <a:buNone/>
-              <a:defRPr/>
+            <a:lvl9pPr indent="0" lvl="8" marL="0" marR="0" algn="r">
+              <a:lnSpc>
+                <a:spcPct val="100000"/>
+              </a:lnSpc>
+              <a:spcBef>
+                <a:spcPts val="0"/>
+              </a:spcBef>
+              <a:spcAft>
+                <a:spcPts val="0"/>
+              </a:spcAft>
+              <a:buClr>
+                <a:srgbClr val="000000"/>
+              </a:buClr>
+              <a:buSzPts val="1000"/>
+              <a:buFont typeface="Arial"/>
+              <a:buNone/>
+              <a:defRPr b="0" i="0" sz="1000" u="none" cap="none" strike="noStrike">
+                <a:solidFill>
+                  <a:schemeClr val="dk2"/>
+                </a:solidFill>
+                <a:latin typeface="Arial"/>
+                <a:ea typeface="Arial"/>
+                <a:cs typeface="Arial"/>
+                <a:sym typeface="Arial"/>
+              </a:defRPr>
             </a:lvl9pPr>
           </a:lstStyle>
           <a:p>
@@ -5499,7 +8486,7 @@
       </p:grpSpPr>
       <p:sp>
         <p:nvSpPr>
-          <p:cNvPr id="6" name="Google Shape;6;p1"/>
+          <p:cNvPr id="6" name="Google Shape;6;p15"/>
           <p:cNvSpPr txBox="1"/>
           <p:nvPr>
             <p:ph type="title"/>
@@ -5523,7 +8510,10 @@
             <a:noAutofit/>
           </a:bodyPr>
           <a:lstStyle>
-            <a:lvl1pPr lvl="0">
+            <a:lvl1pPr lvl="0" marR="0" rtl="0" algn="l">
+              <a:lnSpc>
+                <a:spcPct val="100000"/>
+              </a:lnSpc>
               <a:spcBef>
                 <a:spcPts val="0"/>
               </a:spcBef>
@@ -5534,14 +8524,22 @@
                 <a:schemeClr val="dk1"/>
               </a:buClr>
               <a:buSzPts val="2800"/>
-              <a:buNone/>
-              <a:defRPr sz="2800">
+              <a:buFont typeface="Arial"/>
+              <a:buNone/>
+              <a:defRPr b="0" i="0" sz="2800" u="none" cap="none" strike="noStrike">
                 <a:solidFill>
                   <a:schemeClr val="dk1"/>
                 </a:solidFill>
+                <a:latin typeface="Arial"/>
+                <a:ea typeface="Arial"/>
+                <a:cs typeface="Arial"/>
+                <a:sym typeface="Arial"/>
               </a:defRPr>
             </a:lvl1pPr>
-            <a:lvl2pPr lvl="1">
+            <a:lvl2pPr lvl="1" marR="0" rtl="0" algn="l">
+              <a:lnSpc>
+                <a:spcPct val="100000"/>
+              </a:lnSpc>
               <a:spcBef>
                 <a:spcPts val="0"/>
               </a:spcBef>
@@ -5552,14 +8550,22 @@
                 <a:schemeClr val="dk1"/>
               </a:buClr>
               <a:buSzPts val="2800"/>
-              <a:buNone/>
-              <a:defRPr sz="2800">
+              <a:buFont typeface="Arial"/>
+              <a:buNone/>
+              <a:defRPr b="0" i="0" sz="2800" u="none" cap="none" strike="noStrike">
                 <a:solidFill>
                   <a:schemeClr val="dk1"/>
                 </a:solidFill>
+                <a:latin typeface="Arial"/>
+                <a:ea typeface="Arial"/>
+                <a:cs typeface="Arial"/>
+                <a:sym typeface="Arial"/>
               </a:defRPr>
             </a:lvl2pPr>
-            <a:lvl3pPr lvl="2">
+            <a:lvl3pPr lvl="2" marR="0" rtl="0" algn="l">
+              <a:lnSpc>
+                <a:spcPct val="100000"/>
+              </a:lnSpc>
               <a:spcBef>
                 <a:spcPts val="0"/>
               </a:spcBef>
@@ -5570,14 +8576,22 @@
                 <a:schemeClr val="dk1"/>
               </a:buClr>
               <a:buSzPts val="2800"/>
-              <a:buNone/>
-              <a:defRPr sz="2800">
+              <a:buFont typeface="Arial"/>
+              <a:buNone/>
+              <a:defRPr b="0" i="0" sz="2800" u="none" cap="none" strike="noStrike">
                 <a:solidFill>
                   <a:schemeClr val="dk1"/>
                 </a:solidFill>
+                <a:latin typeface="Arial"/>
+                <a:ea typeface="Arial"/>
+                <a:cs typeface="Arial"/>
+                <a:sym typeface="Arial"/>
               </a:defRPr>
             </a:lvl3pPr>
-            <a:lvl4pPr lvl="3">
+            <a:lvl4pPr lvl="3" marR="0" rtl="0" algn="l">
+              <a:lnSpc>
+                <a:spcPct val="100000"/>
+              </a:lnSpc>
               <a:spcBef>
                 <a:spcPts val="0"/>
               </a:spcBef>
@@ -5588,14 +8602,22 @@
                 <a:schemeClr val="dk1"/>
               </a:buClr>
               <a:buSzPts val="2800"/>
-              <a:buNone/>
-              <a:defRPr sz="2800">
+              <a:buFont typeface="Arial"/>
+              <a:buNone/>
+              <a:defRPr b="0" i="0" sz="2800" u="none" cap="none" strike="noStrike">
                 <a:solidFill>
                   <a:schemeClr val="dk1"/>
                 </a:solidFill>
+                <a:latin typeface="Arial"/>
+                <a:ea typeface="Arial"/>
+                <a:cs typeface="Arial"/>
+                <a:sym typeface="Arial"/>
               </a:defRPr>
             </a:lvl4pPr>
-            <a:lvl5pPr lvl="4">
+            <a:lvl5pPr lvl="4" marR="0" rtl="0" algn="l">
+              <a:lnSpc>
+                <a:spcPct val="100000"/>
+              </a:lnSpc>
               <a:spcBef>
                 <a:spcPts val="0"/>
               </a:spcBef>
@@ -5606,14 +8628,22 @@
                 <a:schemeClr val="dk1"/>
               </a:buClr>
               <a:buSzPts val="2800"/>
-              <a:buNone/>
-              <a:defRPr sz="2800">
+              <a:buFont typeface="Arial"/>
+              <a:buNone/>
+              <a:defRPr b="0" i="0" sz="2800" u="none" cap="none" strike="noStrike">
                 <a:solidFill>
                   <a:schemeClr val="dk1"/>
                 </a:solidFill>
+                <a:latin typeface="Arial"/>
+                <a:ea typeface="Arial"/>
+                <a:cs typeface="Arial"/>
+                <a:sym typeface="Arial"/>
               </a:defRPr>
             </a:lvl5pPr>
-            <a:lvl6pPr lvl="5">
+            <a:lvl6pPr lvl="5" marR="0" rtl="0" algn="l">
+              <a:lnSpc>
+                <a:spcPct val="100000"/>
+              </a:lnSpc>
               <a:spcBef>
                 <a:spcPts val="0"/>
               </a:spcBef>
@@ -5624,14 +8654,22 @@
                 <a:schemeClr val="dk1"/>
               </a:buClr>
               <a:buSzPts val="2800"/>
-              <a:buNone/>
-              <a:defRPr sz="2800">
+              <a:buFont typeface="Arial"/>
+              <a:buNone/>
+              <a:defRPr b="0" i="0" sz="2800" u="none" cap="none" strike="noStrike">
                 <a:solidFill>
                   <a:schemeClr val="dk1"/>
                 </a:solidFill>
+                <a:latin typeface="Arial"/>
+                <a:ea typeface="Arial"/>
+                <a:cs typeface="Arial"/>
+                <a:sym typeface="Arial"/>
               </a:defRPr>
             </a:lvl6pPr>
-            <a:lvl7pPr lvl="6">
+            <a:lvl7pPr lvl="6" marR="0" rtl="0" algn="l">
+              <a:lnSpc>
+                <a:spcPct val="100000"/>
+              </a:lnSpc>
               <a:spcBef>
                 <a:spcPts val="0"/>
               </a:spcBef>
@@ -5642,14 +8680,22 @@
                 <a:schemeClr val="dk1"/>
               </a:buClr>
               <a:buSzPts val="2800"/>
-              <a:buNone/>
-              <a:defRPr sz="2800">
+              <a:buFont typeface="Arial"/>
+              <a:buNone/>
+              <a:defRPr b="0" i="0" sz="2800" u="none" cap="none" strike="noStrike">
                 <a:solidFill>
                   <a:schemeClr val="dk1"/>
                 </a:solidFill>
+                <a:latin typeface="Arial"/>
+                <a:ea typeface="Arial"/>
+                <a:cs typeface="Arial"/>
+                <a:sym typeface="Arial"/>
               </a:defRPr>
             </a:lvl7pPr>
-            <a:lvl8pPr lvl="7">
+            <a:lvl8pPr lvl="7" marR="0" rtl="0" algn="l">
+              <a:lnSpc>
+                <a:spcPct val="100000"/>
+              </a:lnSpc>
               <a:spcBef>
                 <a:spcPts val="0"/>
               </a:spcBef>
@@ -5660,14 +8706,22 @@
                 <a:schemeClr val="dk1"/>
               </a:buClr>
               <a:buSzPts val="2800"/>
-              <a:buNone/>
-              <a:defRPr sz="2800">
+              <a:buFont typeface="Arial"/>
+              <a:buNone/>
+              <a:defRPr b="0" i="0" sz="2800" u="none" cap="none" strike="noStrike">
                 <a:solidFill>
                   <a:schemeClr val="dk1"/>
                 </a:solidFill>
+                <a:latin typeface="Arial"/>
+                <a:ea typeface="Arial"/>
+                <a:cs typeface="Arial"/>
+                <a:sym typeface="Arial"/>
               </a:defRPr>
             </a:lvl8pPr>
-            <a:lvl9pPr lvl="8">
+            <a:lvl9pPr lvl="8" marR="0" rtl="0" algn="l">
+              <a:lnSpc>
+                <a:spcPct val="100000"/>
+              </a:lnSpc>
               <a:spcBef>
                 <a:spcPts val="0"/>
               </a:spcBef>
@@ -5678,11 +8732,16 @@
                 <a:schemeClr val="dk1"/>
               </a:buClr>
               <a:buSzPts val="2800"/>
-              <a:buNone/>
-              <a:defRPr sz="2800">
+              <a:buFont typeface="Arial"/>
+              <a:buNone/>
+              <a:defRPr b="0" i="0" sz="2800" u="none" cap="none" strike="noStrike">
                 <a:solidFill>
                   <a:schemeClr val="dk1"/>
                 </a:solidFill>
+                <a:latin typeface="Arial"/>
+                <a:ea typeface="Arial"/>
+                <a:cs typeface="Arial"/>
+                <a:sym typeface="Arial"/>
               </a:defRPr>
             </a:lvl9pPr>
           </a:lstStyle>
@@ -5691,7 +8750,7 @@
       </p:sp>
       <p:sp>
         <p:nvSpPr>
-          <p:cNvPr id="7" name="Google Shape;7;p1"/>
+          <p:cNvPr id="7" name="Google Shape;7;p15"/>
           <p:cNvSpPr txBox="1"/>
           <p:nvPr>
             <p:ph idx="1" type="body"/>
@@ -5715,7 +8774,7 @@
             <a:noAutofit/>
           </a:bodyPr>
           <a:lstStyle>
-            <a:lvl1pPr indent="-342900" lvl="0" marL="457200">
+            <a:lvl1pPr indent="-342900" lvl="0" marL="457200" marR="0" rtl="0" algn="l">
               <a:lnSpc>
                 <a:spcPct val="115000"/>
               </a:lnSpc>
@@ -5729,14 +8788,19 @@
                 <a:schemeClr val="dk2"/>
               </a:buClr>
               <a:buSzPts val="1800"/>
+              <a:buFont typeface="Arial"/>
               <a:buChar char="●"/>
-              <a:defRPr sz="1800">
-                <a:solidFill>
-                  <a:schemeClr val="dk2"/>
-                </a:solidFill>
+              <a:defRPr b="0" i="0" sz="1800" u="none" cap="none" strike="noStrike">
+                <a:solidFill>
+                  <a:schemeClr val="dk2"/>
+                </a:solidFill>
+                <a:latin typeface="Arial"/>
+                <a:ea typeface="Arial"/>
+                <a:cs typeface="Arial"/>
+                <a:sym typeface="Arial"/>
               </a:defRPr>
             </a:lvl1pPr>
-            <a:lvl2pPr indent="-317500" lvl="1" marL="914400">
+            <a:lvl2pPr indent="-317500" lvl="1" marL="914400" marR="0" rtl="0" algn="l">
               <a:lnSpc>
                 <a:spcPct val="115000"/>
               </a:lnSpc>
@@ -5750,14 +8814,19 @@
                 <a:schemeClr val="dk2"/>
               </a:buClr>
               <a:buSzPts val="1400"/>
+              <a:buFont typeface="Arial"/>
               <a:buChar char="○"/>
-              <a:defRPr>
-                <a:solidFill>
-                  <a:schemeClr val="dk2"/>
-                </a:solidFill>
+              <a:defRPr b="0" i="0" sz="1400" u="none" cap="none" strike="noStrike">
+                <a:solidFill>
+                  <a:schemeClr val="dk2"/>
+                </a:solidFill>
+                <a:latin typeface="Arial"/>
+                <a:ea typeface="Arial"/>
+                <a:cs typeface="Arial"/>
+                <a:sym typeface="Arial"/>
               </a:defRPr>
             </a:lvl2pPr>
-            <a:lvl3pPr indent="-317500" lvl="2" marL="1371600">
+            <a:lvl3pPr indent="-317500" lvl="2" marL="1371600" marR="0" rtl="0" algn="l">
               <a:lnSpc>
                 <a:spcPct val="115000"/>
               </a:lnSpc>
@@ -5771,14 +8840,19 @@
                 <a:schemeClr val="dk2"/>
               </a:buClr>
               <a:buSzPts val="1400"/>
+              <a:buFont typeface="Arial"/>
               <a:buChar char="■"/>
-              <a:defRPr>
-                <a:solidFill>
-                  <a:schemeClr val="dk2"/>
-                </a:solidFill>
+              <a:defRPr b="0" i="0" sz="1400" u="none" cap="none" strike="noStrike">
+                <a:solidFill>
+                  <a:schemeClr val="dk2"/>
+                </a:solidFill>
+                <a:latin typeface="Arial"/>
+                <a:ea typeface="Arial"/>
+                <a:cs typeface="Arial"/>
+                <a:sym typeface="Arial"/>
               </a:defRPr>
             </a:lvl3pPr>
-            <a:lvl4pPr indent="-317500" lvl="3" marL="1828800">
+            <a:lvl4pPr indent="-317500" lvl="3" marL="1828800" marR="0" rtl="0" algn="l">
               <a:lnSpc>
                 <a:spcPct val="115000"/>
               </a:lnSpc>
@@ -5792,14 +8866,19 @@
                 <a:schemeClr val="dk2"/>
               </a:buClr>
               <a:buSzPts val="1400"/>
+              <a:buFont typeface="Arial"/>
               <a:buChar char="●"/>
-              <a:defRPr>
-                <a:solidFill>
-                  <a:schemeClr val="dk2"/>
-                </a:solidFill>
+              <a:defRPr b="0" i="0" sz="1400" u="none" cap="none" strike="noStrike">
+                <a:solidFill>
+                  <a:schemeClr val="dk2"/>
+                </a:solidFill>
+                <a:latin typeface="Arial"/>
+                <a:ea typeface="Arial"/>
+                <a:cs typeface="Arial"/>
+                <a:sym typeface="Arial"/>
               </a:defRPr>
             </a:lvl4pPr>
-            <a:lvl5pPr indent="-317500" lvl="4" marL="2286000">
+            <a:lvl5pPr indent="-317500" lvl="4" marL="2286000" marR="0" rtl="0" algn="l">
               <a:lnSpc>
                 <a:spcPct val="115000"/>
               </a:lnSpc>
@@ -5813,14 +8892,19 @@
                 <a:schemeClr val="dk2"/>
               </a:buClr>
               <a:buSzPts val="1400"/>
+              <a:buFont typeface="Arial"/>
               <a:buChar char="○"/>
-              <a:defRPr>
-                <a:solidFill>
-                  <a:schemeClr val="dk2"/>
-                </a:solidFill>
+              <a:defRPr b="0" i="0" sz="1400" u="none" cap="none" strike="noStrike">
+                <a:solidFill>
+                  <a:schemeClr val="dk2"/>
+                </a:solidFill>
+                <a:latin typeface="Arial"/>
+                <a:ea typeface="Arial"/>
+                <a:cs typeface="Arial"/>
+                <a:sym typeface="Arial"/>
               </a:defRPr>
             </a:lvl5pPr>
-            <a:lvl6pPr indent="-317500" lvl="5" marL="2743200">
+            <a:lvl6pPr indent="-317500" lvl="5" marL="2743200" marR="0" rtl="0" algn="l">
               <a:lnSpc>
                 <a:spcPct val="115000"/>
               </a:lnSpc>
@@ -5834,14 +8918,19 @@
                 <a:schemeClr val="dk2"/>
               </a:buClr>
               <a:buSzPts val="1400"/>
+              <a:buFont typeface="Arial"/>
               <a:buChar char="■"/>
-              <a:defRPr>
-                <a:solidFill>
-                  <a:schemeClr val="dk2"/>
-                </a:solidFill>
+              <a:defRPr b="0" i="0" sz="1400" u="none" cap="none" strike="noStrike">
+                <a:solidFill>
+                  <a:schemeClr val="dk2"/>
+                </a:solidFill>
+                <a:latin typeface="Arial"/>
+                <a:ea typeface="Arial"/>
+                <a:cs typeface="Arial"/>
+                <a:sym typeface="Arial"/>
               </a:defRPr>
             </a:lvl6pPr>
-            <a:lvl7pPr indent="-317500" lvl="6" marL="3200400">
+            <a:lvl7pPr indent="-317500" lvl="6" marL="3200400" marR="0" rtl="0" algn="l">
               <a:lnSpc>
                 <a:spcPct val="115000"/>
               </a:lnSpc>
@@ -5855,14 +8944,19 @@
                 <a:schemeClr val="dk2"/>
               </a:buClr>
               <a:buSzPts val="1400"/>
+              <a:buFont typeface="Arial"/>
               <a:buChar char="●"/>
-              <a:defRPr>
-                <a:solidFill>
-                  <a:schemeClr val="dk2"/>
-                </a:solidFill>
+              <a:defRPr b="0" i="0" sz="1400" u="none" cap="none" strike="noStrike">
+                <a:solidFill>
+                  <a:schemeClr val="dk2"/>
+                </a:solidFill>
+                <a:latin typeface="Arial"/>
+                <a:ea typeface="Arial"/>
+                <a:cs typeface="Arial"/>
+                <a:sym typeface="Arial"/>
               </a:defRPr>
             </a:lvl7pPr>
-            <a:lvl8pPr indent="-317500" lvl="7" marL="3657600">
+            <a:lvl8pPr indent="-317500" lvl="7" marL="3657600" marR="0" rtl="0" algn="l">
               <a:lnSpc>
                 <a:spcPct val="115000"/>
               </a:lnSpc>
@@ -5876,14 +8970,19 @@
                 <a:schemeClr val="dk2"/>
               </a:buClr>
               <a:buSzPts val="1400"/>
+              <a:buFont typeface="Arial"/>
               <a:buChar char="○"/>
-              <a:defRPr>
-                <a:solidFill>
-                  <a:schemeClr val="dk2"/>
-                </a:solidFill>
+              <a:defRPr b="0" i="0" sz="1400" u="none" cap="none" strike="noStrike">
+                <a:solidFill>
+                  <a:schemeClr val="dk2"/>
+                </a:solidFill>
+                <a:latin typeface="Arial"/>
+                <a:ea typeface="Arial"/>
+                <a:cs typeface="Arial"/>
+                <a:sym typeface="Arial"/>
               </a:defRPr>
             </a:lvl8pPr>
-            <a:lvl9pPr indent="-317500" lvl="8" marL="4114800">
+            <a:lvl9pPr indent="-317500" lvl="8" marL="4114800" marR="0" rtl="0" algn="l">
               <a:lnSpc>
                 <a:spcPct val="115000"/>
               </a:lnSpc>
@@ -5897,11 +8996,16 @@
                 <a:schemeClr val="dk2"/>
               </a:buClr>
               <a:buSzPts val="1400"/>
+              <a:buFont typeface="Arial"/>
               <a:buChar char="■"/>
-              <a:defRPr>
-                <a:solidFill>
-                  <a:schemeClr val="dk2"/>
-                </a:solidFill>
+              <a:defRPr b="0" i="0" sz="1400" u="none" cap="none" strike="noStrike">
+                <a:solidFill>
+                  <a:schemeClr val="dk2"/>
+                </a:solidFill>
+                <a:latin typeface="Arial"/>
+                <a:ea typeface="Arial"/>
+                <a:cs typeface="Arial"/>
+                <a:sym typeface="Arial"/>
               </a:defRPr>
             </a:lvl9pPr>
           </a:lstStyle>
@@ -5910,7 +9014,7 @@
       </p:sp>
       <p:sp>
         <p:nvSpPr>
-          <p:cNvPr id="8" name="Google Shape;8;p1"/>
+          <p:cNvPr id="8" name="Google Shape;8;p15"/>
           <p:cNvSpPr txBox="1"/>
           <p:nvPr>
             <p:ph idx="12" type="sldNum"/>
@@ -5934,76 +9038,238 @@
             <a:noAutofit/>
           </a:bodyPr>
           <a:lstStyle>
-            <a:lvl1pPr lvl="0" algn="r">
-              <a:buNone/>
-              <a:defRPr sz="1000">
-                <a:solidFill>
-                  <a:schemeClr val="dk2"/>
-                </a:solidFill>
+            <a:lvl1pPr indent="0" lvl="0" marL="0" marR="0" rtl="0" algn="r">
+              <a:lnSpc>
+                <a:spcPct val="100000"/>
+              </a:lnSpc>
+              <a:spcBef>
+                <a:spcPts val="0"/>
+              </a:spcBef>
+              <a:spcAft>
+                <a:spcPts val="0"/>
+              </a:spcAft>
+              <a:buClr>
+                <a:srgbClr val="000000"/>
+              </a:buClr>
+              <a:buSzPts val="1000"/>
+              <a:buFont typeface="Arial"/>
+              <a:buNone/>
+              <a:defRPr b="0" i="0" sz="1000" u="none" cap="none" strike="noStrike">
+                <a:solidFill>
+                  <a:schemeClr val="dk2"/>
+                </a:solidFill>
+                <a:latin typeface="Arial"/>
+                <a:ea typeface="Arial"/>
+                <a:cs typeface="Arial"/>
+                <a:sym typeface="Arial"/>
               </a:defRPr>
             </a:lvl1pPr>
-            <a:lvl2pPr lvl="1" algn="r">
-              <a:buNone/>
-              <a:defRPr sz="1000">
-                <a:solidFill>
-                  <a:schemeClr val="dk2"/>
-                </a:solidFill>
+            <a:lvl2pPr indent="0" lvl="1" marL="0" marR="0" rtl="0" algn="r">
+              <a:lnSpc>
+                <a:spcPct val="100000"/>
+              </a:lnSpc>
+              <a:spcBef>
+                <a:spcPts val="0"/>
+              </a:spcBef>
+              <a:spcAft>
+                <a:spcPts val="0"/>
+              </a:spcAft>
+              <a:buClr>
+                <a:srgbClr val="000000"/>
+              </a:buClr>
+              <a:buSzPts val="1000"/>
+              <a:buFont typeface="Arial"/>
+              <a:buNone/>
+              <a:defRPr b="0" i="0" sz="1000" u="none" cap="none" strike="noStrike">
+                <a:solidFill>
+                  <a:schemeClr val="dk2"/>
+                </a:solidFill>
+                <a:latin typeface="Arial"/>
+                <a:ea typeface="Arial"/>
+                <a:cs typeface="Arial"/>
+                <a:sym typeface="Arial"/>
               </a:defRPr>
             </a:lvl2pPr>
-            <a:lvl3pPr lvl="2" algn="r">
-              <a:buNone/>
-              <a:defRPr sz="1000">
-                <a:solidFill>
-                  <a:schemeClr val="dk2"/>
-                </a:solidFill>
+            <a:lvl3pPr indent="0" lvl="2" marL="0" marR="0" rtl="0" algn="r">
+              <a:lnSpc>
+                <a:spcPct val="100000"/>
+              </a:lnSpc>
+              <a:spcBef>
+                <a:spcPts val="0"/>
+              </a:spcBef>
+              <a:spcAft>
+                <a:spcPts val="0"/>
+              </a:spcAft>
+              <a:buClr>
+                <a:srgbClr val="000000"/>
+              </a:buClr>
+              <a:buSzPts val="1000"/>
+              <a:buFont typeface="Arial"/>
+              <a:buNone/>
+              <a:defRPr b="0" i="0" sz="1000" u="none" cap="none" strike="noStrike">
+                <a:solidFill>
+                  <a:schemeClr val="dk2"/>
+                </a:solidFill>
+                <a:latin typeface="Arial"/>
+                <a:ea typeface="Arial"/>
+                <a:cs typeface="Arial"/>
+                <a:sym typeface="Arial"/>
               </a:defRPr>
             </a:lvl3pPr>
-            <a:lvl4pPr lvl="3" algn="r">
-              <a:buNone/>
-              <a:defRPr sz="1000">
-                <a:solidFill>
-                  <a:schemeClr val="dk2"/>
-                </a:solidFill>
+            <a:lvl4pPr indent="0" lvl="3" marL="0" marR="0" rtl="0" algn="r">
+              <a:lnSpc>
+                <a:spcPct val="100000"/>
+              </a:lnSpc>
+              <a:spcBef>
+                <a:spcPts val="0"/>
+              </a:spcBef>
+              <a:spcAft>
+                <a:spcPts val="0"/>
+              </a:spcAft>
+              <a:buClr>
+                <a:srgbClr val="000000"/>
+              </a:buClr>
+              <a:buSzPts val="1000"/>
+              <a:buFont typeface="Arial"/>
+              <a:buNone/>
+              <a:defRPr b="0" i="0" sz="1000" u="none" cap="none" strike="noStrike">
+                <a:solidFill>
+                  <a:schemeClr val="dk2"/>
+                </a:solidFill>
+                <a:latin typeface="Arial"/>
+                <a:ea typeface="Arial"/>
+                <a:cs typeface="Arial"/>
+                <a:sym typeface="Arial"/>
               </a:defRPr>
             </a:lvl4pPr>
-            <a:lvl5pPr lvl="4" algn="r">
-              <a:buNone/>
-              <a:defRPr sz="1000">
-                <a:solidFill>
-                  <a:schemeClr val="dk2"/>
-                </a:solidFill>
+            <a:lvl5pPr indent="0" lvl="4" marL="0" marR="0" rtl="0" algn="r">
+              <a:lnSpc>
+                <a:spcPct val="100000"/>
+              </a:lnSpc>
+              <a:spcBef>
+                <a:spcPts val="0"/>
+              </a:spcBef>
+              <a:spcAft>
+                <a:spcPts val="0"/>
+              </a:spcAft>
+              <a:buClr>
+                <a:srgbClr val="000000"/>
+              </a:buClr>
+              <a:buSzPts val="1000"/>
+              <a:buFont typeface="Arial"/>
+              <a:buNone/>
+              <a:defRPr b="0" i="0" sz="1000" u="none" cap="none" strike="noStrike">
+                <a:solidFill>
+                  <a:schemeClr val="dk2"/>
+                </a:solidFill>
+                <a:latin typeface="Arial"/>
+                <a:ea typeface="Arial"/>
+                <a:cs typeface="Arial"/>
+                <a:sym typeface="Arial"/>
               </a:defRPr>
             </a:lvl5pPr>
-            <a:lvl6pPr lvl="5" algn="r">
-              <a:buNone/>
-              <a:defRPr sz="1000">
-                <a:solidFill>
-                  <a:schemeClr val="dk2"/>
-                </a:solidFill>
+            <a:lvl6pPr indent="0" lvl="5" marL="0" marR="0" rtl="0" algn="r">
+              <a:lnSpc>
+                <a:spcPct val="100000"/>
+              </a:lnSpc>
+              <a:spcBef>
+                <a:spcPts val="0"/>
+              </a:spcBef>
+              <a:spcAft>
+                <a:spcPts val="0"/>
+              </a:spcAft>
+              <a:buClr>
+                <a:srgbClr val="000000"/>
+              </a:buClr>
+              <a:buSzPts val="1000"/>
+              <a:buFont typeface="Arial"/>
+              <a:buNone/>
+              <a:defRPr b="0" i="0" sz="1000" u="none" cap="none" strike="noStrike">
+                <a:solidFill>
+                  <a:schemeClr val="dk2"/>
+                </a:solidFill>
+                <a:latin typeface="Arial"/>
+                <a:ea typeface="Arial"/>
+                <a:cs typeface="Arial"/>
+                <a:sym typeface="Arial"/>
               </a:defRPr>
             </a:lvl6pPr>
-            <a:lvl7pPr lvl="6" algn="r">
-              <a:buNone/>
-              <a:defRPr sz="1000">
-                <a:solidFill>
-                  <a:schemeClr val="dk2"/>
-                </a:solidFill>
+            <a:lvl7pPr indent="0" lvl="6" marL="0" marR="0" rtl="0" algn="r">
+              <a:lnSpc>
+                <a:spcPct val="100000"/>
+              </a:lnSpc>
+              <a:spcBef>
+                <a:spcPts val="0"/>
+              </a:spcBef>
+              <a:spcAft>
+                <a:spcPts val="0"/>
+              </a:spcAft>
+              <a:buClr>
+                <a:srgbClr val="000000"/>
+              </a:buClr>
+              <a:buSzPts val="1000"/>
+              <a:buFont typeface="Arial"/>
+              <a:buNone/>
+              <a:defRPr b="0" i="0" sz="1000" u="none" cap="none" strike="noStrike">
+                <a:solidFill>
+                  <a:schemeClr val="dk2"/>
+                </a:solidFill>
+                <a:latin typeface="Arial"/>
+                <a:ea typeface="Arial"/>
+                <a:cs typeface="Arial"/>
+                <a:sym typeface="Arial"/>
               </a:defRPr>
             </a:lvl7pPr>
-            <a:lvl8pPr lvl="7" algn="r">
-              <a:buNone/>
-              <a:defRPr sz="1000">
-                <a:solidFill>
-                  <a:schemeClr val="dk2"/>
-                </a:solidFill>
+            <a:lvl8pPr indent="0" lvl="7" marL="0" marR="0" rtl="0" algn="r">
+              <a:lnSpc>
+                <a:spcPct val="100000"/>
+              </a:lnSpc>
+              <a:spcBef>
+                <a:spcPts val="0"/>
+              </a:spcBef>
+              <a:spcAft>
+                <a:spcPts val="0"/>
+              </a:spcAft>
+              <a:buClr>
+                <a:srgbClr val="000000"/>
+              </a:buClr>
+              <a:buSzPts val="1000"/>
+              <a:buFont typeface="Arial"/>
+              <a:buNone/>
+              <a:defRPr b="0" i="0" sz="1000" u="none" cap="none" strike="noStrike">
+                <a:solidFill>
+                  <a:schemeClr val="dk2"/>
+                </a:solidFill>
+                <a:latin typeface="Arial"/>
+                <a:ea typeface="Arial"/>
+                <a:cs typeface="Arial"/>
+                <a:sym typeface="Arial"/>
               </a:defRPr>
             </a:lvl8pPr>
-            <a:lvl9pPr lvl="8" algn="r">
-              <a:buNone/>
-              <a:defRPr sz="1000">
-                <a:solidFill>
-                  <a:schemeClr val="dk2"/>
-                </a:solidFill>
+            <a:lvl9pPr indent="0" lvl="8" marL="0" marR="0" rtl="0" algn="r">
+              <a:lnSpc>
+                <a:spcPct val="100000"/>
+              </a:lnSpc>
+              <a:spcBef>
+                <a:spcPts val="0"/>
+              </a:spcBef>
+              <a:spcAft>
+                <a:spcPts val="0"/>
+              </a:spcAft>
+              <a:buClr>
+                <a:srgbClr val="000000"/>
+              </a:buClr>
+              <a:buSzPts val="1000"/>
+              <a:buFont typeface="Arial"/>
+              <a:buNone/>
+              <a:defRPr b="0" i="0" sz="1000" u="none" cap="none" strike="noStrike">
+                <a:solidFill>
+                  <a:schemeClr val="dk2"/>
+                </a:solidFill>
+                <a:latin typeface="Arial"/>
+                <a:ea typeface="Arial"/>
+                <a:cs typeface="Arial"/>
+                <a:sym typeface="Arial"/>
               </a:defRPr>
             </a:lvl9pPr>
           </a:lstStyle>
@@ -6029,17 +9295,17 @@
   </p:cSld>
   <p:clrMap accent1="accent1" accent2="accent2" accent3="accent3" accent4="accent4" accent5="accent5" accent6="accent6" bg1="lt1" bg2="dk2" tx1="dk1" tx2="lt2" folHlink="folHlink" hlink="hlink"/>
   <p:sldLayoutIdLst>
-    <p:sldLayoutId id="2147483648" r:id="rId1"/>
-    <p:sldLayoutId id="2147483649" r:id="rId2"/>
-    <p:sldLayoutId id="2147483650" r:id="rId3"/>
-    <p:sldLayoutId id="2147483651" r:id="rId4"/>
-    <p:sldLayoutId id="2147483652" r:id="rId5"/>
-    <p:sldLayoutId id="2147483653" r:id="rId6"/>
-    <p:sldLayoutId id="2147483654" r:id="rId7"/>
-    <p:sldLayoutId id="2147483655" r:id="rId8"/>
-    <p:sldLayoutId id="2147483656" r:id="rId9"/>
-    <p:sldLayoutId id="2147483657" r:id="rId10"/>
-    <p:sldLayoutId id="2147483658" r:id="rId11"/>
+    <p:sldLayoutId id="2147483649" r:id="rId1"/>
+    <p:sldLayoutId id="2147483650" r:id="rId2"/>
+    <p:sldLayoutId id="2147483651" r:id="rId3"/>
+    <p:sldLayoutId id="2147483652" r:id="rId4"/>
+    <p:sldLayoutId id="2147483653" r:id="rId5"/>
+    <p:sldLayoutId id="2147483654" r:id="rId6"/>
+    <p:sldLayoutId id="2147483655" r:id="rId7"/>
+    <p:sldLayoutId id="2147483656" r:id="rId8"/>
+    <p:sldLayoutId id="2147483657" r:id="rId9"/>
+    <p:sldLayoutId id="2147483658" r:id="rId10"/>
+    <p:sldLayoutId id="2147483659" r:id="rId11"/>
   </p:sldLayoutIdLst>
   <p:hf dt="0" ftr="0" hdr="0" sldNum="0"/>
   <p:txStyles>
@@ -6753,7 +10019,7 @@
       </p:grpSpPr>
       <p:pic>
         <p:nvPicPr>
-          <p:cNvPr id="54" name="Google Shape;54;p13"/>
+          <p:cNvPr id="54" name="Google Shape;54;p1"/>
           <p:cNvPicPr preferRelativeResize="0"/>
           <p:nvPr/>
         </p:nvPicPr>
@@ -6767,8 +10033,8 @@
         </p:blipFill>
         <p:spPr>
           <a:xfrm>
-            <a:off x="1079925" y="280988"/>
-            <a:ext cx="6819900" cy="4581525"/>
+            <a:off x="372000" y="0"/>
+            <a:ext cx="7714142" cy="5143499"/>
           </a:xfrm>
           <a:prstGeom prst="rect">
             <a:avLst/>
@@ -6806,7 +10072,7 @@
       </p:grpSpPr>
       <p:pic>
         <p:nvPicPr>
-          <p:cNvPr id="99" name="Google Shape;99;p22"/>
+          <p:cNvPr id="99" name="Google Shape;99;p10"/>
           <p:cNvPicPr preferRelativeResize="0"/>
           <p:nvPr/>
         </p:nvPicPr>
@@ -6820,8 +10086,8 @@
         </p:blipFill>
         <p:spPr>
           <a:xfrm>
-            <a:off x="2485250" y="242650"/>
-            <a:ext cx="3724275" cy="4581525"/>
+            <a:off x="1465875" y="141350"/>
+            <a:ext cx="6076950" cy="4629150"/>
           </a:xfrm>
           <a:prstGeom prst="rect">
             <a:avLst/>
@@ -6859,7 +10125,7 @@
       </p:grpSpPr>
       <p:pic>
         <p:nvPicPr>
-          <p:cNvPr id="104" name="Google Shape;104;p23"/>
+          <p:cNvPr id="104" name="Google Shape;104;p11"/>
           <p:cNvPicPr preferRelativeResize="0"/>
           <p:nvPr/>
         </p:nvPicPr>
@@ -6873,8 +10139,8 @@
         </p:blipFill>
         <p:spPr>
           <a:xfrm>
-            <a:off x="2736050" y="152400"/>
-            <a:ext cx="2943264" cy="4838699"/>
+            <a:off x="0" y="0"/>
+            <a:ext cx="9144000" cy="5143501"/>
           </a:xfrm>
           <a:prstGeom prst="rect">
             <a:avLst/>
@@ -6912,7 +10178,7 @@
       </p:grpSpPr>
       <p:pic>
         <p:nvPicPr>
-          <p:cNvPr id="109" name="Google Shape;109;p24"/>
+          <p:cNvPr id="109" name="Google Shape;109;p12"/>
           <p:cNvPicPr preferRelativeResize="0"/>
           <p:nvPr/>
         </p:nvPicPr>
@@ -6926,8 +10192,8 @@
         </p:blipFill>
         <p:spPr>
           <a:xfrm>
-            <a:off x="2652000" y="65988"/>
-            <a:ext cx="3687601" cy="5011525"/>
+            <a:off x="2471738" y="207575"/>
+            <a:ext cx="4200525" cy="4629150"/>
           </a:xfrm>
           <a:prstGeom prst="rect">
             <a:avLst/>
@@ -6965,7 +10231,7 @@
       </p:grpSpPr>
       <p:pic>
         <p:nvPicPr>
-          <p:cNvPr id="114" name="Google Shape;114;p25"/>
+          <p:cNvPr id="114" name="Google Shape;114;p13"/>
           <p:cNvPicPr preferRelativeResize="0"/>
           <p:nvPr/>
         </p:nvPicPr>
@@ -6979,61 +10245,8 @@
         </p:blipFill>
         <p:spPr>
           <a:xfrm>
-            <a:off x="1754475" y="280975"/>
-            <a:ext cx="4905375" cy="4581525"/>
-          </a:xfrm>
-          <a:prstGeom prst="rect">
-            <a:avLst/>
-          </a:prstGeom>
-          <a:noFill/>
-          <a:ln>
-            <a:noFill/>
-          </a:ln>
-        </p:spPr>
-      </p:pic>
-    </p:spTree>
-  </p:cSld>
-  <p:clrMapOvr>
-    <a:masterClrMapping/>
-  </p:clrMapOvr>
-</p:sld>
-</file>
-
-<file path=ppt/slides/slide14.xml><?xml version="1.0" encoding="utf-8"?>
-<p:sld xmlns:a="http://schemas.openxmlformats.org/drawingml/2006/main" xmlns:r="http://schemas.openxmlformats.org/officeDocument/2006/relationships" xmlns:mc="http://schemas.openxmlformats.org/markup-compatibility/2006" xmlns:mv="urn:schemas-microsoft-com:mac:vml" xmlns:p="http://schemas.openxmlformats.org/presentationml/2006/main" xmlns:c="http://schemas.openxmlformats.org/drawingml/2006/chart" xmlns:dgm="http://schemas.openxmlformats.org/drawingml/2006/diagram" xmlns:o="urn:schemas-microsoft-com:office:office" xmlns:v="urn:schemas-microsoft-com:vml" xmlns:pvml="urn:schemas-microsoft-com:office:powerpoint" xmlns:com="http://schemas.openxmlformats.org/drawingml/2006/compatibility" xmlns:p14="http://schemas.microsoft.com/office/powerpoint/2010/main" xmlns:p15="http://schemas.microsoft.com/office/powerpoint/2012/main">
-  <p:cSld>
-    <p:spTree>
-      <p:nvGrpSpPr>
-        <p:cNvPr id="118" name="Shape 118"/>
-        <p:cNvGrpSpPr/>
-        <p:nvPr/>
-      </p:nvGrpSpPr>
-      <p:grpSpPr>
-        <a:xfrm>
-          <a:off x="0" y="0"/>
-          <a:ext cx="0" cy="0"/>
-          <a:chOff x="0" y="0"/>
-          <a:chExt cx="0" cy="0"/>
-        </a:xfrm>
-      </p:grpSpPr>
-      <p:pic>
-        <p:nvPicPr>
-          <p:cNvPr id="119" name="Google Shape;119;p26"/>
-          <p:cNvPicPr preferRelativeResize="0"/>
-          <p:nvPr/>
-        </p:nvPicPr>
-        <p:blipFill>
-          <a:blip r:embed="rId3">
-            <a:alphaModFix/>
-          </a:blip>
-          <a:stretch>
-            <a:fillRect/>
-          </a:stretch>
-        </p:blipFill>
-        <p:spPr>
-          <a:xfrm>
-            <a:off x="2035550" y="208600"/>
-            <a:ext cx="4200525" cy="4581525"/>
+            <a:off x="1885300" y="64100"/>
+            <a:ext cx="5724525" cy="4629150"/>
           </a:xfrm>
           <a:prstGeom prst="rect">
             <a:avLst/>
@@ -7071,7 +10284,7 @@
       </p:grpSpPr>
       <p:pic>
         <p:nvPicPr>
-          <p:cNvPr id="59" name="Google Shape;59;p14"/>
+          <p:cNvPr id="59" name="Google Shape;59;p2"/>
           <p:cNvPicPr preferRelativeResize="0"/>
           <p:nvPr/>
         </p:nvPicPr>
@@ -7085,8 +10298,8 @@
         </p:blipFill>
         <p:spPr>
           <a:xfrm>
-            <a:off x="1304825" y="377250"/>
-            <a:ext cx="6105525" cy="4581525"/>
+            <a:off x="1176888" y="0"/>
+            <a:ext cx="6790226" cy="5143499"/>
           </a:xfrm>
           <a:prstGeom prst="rect">
             <a:avLst/>
@@ -7124,7 +10337,7 @@
       </p:grpSpPr>
       <p:pic>
         <p:nvPicPr>
-          <p:cNvPr id="64" name="Google Shape;64;p15"/>
+          <p:cNvPr id="64" name="Google Shape;64;p3"/>
           <p:cNvPicPr preferRelativeResize="0"/>
           <p:nvPr/>
         </p:nvPicPr>
@@ -7138,8 +10351,8 @@
         </p:blipFill>
         <p:spPr>
           <a:xfrm>
-            <a:off x="1504950" y="280988"/>
-            <a:ext cx="6134100" cy="4581525"/>
+            <a:off x="1631450" y="179925"/>
+            <a:ext cx="6134100" cy="4629150"/>
           </a:xfrm>
           <a:prstGeom prst="rect">
             <a:avLst/>
@@ -7177,7 +10390,7 @@
       </p:grpSpPr>
       <p:pic>
         <p:nvPicPr>
-          <p:cNvPr id="69" name="Google Shape;69;p16"/>
+          <p:cNvPr id="69" name="Google Shape;69;p4"/>
           <p:cNvPicPr preferRelativeResize="0"/>
           <p:nvPr/>
         </p:nvPicPr>
@@ -7191,8 +10404,8 @@
         </p:blipFill>
         <p:spPr>
           <a:xfrm>
-            <a:off x="2105800" y="280988"/>
-            <a:ext cx="4010025" cy="4581525"/>
+            <a:off x="507600" y="0"/>
+            <a:ext cx="7737449" cy="5095101"/>
           </a:xfrm>
           <a:prstGeom prst="rect">
             <a:avLst/>
@@ -7230,7 +10443,7 @@
       </p:grpSpPr>
       <p:pic>
         <p:nvPicPr>
-          <p:cNvPr id="74" name="Google Shape;74;p17"/>
+          <p:cNvPr id="74" name="Google Shape;74;p5"/>
           <p:cNvPicPr preferRelativeResize="0"/>
           <p:nvPr/>
         </p:nvPicPr>
@@ -7244,8 +10457,8 @@
         </p:blipFill>
         <p:spPr>
           <a:xfrm>
-            <a:off x="2281238" y="242888"/>
-            <a:ext cx="4581525" cy="4657725"/>
+            <a:off x="1313475" y="0"/>
+            <a:ext cx="5662275" cy="5143499"/>
           </a:xfrm>
           <a:prstGeom prst="rect">
             <a:avLst/>
@@ -7283,7 +10496,7 @@
       </p:grpSpPr>
       <p:pic>
         <p:nvPicPr>
-          <p:cNvPr id="79" name="Google Shape;79;p18"/>
+          <p:cNvPr id="79" name="Google Shape;79;p6"/>
           <p:cNvPicPr preferRelativeResize="0"/>
           <p:nvPr/>
         </p:nvPicPr>
@@ -7297,8 +10510,8 @@
         </p:blipFill>
         <p:spPr>
           <a:xfrm>
-            <a:off x="1529625" y="166425"/>
-            <a:ext cx="5724525" cy="4629150"/>
+            <a:off x="907538" y="26525"/>
+            <a:ext cx="7328925" cy="5090425"/>
           </a:xfrm>
           <a:prstGeom prst="rect">
             <a:avLst/>
@@ -7336,7 +10549,7 @@
       </p:grpSpPr>
       <p:pic>
         <p:nvPicPr>
-          <p:cNvPr id="84" name="Google Shape;84;p19"/>
+          <p:cNvPr id="84" name="Google Shape;84;p7"/>
           <p:cNvPicPr preferRelativeResize="0"/>
           <p:nvPr/>
         </p:nvPicPr>
@@ -7350,8 +10563,8 @@
         </p:blipFill>
         <p:spPr>
           <a:xfrm>
-            <a:off x="1852875" y="280975"/>
-            <a:ext cx="4200525" cy="4581525"/>
+            <a:off x="1644600" y="0"/>
+            <a:ext cx="6015475" cy="5143499"/>
           </a:xfrm>
           <a:prstGeom prst="rect">
             <a:avLst/>
@@ -7389,7 +10602,7 @@
       </p:grpSpPr>
       <p:pic>
         <p:nvPicPr>
-          <p:cNvPr id="89" name="Google Shape;89;p20"/>
+          <p:cNvPr id="89" name="Google Shape;89;p8"/>
           <p:cNvPicPr preferRelativeResize="0"/>
           <p:nvPr/>
         </p:nvPicPr>
@@ -7403,8 +10616,8 @@
         </p:blipFill>
         <p:spPr>
           <a:xfrm>
-            <a:off x="2063625" y="190500"/>
-            <a:ext cx="4638675" cy="4762500"/>
+            <a:off x="792600" y="152400"/>
+            <a:ext cx="7884235" cy="4838700"/>
           </a:xfrm>
           <a:prstGeom prst="rect">
             <a:avLst/>
@@ -7442,7 +10655,7 @@
       </p:grpSpPr>
       <p:pic>
         <p:nvPicPr>
-          <p:cNvPr id="94" name="Google Shape;94;p21"/>
+          <p:cNvPr id="94" name="Google Shape;94;p9"/>
           <p:cNvPicPr preferRelativeResize="0"/>
           <p:nvPr/>
         </p:nvPicPr>
@@ -7456,8 +10669,8 @@
         </p:blipFill>
         <p:spPr>
           <a:xfrm>
-            <a:off x="2228850" y="280988"/>
-            <a:ext cx="4686300" cy="4581525"/>
+            <a:off x="847750" y="119300"/>
+            <a:ext cx="7734300" cy="4629150"/>
           </a:xfrm>
           <a:prstGeom prst="rect">
             <a:avLst/>
